--- a/그림.pptx
+++ b/그림.pptx
@@ -6,6 +6,16 @@
   </p:sldMasterIdLst>
   <p:sldIdLst>
     <p:sldId id="257" r:id="rId2"/>
+    <p:sldId id="258" r:id="rId3"/>
+    <p:sldId id="259" r:id="rId4"/>
+    <p:sldId id="260" r:id="rId5"/>
+    <p:sldId id="261" r:id="rId6"/>
+    <p:sldId id="262" r:id="rId7"/>
+    <p:sldId id="264" r:id="rId8"/>
+    <p:sldId id="263" r:id="rId9"/>
+    <p:sldId id="265" r:id="rId10"/>
+    <p:sldId id="266" r:id="rId11"/>
+    <p:sldId id="267" r:id="rId12"/>
   </p:sldIdLst>
   <p:sldSz cx="12192000" cy="6858000"/>
   <p:notesSz cx="6858000" cy="9144000"/>
@@ -104,7 +114,962 @@
       </a:defRPr>
     </a:lvl9pPr>
   </p:defaultTextStyle>
+  <p:extLst>
+    <p:ext uri="{EFAFB233-063F-42B5-8137-9DF3F51BA10A}">
+      <p15:sldGuideLst xmlns:p15="http://schemas.microsoft.com/office/powerpoint/2012/main"/>
+    </p:ext>
+  </p:extLst>
 </p:presentation>
+</file>
+
+<file path=ppt/revisionInfo.xml><?xml version="1.0" encoding="utf-8"?>
+<p1510:revInfo xmlns:a="http://schemas.openxmlformats.org/drawingml/2006/main" xmlns:r="http://schemas.openxmlformats.org/officeDocument/2006/relationships" xmlns:p1510="http://schemas.microsoft.com/office/powerpoint/2015/10/main">
+  <p1510:revLst>
+    <p1510:client id="{28308632-E1D1-4863-A840-A2DFE1CF93F1}" v="3" dt="2023-01-26T09:04:11.083"/>
+    <p1510:client id="{9D9C2D40-DEF9-4F8D-A9E0-AE9373B1CD27}" v="223" dt="2023-01-26T16:09:57.786"/>
+  </p1510:revLst>
+</p1510:revInfo>
+</file>
+
+<file path=ppt/changesInfos/changesInfo1.xml><?xml version="1.0" encoding="utf-8"?>
+<pc:chgInfo xmlns:a="http://schemas.openxmlformats.org/drawingml/2006/main" xmlns:r="http://schemas.openxmlformats.org/officeDocument/2006/relationships" xmlns:ac="http://schemas.microsoft.com/office/drawing/2013/main/command" xmlns:pc="http://schemas.microsoft.com/office/powerpoint/2013/main/command">
+  <pc:docChgLst>
+    <pc:chgData name="주상원" userId="20f45aad-3735-4b46-b3e4-3c4e735e7b26" providerId="ADAL" clId="{28308632-E1D1-4863-A840-A2DFE1CF93F1}"/>
+    <pc:docChg chg="undo custSel addSld modSld">
+      <pc:chgData name="주상원" userId="20f45aad-3735-4b46-b3e4-3c4e735e7b26" providerId="ADAL" clId="{28308632-E1D1-4863-A840-A2DFE1CF93F1}" dt="2023-01-26T09:04:11.083" v="44"/>
+      <pc:docMkLst>
+        <pc:docMk/>
+      </pc:docMkLst>
+      <pc:sldChg chg="modSp mod">
+        <pc:chgData name="주상원" userId="20f45aad-3735-4b46-b3e4-3c4e735e7b26" providerId="ADAL" clId="{28308632-E1D1-4863-A840-A2DFE1CF93F1}" dt="2023-01-19T03:35:37.289" v="37" actId="1076"/>
+        <pc:sldMkLst>
+          <pc:docMk/>
+          <pc:sldMk cId="333898920" sldId="257"/>
+        </pc:sldMkLst>
+        <pc:spChg chg="mod">
+          <ac:chgData name="주상원" userId="20f45aad-3735-4b46-b3e4-3c4e735e7b26" providerId="ADAL" clId="{28308632-E1D1-4863-A840-A2DFE1CF93F1}" dt="2023-01-19T03:35:37.289" v="37" actId="1076"/>
+          <ac:spMkLst>
+            <pc:docMk/>
+            <pc:sldMk cId="333898920" sldId="257"/>
+            <ac:spMk id="58" creationId="{84B7FA21-F4D4-17F1-F769-C5F27F4DC5FA}"/>
+          </ac:spMkLst>
+        </pc:spChg>
+      </pc:sldChg>
+      <pc:sldChg chg="modSp mod">
+        <pc:chgData name="주상원" userId="20f45aad-3735-4b46-b3e4-3c4e735e7b26" providerId="ADAL" clId="{28308632-E1D1-4863-A840-A2DFE1CF93F1}" dt="2023-01-19T03:35:07.117" v="16" actId="20577"/>
+        <pc:sldMkLst>
+          <pc:docMk/>
+          <pc:sldMk cId="3229919337" sldId="258"/>
+        </pc:sldMkLst>
+        <pc:spChg chg="mod">
+          <ac:chgData name="주상원" userId="20f45aad-3735-4b46-b3e4-3c4e735e7b26" providerId="ADAL" clId="{28308632-E1D1-4863-A840-A2DFE1CF93F1}" dt="2023-01-19T03:35:07.117" v="16" actId="20577"/>
+          <ac:spMkLst>
+            <pc:docMk/>
+            <pc:sldMk cId="3229919337" sldId="258"/>
+            <ac:spMk id="51" creationId="{B05CEC64-F9C8-5CCB-803D-9DDE7641C1FF}"/>
+          </ac:spMkLst>
+        </pc:spChg>
+      </pc:sldChg>
+      <pc:sldChg chg="addSp delSp modSp new mod">
+        <pc:chgData name="주상원" userId="20f45aad-3735-4b46-b3e4-3c4e735e7b26" providerId="ADAL" clId="{28308632-E1D1-4863-A840-A2DFE1CF93F1}" dt="2023-01-26T09:04:11.083" v="44"/>
+        <pc:sldMkLst>
+          <pc:docMk/>
+          <pc:sldMk cId="2051611770" sldId="260"/>
+        </pc:sldMkLst>
+        <pc:spChg chg="del">
+          <ac:chgData name="주상원" userId="20f45aad-3735-4b46-b3e4-3c4e735e7b26" providerId="ADAL" clId="{28308632-E1D1-4863-A840-A2DFE1CF93F1}" dt="2023-01-26T07:33:03.118" v="39" actId="478"/>
+          <ac:spMkLst>
+            <pc:docMk/>
+            <pc:sldMk cId="2051611770" sldId="260"/>
+            <ac:spMk id="2" creationId="{3C09CC53-99F6-FB5E-5C6B-CD89E3A00324}"/>
+          </ac:spMkLst>
+        </pc:spChg>
+        <pc:spChg chg="del">
+          <ac:chgData name="주상원" userId="20f45aad-3735-4b46-b3e4-3c4e735e7b26" providerId="ADAL" clId="{28308632-E1D1-4863-A840-A2DFE1CF93F1}" dt="2023-01-26T07:33:03.118" v="39" actId="478"/>
+          <ac:spMkLst>
+            <pc:docMk/>
+            <pc:sldMk cId="2051611770" sldId="260"/>
+            <ac:spMk id="3" creationId="{F10EB8E3-A237-0627-8F3D-0FE5D71BBAB6}"/>
+          </ac:spMkLst>
+        </pc:spChg>
+        <pc:spChg chg="add del mod">
+          <ac:chgData name="주상원" userId="20f45aad-3735-4b46-b3e4-3c4e735e7b26" providerId="ADAL" clId="{28308632-E1D1-4863-A840-A2DFE1CF93F1}" dt="2023-01-26T07:33:17.271" v="41" actId="767"/>
+          <ac:spMkLst>
+            <pc:docMk/>
+            <pc:sldMk cId="2051611770" sldId="260"/>
+            <ac:spMk id="4" creationId="{4A287FBE-9401-B1BE-F649-4221B174A02E}"/>
+          </ac:spMkLst>
+        </pc:spChg>
+        <pc:graphicFrameChg chg="add del modGraphic">
+          <ac:chgData name="주상원" userId="20f45aad-3735-4b46-b3e4-3c4e735e7b26" providerId="ADAL" clId="{28308632-E1D1-4863-A840-A2DFE1CF93F1}" dt="2023-01-26T07:36:07.851" v="43" actId="1032"/>
+          <ac:graphicFrameMkLst>
+            <pc:docMk/>
+            <pc:sldMk cId="2051611770" sldId="260"/>
+            <ac:graphicFrameMk id="5" creationId="{0D490F96-4288-B926-0ECF-D52D7C45B6D2}"/>
+          </ac:graphicFrameMkLst>
+        </pc:graphicFrameChg>
+        <pc:picChg chg="add mod">
+          <ac:chgData name="주상원" userId="20f45aad-3735-4b46-b3e4-3c4e735e7b26" providerId="ADAL" clId="{28308632-E1D1-4863-A840-A2DFE1CF93F1}" dt="2023-01-26T09:04:11.083" v="44"/>
+          <ac:picMkLst>
+            <pc:docMk/>
+            <pc:sldMk cId="2051611770" sldId="260"/>
+            <ac:picMk id="7" creationId="{D7B170F0-E28E-2D5F-C189-2E346F41C001}"/>
+          </ac:picMkLst>
+        </pc:picChg>
+      </pc:sldChg>
+    </pc:docChg>
+  </pc:docChgLst>
+  <pc:docChgLst>
+    <pc:chgData name="주상원" userId="20f45aad-3735-4b46-b3e4-3c4e735e7b26" providerId="ADAL" clId="{9D9C2D40-DEF9-4F8D-A9E0-AE9373B1CD27}"/>
+    <pc:docChg chg="undo custSel addSld modSld">
+      <pc:chgData name="주상원" userId="20f45aad-3735-4b46-b3e4-3c4e735e7b26" providerId="ADAL" clId="{9D9C2D40-DEF9-4F8D-A9E0-AE9373B1CD27}" dt="2023-01-26T16:11:12.326" v="874" actId="13926"/>
+      <pc:docMkLst>
+        <pc:docMk/>
+      </pc:docMkLst>
+      <pc:sldChg chg="addSp delSp modSp new mod">
+        <pc:chgData name="주상원" userId="20f45aad-3735-4b46-b3e4-3c4e735e7b26" providerId="ADAL" clId="{9D9C2D40-DEF9-4F8D-A9E0-AE9373B1CD27}" dt="2023-01-26T14:55:25.266" v="308" actId="20577"/>
+        <pc:sldMkLst>
+          <pc:docMk/>
+          <pc:sldMk cId="2969086241" sldId="261"/>
+        </pc:sldMkLst>
+        <pc:spChg chg="del">
+          <ac:chgData name="주상원" userId="20f45aad-3735-4b46-b3e4-3c4e735e7b26" providerId="ADAL" clId="{9D9C2D40-DEF9-4F8D-A9E0-AE9373B1CD27}" dt="2023-01-26T14:42:18.716" v="1" actId="478"/>
+          <ac:spMkLst>
+            <pc:docMk/>
+            <pc:sldMk cId="2969086241" sldId="261"/>
+            <ac:spMk id="2" creationId="{ECB7B755-B81A-7A55-C0C1-E6A44D452833}"/>
+          </ac:spMkLst>
+        </pc:spChg>
+        <pc:spChg chg="del">
+          <ac:chgData name="주상원" userId="20f45aad-3735-4b46-b3e4-3c4e735e7b26" providerId="ADAL" clId="{9D9C2D40-DEF9-4F8D-A9E0-AE9373B1CD27}" dt="2023-01-26T14:42:18.716" v="1" actId="478"/>
+          <ac:spMkLst>
+            <pc:docMk/>
+            <pc:sldMk cId="2969086241" sldId="261"/>
+            <ac:spMk id="3" creationId="{65E49FC6-6068-14E1-0FBF-1978102AB55E}"/>
+          </ac:spMkLst>
+        </pc:spChg>
+        <pc:spChg chg="add mod">
+          <ac:chgData name="주상원" userId="20f45aad-3735-4b46-b3e4-3c4e735e7b26" providerId="ADAL" clId="{9D9C2D40-DEF9-4F8D-A9E0-AE9373B1CD27}" dt="2023-01-26T14:44:27.153" v="61" actId="1076"/>
+          <ac:spMkLst>
+            <pc:docMk/>
+            <pc:sldMk cId="2969086241" sldId="261"/>
+            <ac:spMk id="9" creationId="{AED31F20-9A6C-5750-4B42-AF035FC96C25}"/>
+          </ac:spMkLst>
+        </pc:spChg>
+        <pc:spChg chg="add mod">
+          <ac:chgData name="주상원" userId="20f45aad-3735-4b46-b3e4-3c4e735e7b26" providerId="ADAL" clId="{9D9C2D40-DEF9-4F8D-A9E0-AE9373B1CD27}" dt="2023-01-26T14:45:07.528" v="112" actId="1076"/>
+          <ac:spMkLst>
+            <pc:docMk/>
+            <pc:sldMk cId="2969086241" sldId="261"/>
+            <ac:spMk id="12" creationId="{10C69481-9D45-C95A-35E2-6B0B4F62E8CA}"/>
+          </ac:spMkLst>
+        </pc:spChg>
+        <pc:spChg chg="add mod">
+          <ac:chgData name="주상원" userId="20f45aad-3735-4b46-b3e4-3c4e735e7b26" providerId="ADAL" clId="{9D9C2D40-DEF9-4F8D-A9E0-AE9373B1CD27}" dt="2023-01-26T14:50:42.540" v="120" actId="208"/>
+          <ac:spMkLst>
+            <pc:docMk/>
+            <pc:sldMk cId="2969086241" sldId="261"/>
+            <ac:spMk id="13" creationId="{1124F201-033A-67F3-B8F9-42A3FEBDD61F}"/>
+          </ac:spMkLst>
+        </pc:spChg>
+        <pc:spChg chg="add mod">
+          <ac:chgData name="주상원" userId="20f45aad-3735-4b46-b3e4-3c4e735e7b26" providerId="ADAL" clId="{9D9C2D40-DEF9-4F8D-A9E0-AE9373B1CD27}" dt="2023-01-26T14:55:25.266" v="308" actId="20577"/>
+          <ac:spMkLst>
+            <pc:docMk/>
+            <pc:sldMk cId="2969086241" sldId="261"/>
+            <ac:spMk id="14" creationId="{C891C132-C788-783E-6963-09F428BC3370}"/>
+          </ac:spMkLst>
+        </pc:spChg>
+        <pc:picChg chg="add mod">
+          <ac:chgData name="주상원" userId="20f45aad-3735-4b46-b3e4-3c4e735e7b26" providerId="ADAL" clId="{9D9C2D40-DEF9-4F8D-A9E0-AE9373B1CD27}" dt="2023-01-26T14:42:32.638" v="4" actId="1076"/>
+          <ac:picMkLst>
+            <pc:docMk/>
+            <pc:sldMk cId="2969086241" sldId="261"/>
+            <ac:picMk id="5" creationId="{1A1EB88D-B7A0-C52A-2AAB-8FC76754FA88}"/>
+          </ac:picMkLst>
+        </pc:picChg>
+        <pc:picChg chg="add mod">
+          <ac:chgData name="주상원" userId="20f45aad-3735-4b46-b3e4-3c4e735e7b26" providerId="ADAL" clId="{9D9C2D40-DEF9-4F8D-A9E0-AE9373B1CD27}" dt="2023-01-26T14:43:05.030" v="8" actId="1076"/>
+          <ac:picMkLst>
+            <pc:docMk/>
+            <pc:sldMk cId="2969086241" sldId="261"/>
+            <ac:picMk id="7" creationId="{6A46480B-5CB2-BA6A-260E-BE53B75984E5}"/>
+          </ac:picMkLst>
+        </pc:picChg>
+        <pc:cxnChg chg="add">
+          <ac:chgData name="주상원" userId="20f45aad-3735-4b46-b3e4-3c4e735e7b26" providerId="ADAL" clId="{9D9C2D40-DEF9-4F8D-A9E0-AE9373B1CD27}" dt="2023-01-26T14:44:45.498" v="62" actId="11529"/>
+          <ac:cxnSpMkLst>
+            <pc:docMk/>
+            <pc:sldMk cId="2969086241" sldId="261"/>
+            <ac:cxnSpMk id="11" creationId="{37D0D8B9-096C-6DF7-A873-DDDAC53D15CA}"/>
+          </ac:cxnSpMkLst>
+        </pc:cxnChg>
+      </pc:sldChg>
+      <pc:sldChg chg="addSp delSp modSp new mod">
+        <pc:chgData name="주상원" userId="20f45aad-3735-4b46-b3e4-3c4e735e7b26" providerId="ADAL" clId="{9D9C2D40-DEF9-4F8D-A9E0-AE9373B1CD27}" dt="2023-01-26T15:04:02.488" v="388" actId="1076"/>
+        <pc:sldMkLst>
+          <pc:docMk/>
+          <pc:sldMk cId="4154245659" sldId="262"/>
+        </pc:sldMkLst>
+        <pc:spChg chg="del">
+          <ac:chgData name="주상원" userId="20f45aad-3735-4b46-b3e4-3c4e735e7b26" providerId="ADAL" clId="{9D9C2D40-DEF9-4F8D-A9E0-AE9373B1CD27}" dt="2023-01-26T14:46:06.381" v="114" actId="478"/>
+          <ac:spMkLst>
+            <pc:docMk/>
+            <pc:sldMk cId="4154245659" sldId="262"/>
+            <ac:spMk id="2" creationId="{23B5D7CF-DF2B-7D7E-BB8A-203254E9C2A7}"/>
+          </ac:spMkLst>
+        </pc:spChg>
+        <pc:spChg chg="del">
+          <ac:chgData name="주상원" userId="20f45aad-3735-4b46-b3e4-3c4e735e7b26" providerId="ADAL" clId="{9D9C2D40-DEF9-4F8D-A9E0-AE9373B1CD27}" dt="2023-01-26T14:46:06.381" v="114" actId="478"/>
+          <ac:spMkLst>
+            <pc:docMk/>
+            <pc:sldMk cId="4154245659" sldId="262"/>
+            <ac:spMk id="3" creationId="{826FC66D-DDEB-4A5F-FAA9-E8023930969E}"/>
+          </ac:spMkLst>
+        </pc:spChg>
+        <pc:spChg chg="add del mod">
+          <ac:chgData name="주상원" userId="20f45aad-3735-4b46-b3e4-3c4e735e7b26" providerId="ADAL" clId="{9D9C2D40-DEF9-4F8D-A9E0-AE9373B1CD27}" dt="2023-01-26T14:52:06.388" v="184"/>
+          <ac:spMkLst>
+            <pc:docMk/>
+            <pc:sldMk cId="4154245659" sldId="262"/>
+            <ac:spMk id="8" creationId="{AA523437-6EB4-E896-53EC-DAB5D3D81858}"/>
+          </ac:spMkLst>
+        </pc:spChg>
+        <pc:spChg chg="add del mod">
+          <ac:chgData name="주상원" userId="20f45aad-3735-4b46-b3e4-3c4e735e7b26" providerId="ADAL" clId="{9D9C2D40-DEF9-4F8D-A9E0-AE9373B1CD27}" dt="2023-01-26T14:52:26.090" v="186" actId="767"/>
+          <ac:spMkLst>
+            <pc:docMk/>
+            <pc:sldMk cId="4154245659" sldId="262"/>
+            <ac:spMk id="9" creationId="{BD293F7A-A576-2461-18A4-E29295C7F7CF}"/>
+          </ac:spMkLst>
+        </pc:spChg>
+        <pc:spChg chg="add mod">
+          <ac:chgData name="주상원" userId="20f45aad-3735-4b46-b3e4-3c4e735e7b26" providerId="ADAL" clId="{9D9C2D40-DEF9-4F8D-A9E0-AE9373B1CD27}" dt="2023-01-26T14:54:47.635" v="291" actId="1076"/>
+          <ac:spMkLst>
+            <pc:docMk/>
+            <pc:sldMk cId="4154245659" sldId="262"/>
+            <ac:spMk id="10" creationId="{64B538F3-CB8E-5686-5946-7EB3A16719BC}"/>
+          </ac:spMkLst>
+        </pc:spChg>
+        <pc:spChg chg="add mod">
+          <ac:chgData name="주상원" userId="20f45aad-3735-4b46-b3e4-3c4e735e7b26" providerId="ADAL" clId="{9D9C2D40-DEF9-4F8D-A9E0-AE9373B1CD27}" dt="2023-01-26T14:53:58.292" v="281" actId="1076"/>
+          <ac:spMkLst>
+            <pc:docMk/>
+            <pc:sldMk cId="4154245659" sldId="262"/>
+            <ac:spMk id="11" creationId="{E765EFD1-ADDB-91AC-17E9-8BEF341A0B31}"/>
+          </ac:spMkLst>
+        </pc:spChg>
+        <pc:spChg chg="add mod">
+          <ac:chgData name="주상원" userId="20f45aad-3735-4b46-b3e4-3c4e735e7b26" providerId="ADAL" clId="{9D9C2D40-DEF9-4F8D-A9E0-AE9373B1CD27}" dt="2023-01-26T14:55:12.335" v="306" actId="1076"/>
+          <ac:spMkLst>
+            <pc:docMk/>
+            <pc:sldMk cId="4154245659" sldId="262"/>
+            <ac:spMk id="18" creationId="{D04FD5B8-5E14-2C58-CC54-B4975189C55B}"/>
+          </ac:spMkLst>
+        </pc:spChg>
+        <pc:spChg chg="add mod">
+          <ac:chgData name="주상원" userId="20f45aad-3735-4b46-b3e4-3c4e735e7b26" providerId="ADAL" clId="{9D9C2D40-DEF9-4F8D-A9E0-AE9373B1CD27}" dt="2023-01-26T14:55:40.651" v="314" actId="14100"/>
+          <ac:spMkLst>
+            <pc:docMk/>
+            <pc:sldMk cId="4154245659" sldId="262"/>
+            <ac:spMk id="19" creationId="{112503BA-DBD4-D8B6-3B16-102F811AA04A}"/>
+          </ac:spMkLst>
+        </pc:spChg>
+        <pc:spChg chg="add mod">
+          <ac:chgData name="주상원" userId="20f45aad-3735-4b46-b3e4-3c4e735e7b26" providerId="ADAL" clId="{9D9C2D40-DEF9-4F8D-A9E0-AE9373B1CD27}" dt="2023-01-26T14:55:59.605" v="329" actId="20577"/>
+          <ac:spMkLst>
+            <pc:docMk/>
+            <pc:sldMk cId="4154245659" sldId="262"/>
+            <ac:spMk id="20" creationId="{75711750-1DEE-DFB9-CADF-8C831C8F73F5}"/>
+          </ac:spMkLst>
+        </pc:spChg>
+        <pc:spChg chg="add mod">
+          <ac:chgData name="주상원" userId="20f45aad-3735-4b46-b3e4-3c4e735e7b26" providerId="ADAL" clId="{9D9C2D40-DEF9-4F8D-A9E0-AE9373B1CD27}" dt="2023-01-26T14:58:14.803" v="345" actId="1076"/>
+          <ac:spMkLst>
+            <pc:docMk/>
+            <pc:sldMk cId="4154245659" sldId="262"/>
+            <ac:spMk id="22" creationId="{54E59A85-BD70-CC75-83FE-D0E92583AAE4}"/>
+          </ac:spMkLst>
+        </pc:spChg>
+        <pc:picChg chg="add del mod">
+          <ac:chgData name="주상원" userId="20f45aad-3735-4b46-b3e4-3c4e735e7b26" providerId="ADAL" clId="{9D9C2D40-DEF9-4F8D-A9E0-AE9373B1CD27}" dt="2023-01-26T14:51:41.189" v="175" actId="478"/>
+          <ac:picMkLst>
+            <pc:docMk/>
+            <pc:sldMk cId="4154245659" sldId="262"/>
+            <ac:picMk id="5" creationId="{D9965C20-4DE7-8384-75E4-41099C8C9B76}"/>
+          </ac:picMkLst>
+        </pc:picChg>
+        <pc:picChg chg="add mod">
+          <ac:chgData name="주상원" userId="20f45aad-3735-4b46-b3e4-3c4e735e7b26" providerId="ADAL" clId="{9D9C2D40-DEF9-4F8D-A9E0-AE9373B1CD27}" dt="2023-01-26T15:04:02.488" v="388" actId="1076"/>
+          <ac:picMkLst>
+            <pc:docMk/>
+            <pc:sldMk cId="4154245659" sldId="262"/>
+            <ac:picMk id="7" creationId="{DA3D668F-E631-1BC6-20B8-1B17688C6B12}"/>
+          </ac:picMkLst>
+        </pc:picChg>
+        <pc:cxnChg chg="add mod">
+          <ac:chgData name="주상원" userId="20f45aad-3735-4b46-b3e4-3c4e735e7b26" providerId="ADAL" clId="{9D9C2D40-DEF9-4F8D-A9E0-AE9373B1CD27}" dt="2023-01-26T14:54:52.557" v="294" actId="14100"/>
+          <ac:cxnSpMkLst>
+            <pc:docMk/>
+            <pc:sldMk cId="4154245659" sldId="262"/>
+            <ac:cxnSpMk id="13" creationId="{DF87EE37-D284-1169-5C5F-5F926620152F}"/>
+          </ac:cxnSpMkLst>
+        </pc:cxnChg>
+        <pc:cxnChg chg="add mod">
+          <ac:chgData name="주상원" userId="20f45aad-3735-4b46-b3e4-3c4e735e7b26" providerId="ADAL" clId="{9D9C2D40-DEF9-4F8D-A9E0-AE9373B1CD27}" dt="2023-01-26T14:54:35.459" v="289" actId="1582"/>
+          <ac:cxnSpMkLst>
+            <pc:docMk/>
+            <pc:sldMk cId="4154245659" sldId="262"/>
+            <ac:cxnSpMk id="14" creationId="{74E67977-5550-76BF-1291-029DFAF0AA93}"/>
+          </ac:cxnSpMkLst>
+        </pc:cxnChg>
+      </pc:sldChg>
+      <pc:sldChg chg="addSp delSp modSp add mod">
+        <pc:chgData name="주상원" userId="20f45aad-3735-4b46-b3e4-3c4e735e7b26" providerId="ADAL" clId="{9D9C2D40-DEF9-4F8D-A9E0-AE9373B1CD27}" dt="2023-01-26T15:04:21.995" v="399" actId="20577"/>
+        <pc:sldMkLst>
+          <pc:docMk/>
+          <pc:sldMk cId="2829707433" sldId="263"/>
+        </pc:sldMkLst>
+        <pc:spChg chg="add mod">
+          <ac:chgData name="주상원" userId="20f45aad-3735-4b46-b3e4-3c4e735e7b26" providerId="ADAL" clId="{9D9C2D40-DEF9-4F8D-A9E0-AE9373B1CD27}" dt="2023-01-26T15:03:56.766" v="386" actId="1076"/>
+          <ac:spMkLst>
+            <pc:docMk/>
+            <pc:sldMk cId="2829707433" sldId="263"/>
+            <ac:spMk id="4" creationId="{73B04650-50AB-02B3-5310-AA496FB636AA}"/>
+          </ac:spMkLst>
+        </pc:spChg>
+        <pc:spChg chg="add mod">
+          <ac:chgData name="주상원" userId="20f45aad-3735-4b46-b3e4-3c4e735e7b26" providerId="ADAL" clId="{9D9C2D40-DEF9-4F8D-A9E0-AE9373B1CD27}" dt="2023-01-26T15:03:56.766" v="386" actId="1076"/>
+          <ac:spMkLst>
+            <pc:docMk/>
+            <pc:sldMk cId="2829707433" sldId="263"/>
+            <ac:spMk id="5" creationId="{6F3AE761-E5C8-5B63-D02D-7D73E515C866}"/>
+          </ac:spMkLst>
+        </pc:spChg>
+        <pc:spChg chg="del">
+          <ac:chgData name="주상원" userId="20f45aad-3735-4b46-b3e4-3c4e735e7b26" providerId="ADAL" clId="{9D9C2D40-DEF9-4F8D-A9E0-AE9373B1CD27}" dt="2023-01-26T14:58:21.193" v="347" actId="478"/>
+          <ac:spMkLst>
+            <pc:docMk/>
+            <pc:sldMk cId="2829707433" sldId="263"/>
+            <ac:spMk id="10" creationId="{64B538F3-CB8E-5686-5946-7EB3A16719BC}"/>
+          </ac:spMkLst>
+        </pc:spChg>
+        <pc:spChg chg="del">
+          <ac:chgData name="주상원" userId="20f45aad-3735-4b46-b3e4-3c4e735e7b26" providerId="ADAL" clId="{9D9C2D40-DEF9-4F8D-A9E0-AE9373B1CD27}" dt="2023-01-26T14:58:21.193" v="347" actId="478"/>
+          <ac:spMkLst>
+            <pc:docMk/>
+            <pc:sldMk cId="2829707433" sldId="263"/>
+            <ac:spMk id="11" creationId="{E765EFD1-ADDB-91AC-17E9-8BEF341A0B31}"/>
+          </ac:spMkLst>
+        </pc:spChg>
+        <pc:spChg chg="add mod">
+          <ac:chgData name="주상원" userId="20f45aad-3735-4b46-b3e4-3c4e735e7b26" providerId="ADAL" clId="{9D9C2D40-DEF9-4F8D-A9E0-AE9373B1CD27}" dt="2023-01-26T15:04:21.995" v="399" actId="20577"/>
+          <ac:spMkLst>
+            <pc:docMk/>
+            <pc:sldMk cId="2829707433" sldId="263"/>
+            <ac:spMk id="12" creationId="{117697C1-77F3-C66B-A8A2-21A953B2A41A}"/>
+          </ac:spMkLst>
+        </pc:spChg>
+        <pc:spChg chg="del">
+          <ac:chgData name="주상원" userId="20f45aad-3735-4b46-b3e4-3c4e735e7b26" providerId="ADAL" clId="{9D9C2D40-DEF9-4F8D-A9E0-AE9373B1CD27}" dt="2023-01-26T14:58:21.193" v="347" actId="478"/>
+          <ac:spMkLst>
+            <pc:docMk/>
+            <pc:sldMk cId="2829707433" sldId="263"/>
+            <ac:spMk id="18" creationId="{D04FD5B8-5E14-2C58-CC54-B4975189C55B}"/>
+          </ac:spMkLst>
+        </pc:spChg>
+        <pc:spChg chg="del">
+          <ac:chgData name="주상원" userId="20f45aad-3735-4b46-b3e4-3c4e735e7b26" providerId="ADAL" clId="{9D9C2D40-DEF9-4F8D-A9E0-AE9373B1CD27}" dt="2023-01-26T14:58:21.193" v="347" actId="478"/>
+          <ac:spMkLst>
+            <pc:docMk/>
+            <pc:sldMk cId="2829707433" sldId="263"/>
+            <ac:spMk id="19" creationId="{112503BA-DBD4-D8B6-3B16-102F811AA04A}"/>
+          </ac:spMkLst>
+        </pc:spChg>
+        <pc:spChg chg="del">
+          <ac:chgData name="주상원" userId="20f45aad-3735-4b46-b3e4-3c4e735e7b26" providerId="ADAL" clId="{9D9C2D40-DEF9-4F8D-A9E0-AE9373B1CD27}" dt="2023-01-26T14:58:21.193" v="347" actId="478"/>
+          <ac:spMkLst>
+            <pc:docMk/>
+            <pc:sldMk cId="2829707433" sldId="263"/>
+            <ac:spMk id="20" creationId="{75711750-1DEE-DFB9-CADF-8C831C8F73F5}"/>
+          </ac:spMkLst>
+        </pc:spChg>
+        <pc:spChg chg="mod">
+          <ac:chgData name="주상원" userId="20f45aad-3735-4b46-b3e4-3c4e735e7b26" providerId="ADAL" clId="{9D9C2D40-DEF9-4F8D-A9E0-AE9373B1CD27}" dt="2023-01-26T15:03:15.298" v="384" actId="20577"/>
+          <ac:spMkLst>
+            <pc:docMk/>
+            <pc:sldMk cId="2829707433" sldId="263"/>
+            <ac:spMk id="22" creationId="{54E59A85-BD70-CC75-83FE-D0E92583AAE4}"/>
+          </ac:spMkLst>
+        </pc:spChg>
+        <pc:picChg chg="add mod">
+          <ac:chgData name="주상원" userId="20f45aad-3735-4b46-b3e4-3c4e735e7b26" providerId="ADAL" clId="{9D9C2D40-DEF9-4F8D-A9E0-AE9373B1CD27}" dt="2023-01-26T15:02:34.009" v="350" actId="1076"/>
+          <ac:picMkLst>
+            <pc:docMk/>
+            <pc:sldMk cId="2829707433" sldId="263"/>
+            <ac:picMk id="3" creationId="{4DD88E04-36C8-9611-5E6A-85286132F60D}"/>
+          </ac:picMkLst>
+        </pc:picChg>
+        <pc:picChg chg="del">
+          <ac:chgData name="주상원" userId="20f45aad-3735-4b46-b3e4-3c4e735e7b26" providerId="ADAL" clId="{9D9C2D40-DEF9-4F8D-A9E0-AE9373B1CD27}" dt="2023-01-26T14:58:21.193" v="347" actId="478"/>
+          <ac:picMkLst>
+            <pc:docMk/>
+            <pc:sldMk cId="2829707433" sldId="263"/>
+            <ac:picMk id="7" creationId="{DA3D668F-E631-1BC6-20B8-1B17688C6B12}"/>
+          </ac:picMkLst>
+        </pc:picChg>
+        <pc:cxnChg chg="add mod">
+          <ac:chgData name="주상원" userId="20f45aad-3735-4b46-b3e4-3c4e735e7b26" providerId="ADAL" clId="{9D9C2D40-DEF9-4F8D-A9E0-AE9373B1CD27}" dt="2023-01-26T15:04:11.765" v="391" actId="14100"/>
+          <ac:cxnSpMkLst>
+            <pc:docMk/>
+            <pc:sldMk cId="2829707433" sldId="263"/>
+            <ac:cxnSpMk id="6" creationId="{CFEEA36A-67FA-9F12-E5F2-819DB7EE9E3C}"/>
+          </ac:cxnSpMkLst>
+        </pc:cxnChg>
+        <pc:cxnChg chg="del">
+          <ac:chgData name="주상원" userId="20f45aad-3735-4b46-b3e4-3c4e735e7b26" providerId="ADAL" clId="{9D9C2D40-DEF9-4F8D-A9E0-AE9373B1CD27}" dt="2023-01-26T14:58:21.193" v="347" actId="478"/>
+          <ac:cxnSpMkLst>
+            <pc:docMk/>
+            <pc:sldMk cId="2829707433" sldId="263"/>
+            <ac:cxnSpMk id="13" creationId="{DF87EE37-D284-1169-5C5F-5F926620152F}"/>
+          </ac:cxnSpMkLst>
+        </pc:cxnChg>
+        <pc:cxnChg chg="del">
+          <ac:chgData name="주상원" userId="20f45aad-3735-4b46-b3e4-3c4e735e7b26" providerId="ADAL" clId="{9D9C2D40-DEF9-4F8D-A9E0-AE9373B1CD27}" dt="2023-01-26T14:58:21.193" v="347" actId="478"/>
+          <ac:cxnSpMkLst>
+            <pc:docMk/>
+            <pc:sldMk cId="2829707433" sldId="263"/>
+            <ac:cxnSpMk id="14" creationId="{74E67977-5550-76BF-1291-029DFAF0AA93}"/>
+          </ac:cxnSpMkLst>
+        </pc:cxnChg>
+      </pc:sldChg>
+      <pc:sldChg chg="addSp delSp modSp add mod">
+        <pc:chgData name="주상원" userId="20f45aad-3735-4b46-b3e4-3c4e735e7b26" providerId="ADAL" clId="{9D9C2D40-DEF9-4F8D-A9E0-AE9373B1CD27}" dt="2023-01-26T15:18:07.757" v="426" actId="1076"/>
+        <pc:sldMkLst>
+          <pc:docMk/>
+          <pc:sldMk cId="90367313" sldId="264"/>
+        </pc:sldMkLst>
+        <pc:spChg chg="del">
+          <ac:chgData name="주상원" userId="20f45aad-3735-4b46-b3e4-3c4e735e7b26" providerId="ADAL" clId="{9D9C2D40-DEF9-4F8D-A9E0-AE9373B1CD27}" dt="2023-01-26T15:14:20.329" v="401" actId="478"/>
+          <ac:spMkLst>
+            <pc:docMk/>
+            <pc:sldMk cId="90367313" sldId="264"/>
+            <ac:spMk id="10" creationId="{64B538F3-CB8E-5686-5946-7EB3A16719BC}"/>
+          </ac:spMkLst>
+        </pc:spChg>
+        <pc:spChg chg="del">
+          <ac:chgData name="주상원" userId="20f45aad-3735-4b46-b3e4-3c4e735e7b26" providerId="ADAL" clId="{9D9C2D40-DEF9-4F8D-A9E0-AE9373B1CD27}" dt="2023-01-26T15:14:20.329" v="401" actId="478"/>
+          <ac:spMkLst>
+            <pc:docMk/>
+            <pc:sldMk cId="90367313" sldId="264"/>
+            <ac:spMk id="11" creationId="{E765EFD1-ADDB-91AC-17E9-8BEF341A0B31}"/>
+          </ac:spMkLst>
+        </pc:spChg>
+        <pc:spChg chg="del">
+          <ac:chgData name="주상원" userId="20f45aad-3735-4b46-b3e4-3c4e735e7b26" providerId="ADAL" clId="{9D9C2D40-DEF9-4F8D-A9E0-AE9373B1CD27}" dt="2023-01-26T15:14:20.329" v="401" actId="478"/>
+          <ac:spMkLst>
+            <pc:docMk/>
+            <pc:sldMk cId="90367313" sldId="264"/>
+            <ac:spMk id="18" creationId="{D04FD5B8-5E14-2C58-CC54-B4975189C55B}"/>
+          </ac:spMkLst>
+        </pc:spChg>
+        <pc:spChg chg="del">
+          <ac:chgData name="주상원" userId="20f45aad-3735-4b46-b3e4-3c4e735e7b26" providerId="ADAL" clId="{9D9C2D40-DEF9-4F8D-A9E0-AE9373B1CD27}" dt="2023-01-26T15:14:20.329" v="401" actId="478"/>
+          <ac:spMkLst>
+            <pc:docMk/>
+            <pc:sldMk cId="90367313" sldId="264"/>
+            <ac:spMk id="19" creationId="{112503BA-DBD4-D8B6-3B16-102F811AA04A}"/>
+          </ac:spMkLst>
+        </pc:spChg>
+        <pc:spChg chg="del">
+          <ac:chgData name="주상원" userId="20f45aad-3735-4b46-b3e4-3c4e735e7b26" providerId="ADAL" clId="{9D9C2D40-DEF9-4F8D-A9E0-AE9373B1CD27}" dt="2023-01-26T15:14:20.329" v="401" actId="478"/>
+          <ac:spMkLst>
+            <pc:docMk/>
+            <pc:sldMk cId="90367313" sldId="264"/>
+            <ac:spMk id="20" creationId="{75711750-1DEE-DFB9-CADF-8C831C8F73F5}"/>
+          </ac:spMkLst>
+        </pc:spChg>
+        <pc:spChg chg="mod">
+          <ac:chgData name="주상원" userId="20f45aad-3735-4b46-b3e4-3c4e735e7b26" providerId="ADAL" clId="{9D9C2D40-DEF9-4F8D-A9E0-AE9373B1CD27}" dt="2023-01-26T15:14:49.054" v="424" actId="20577"/>
+          <ac:spMkLst>
+            <pc:docMk/>
+            <pc:sldMk cId="90367313" sldId="264"/>
+            <ac:spMk id="22" creationId="{54E59A85-BD70-CC75-83FE-D0E92583AAE4}"/>
+          </ac:spMkLst>
+        </pc:spChg>
+        <pc:picChg chg="add mod">
+          <ac:chgData name="주상원" userId="20f45aad-3735-4b46-b3e4-3c4e735e7b26" providerId="ADAL" clId="{9D9C2D40-DEF9-4F8D-A9E0-AE9373B1CD27}" dt="2023-01-26T15:18:07.757" v="426" actId="1076"/>
+          <ac:picMkLst>
+            <pc:docMk/>
+            <pc:sldMk cId="90367313" sldId="264"/>
+            <ac:picMk id="3" creationId="{7B4B3763-51FD-9B8F-33F3-34884A97CF92}"/>
+          </ac:picMkLst>
+        </pc:picChg>
+        <pc:picChg chg="del">
+          <ac:chgData name="주상원" userId="20f45aad-3735-4b46-b3e4-3c4e735e7b26" providerId="ADAL" clId="{9D9C2D40-DEF9-4F8D-A9E0-AE9373B1CD27}" dt="2023-01-26T15:14:20.329" v="401" actId="478"/>
+          <ac:picMkLst>
+            <pc:docMk/>
+            <pc:sldMk cId="90367313" sldId="264"/>
+            <ac:picMk id="7" creationId="{DA3D668F-E631-1BC6-20B8-1B17688C6B12}"/>
+          </ac:picMkLst>
+        </pc:picChg>
+        <pc:cxnChg chg="del">
+          <ac:chgData name="주상원" userId="20f45aad-3735-4b46-b3e4-3c4e735e7b26" providerId="ADAL" clId="{9D9C2D40-DEF9-4F8D-A9E0-AE9373B1CD27}" dt="2023-01-26T15:14:20.329" v="401" actId="478"/>
+          <ac:cxnSpMkLst>
+            <pc:docMk/>
+            <pc:sldMk cId="90367313" sldId="264"/>
+            <ac:cxnSpMk id="13" creationId="{DF87EE37-D284-1169-5C5F-5F926620152F}"/>
+          </ac:cxnSpMkLst>
+        </pc:cxnChg>
+        <pc:cxnChg chg="del">
+          <ac:chgData name="주상원" userId="20f45aad-3735-4b46-b3e4-3c4e735e7b26" providerId="ADAL" clId="{9D9C2D40-DEF9-4F8D-A9E0-AE9373B1CD27}" dt="2023-01-26T15:14:20.329" v="401" actId="478"/>
+          <ac:cxnSpMkLst>
+            <pc:docMk/>
+            <pc:sldMk cId="90367313" sldId="264"/>
+            <ac:cxnSpMk id="14" creationId="{74E67977-5550-76BF-1291-029DFAF0AA93}"/>
+          </ac:cxnSpMkLst>
+        </pc:cxnChg>
+      </pc:sldChg>
+      <pc:sldChg chg="addSp delSp modSp new mod">
+        <pc:chgData name="주상원" userId="20f45aad-3735-4b46-b3e4-3c4e735e7b26" providerId="ADAL" clId="{9D9C2D40-DEF9-4F8D-A9E0-AE9373B1CD27}" dt="2023-01-26T15:45:39.029" v="474" actId="1076"/>
+        <pc:sldMkLst>
+          <pc:docMk/>
+          <pc:sldMk cId="1453937188" sldId="265"/>
+        </pc:sldMkLst>
+        <pc:spChg chg="del">
+          <ac:chgData name="주상원" userId="20f45aad-3735-4b46-b3e4-3c4e735e7b26" providerId="ADAL" clId="{9D9C2D40-DEF9-4F8D-A9E0-AE9373B1CD27}" dt="2023-01-26T15:37:56.007" v="428" actId="478"/>
+          <ac:spMkLst>
+            <pc:docMk/>
+            <pc:sldMk cId="1453937188" sldId="265"/>
+            <ac:spMk id="2" creationId="{6082B078-7FB9-B527-1E36-CAE67C1EF8B1}"/>
+          </ac:spMkLst>
+        </pc:spChg>
+        <pc:spChg chg="del">
+          <ac:chgData name="주상원" userId="20f45aad-3735-4b46-b3e4-3c4e735e7b26" providerId="ADAL" clId="{9D9C2D40-DEF9-4F8D-A9E0-AE9373B1CD27}" dt="2023-01-26T15:37:56.007" v="428" actId="478"/>
+          <ac:spMkLst>
+            <pc:docMk/>
+            <pc:sldMk cId="1453937188" sldId="265"/>
+            <ac:spMk id="3" creationId="{C395D60C-6023-EE5D-9845-5C377F485D0F}"/>
+          </ac:spMkLst>
+        </pc:spChg>
+        <pc:spChg chg="add del mod">
+          <ac:chgData name="주상원" userId="20f45aad-3735-4b46-b3e4-3c4e735e7b26" providerId="ADAL" clId="{9D9C2D40-DEF9-4F8D-A9E0-AE9373B1CD27}" dt="2023-01-26T15:42:26.934" v="439" actId="478"/>
+          <ac:spMkLst>
+            <pc:docMk/>
+            <pc:sldMk cId="1453937188" sldId="265"/>
+            <ac:spMk id="4" creationId="{DA664712-19F0-F1AD-26D6-D708A93DE3B2}"/>
+          </ac:spMkLst>
+        </pc:spChg>
+        <pc:spChg chg="add mod">
+          <ac:chgData name="주상원" userId="20f45aad-3735-4b46-b3e4-3c4e735e7b26" providerId="ADAL" clId="{9D9C2D40-DEF9-4F8D-A9E0-AE9373B1CD27}" dt="2023-01-26T15:45:39.029" v="474" actId="1076"/>
+          <ac:spMkLst>
+            <pc:docMk/>
+            <pc:sldMk cId="1453937188" sldId="265"/>
+            <ac:spMk id="11" creationId="{F2C95CE6-6E68-EA51-D794-B3430D439AC3}"/>
+          </ac:spMkLst>
+        </pc:spChg>
+        <pc:spChg chg="add mod">
+          <ac:chgData name="주상원" userId="20f45aad-3735-4b46-b3e4-3c4e735e7b26" providerId="ADAL" clId="{9D9C2D40-DEF9-4F8D-A9E0-AE9373B1CD27}" dt="2023-01-26T15:45:39.029" v="474" actId="1076"/>
+          <ac:spMkLst>
+            <pc:docMk/>
+            <pc:sldMk cId="1453937188" sldId="265"/>
+            <ac:spMk id="12" creationId="{1C0FCA54-FC9D-6C0B-DA9C-F957838813C7}"/>
+          </ac:spMkLst>
+        </pc:spChg>
+        <pc:spChg chg="add mod">
+          <ac:chgData name="주상원" userId="20f45aad-3735-4b46-b3e4-3c4e735e7b26" providerId="ADAL" clId="{9D9C2D40-DEF9-4F8D-A9E0-AE9373B1CD27}" dt="2023-01-26T15:45:39.029" v="474" actId="1076"/>
+          <ac:spMkLst>
+            <pc:docMk/>
+            <pc:sldMk cId="1453937188" sldId="265"/>
+            <ac:spMk id="13" creationId="{48A2EC44-24E7-8681-6A81-94B9D910140B}"/>
+          </ac:spMkLst>
+        </pc:spChg>
+        <pc:spChg chg="add mod">
+          <ac:chgData name="주상원" userId="20f45aad-3735-4b46-b3e4-3c4e735e7b26" providerId="ADAL" clId="{9D9C2D40-DEF9-4F8D-A9E0-AE9373B1CD27}" dt="2023-01-26T15:45:39.029" v="474" actId="1076"/>
+          <ac:spMkLst>
+            <pc:docMk/>
+            <pc:sldMk cId="1453937188" sldId="265"/>
+            <ac:spMk id="14" creationId="{90E757B2-B623-7FDC-E8D9-9631363710A9}"/>
+          </ac:spMkLst>
+        </pc:spChg>
+        <pc:picChg chg="add mod">
+          <ac:chgData name="주상원" userId="20f45aad-3735-4b46-b3e4-3c4e735e7b26" providerId="ADAL" clId="{9D9C2D40-DEF9-4F8D-A9E0-AE9373B1CD27}" dt="2023-01-26T15:45:39.029" v="474" actId="1076"/>
+          <ac:picMkLst>
+            <pc:docMk/>
+            <pc:sldMk cId="1453937188" sldId="265"/>
+            <ac:picMk id="6" creationId="{3A6AB89B-984E-2A96-86E2-6980872AA183}"/>
+          </ac:picMkLst>
+        </pc:picChg>
+        <pc:picChg chg="add mod">
+          <ac:chgData name="주상원" userId="20f45aad-3735-4b46-b3e4-3c4e735e7b26" providerId="ADAL" clId="{9D9C2D40-DEF9-4F8D-A9E0-AE9373B1CD27}" dt="2023-01-26T15:45:39.029" v="474" actId="1076"/>
+          <ac:picMkLst>
+            <pc:docMk/>
+            <pc:sldMk cId="1453937188" sldId="265"/>
+            <ac:picMk id="8" creationId="{9B1B5B2C-7D10-F5A5-33CE-2B6B6AA0D8DE}"/>
+          </ac:picMkLst>
+        </pc:picChg>
+        <pc:picChg chg="add mod">
+          <ac:chgData name="주상원" userId="20f45aad-3735-4b46-b3e4-3c4e735e7b26" providerId="ADAL" clId="{9D9C2D40-DEF9-4F8D-A9E0-AE9373B1CD27}" dt="2023-01-26T15:45:39.029" v="474" actId="1076"/>
+          <ac:picMkLst>
+            <pc:docMk/>
+            <pc:sldMk cId="1453937188" sldId="265"/>
+            <ac:picMk id="10" creationId="{270C3BEA-4163-9F12-7EDB-D7EDD95E4EB7}"/>
+          </ac:picMkLst>
+        </pc:picChg>
+      </pc:sldChg>
+      <pc:sldChg chg="addSp delSp modSp new mod">
+        <pc:chgData name="주상원" userId="20f45aad-3735-4b46-b3e4-3c4e735e7b26" providerId="ADAL" clId="{9D9C2D40-DEF9-4F8D-A9E0-AE9373B1CD27}" dt="2023-01-26T15:47:57.377" v="499" actId="14100"/>
+        <pc:sldMkLst>
+          <pc:docMk/>
+          <pc:sldMk cId="1965509956" sldId="266"/>
+        </pc:sldMkLst>
+        <pc:spChg chg="del">
+          <ac:chgData name="주상원" userId="20f45aad-3735-4b46-b3e4-3c4e735e7b26" providerId="ADAL" clId="{9D9C2D40-DEF9-4F8D-A9E0-AE9373B1CD27}" dt="2023-01-26T15:46:13.178" v="476" actId="478"/>
+          <ac:spMkLst>
+            <pc:docMk/>
+            <pc:sldMk cId="1965509956" sldId="266"/>
+            <ac:spMk id="2" creationId="{EC720F20-3EF3-C09B-769A-3984C85964F8}"/>
+          </ac:spMkLst>
+        </pc:spChg>
+        <pc:spChg chg="del">
+          <ac:chgData name="주상원" userId="20f45aad-3735-4b46-b3e4-3c4e735e7b26" providerId="ADAL" clId="{9D9C2D40-DEF9-4F8D-A9E0-AE9373B1CD27}" dt="2023-01-26T15:46:13.178" v="476" actId="478"/>
+          <ac:spMkLst>
+            <pc:docMk/>
+            <pc:sldMk cId="1965509956" sldId="266"/>
+            <ac:spMk id="3" creationId="{FA57AAAA-EB60-29F9-0011-A4C8281FD627}"/>
+          </ac:spMkLst>
+        </pc:spChg>
+        <pc:spChg chg="add del">
+          <ac:chgData name="주상원" userId="20f45aad-3735-4b46-b3e4-3c4e735e7b26" providerId="ADAL" clId="{9D9C2D40-DEF9-4F8D-A9E0-AE9373B1CD27}" dt="2023-01-26T15:46:35.571" v="481"/>
+          <ac:spMkLst>
+            <pc:docMk/>
+            <pc:sldMk cId="1965509956" sldId="266"/>
+            <ac:spMk id="6" creationId="{0FE1ABBC-80B2-1EF4-D9B4-07AFAAA154D1}"/>
+          </ac:spMkLst>
+        </pc:spChg>
+        <pc:picChg chg="add mod">
+          <ac:chgData name="주상원" userId="20f45aad-3735-4b46-b3e4-3c4e735e7b26" providerId="ADAL" clId="{9D9C2D40-DEF9-4F8D-A9E0-AE9373B1CD27}" dt="2023-01-26T15:46:18.287" v="479" actId="1076"/>
+          <ac:picMkLst>
+            <pc:docMk/>
+            <pc:sldMk cId="1965509956" sldId="266"/>
+            <ac:picMk id="5" creationId="{B95923C2-F244-A200-80E1-D19672E4764C}"/>
+          </ac:picMkLst>
+        </pc:picChg>
+        <pc:picChg chg="add mod">
+          <ac:chgData name="주상원" userId="20f45aad-3735-4b46-b3e4-3c4e735e7b26" providerId="ADAL" clId="{9D9C2D40-DEF9-4F8D-A9E0-AE9373B1CD27}" dt="2023-01-26T15:46:58.883" v="484" actId="1076"/>
+          <ac:picMkLst>
+            <pc:docMk/>
+            <pc:sldMk cId="1965509956" sldId="266"/>
+            <ac:picMk id="8" creationId="{B811EE89-A126-4ED2-C780-ACF2339C18A9}"/>
+          </ac:picMkLst>
+        </pc:picChg>
+        <pc:cxnChg chg="add mod">
+          <ac:chgData name="주상원" userId="20f45aad-3735-4b46-b3e4-3c4e735e7b26" providerId="ADAL" clId="{9D9C2D40-DEF9-4F8D-A9E0-AE9373B1CD27}" dt="2023-01-26T15:47:27.094" v="487" actId="1582"/>
+          <ac:cxnSpMkLst>
+            <pc:docMk/>
+            <pc:sldMk cId="1965509956" sldId="266"/>
+            <ac:cxnSpMk id="10" creationId="{C5D837C3-5CCF-82A7-DAB7-316633CF5AA7}"/>
+          </ac:cxnSpMkLst>
+        </pc:cxnChg>
+        <pc:cxnChg chg="add mod">
+          <ac:chgData name="주상원" userId="20f45aad-3735-4b46-b3e4-3c4e735e7b26" providerId="ADAL" clId="{9D9C2D40-DEF9-4F8D-A9E0-AE9373B1CD27}" dt="2023-01-26T15:47:34.972" v="490" actId="14100"/>
+          <ac:cxnSpMkLst>
+            <pc:docMk/>
+            <pc:sldMk cId="1965509956" sldId="266"/>
+            <ac:cxnSpMk id="11" creationId="{9B7793BB-380E-7F11-CA03-61C999090CBD}"/>
+          </ac:cxnSpMkLst>
+        </pc:cxnChg>
+        <pc:cxnChg chg="add mod">
+          <ac:chgData name="주상원" userId="20f45aad-3735-4b46-b3e4-3c4e735e7b26" providerId="ADAL" clId="{9D9C2D40-DEF9-4F8D-A9E0-AE9373B1CD27}" dt="2023-01-26T15:47:41.442" v="492" actId="1076"/>
+          <ac:cxnSpMkLst>
+            <pc:docMk/>
+            <pc:sldMk cId="1965509956" sldId="266"/>
+            <ac:cxnSpMk id="14" creationId="{0CE82D6E-5D02-C57E-C341-CEF55A75F109}"/>
+          </ac:cxnSpMkLst>
+        </pc:cxnChg>
+        <pc:cxnChg chg="add mod">
+          <ac:chgData name="주상원" userId="20f45aad-3735-4b46-b3e4-3c4e735e7b26" providerId="ADAL" clId="{9D9C2D40-DEF9-4F8D-A9E0-AE9373B1CD27}" dt="2023-01-26T15:47:51.247" v="496" actId="14100"/>
+          <ac:cxnSpMkLst>
+            <pc:docMk/>
+            <pc:sldMk cId="1965509956" sldId="266"/>
+            <ac:cxnSpMk id="15" creationId="{28573109-FC61-7A4E-6560-EB5312DCE709}"/>
+          </ac:cxnSpMkLst>
+        </pc:cxnChg>
+        <pc:cxnChg chg="add mod">
+          <ac:chgData name="주상원" userId="20f45aad-3735-4b46-b3e4-3c4e735e7b26" providerId="ADAL" clId="{9D9C2D40-DEF9-4F8D-A9E0-AE9373B1CD27}" dt="2023-01-26T15:47:57.377" v="499" actId="14100"/>
+          <ac:cxnSpMkLst>
+            <pc:docMk/>
+            <pc:sldMk cId="1965509956" sldId="266"/>
+            <ac:cxnSpMk id="17" creationId="{EE5628AE-2F7D-825F-1EC9-54D8F93581F0}"/>
+          </ac:cxnSpMkLst>
+        </pc:cxnChg>
+      </pc:sldChg>
+      <pc:sldChg chg="addSp delSp modSp new mod">
+        <pc:chgData name="주상원" userId="20f45aad-3735-4b46-b3e4-3c4e735e7b26" providerId="ADAL" clId="{9D9C2D40-DEF9-4F8D-A9E0-AE9373B1CD27}" dt="2023-01-26T16:11:12.326" v="874" actId="13926"/>
+        <pc:sldMkLst>
+          <pc:docMk/>
+          <pc:sldMk cId="1044175515" sldId="267"/>
+        </pc:sldMkLst>
+        <pc:spChg chg="del">
+          <ac:chgData name="주상원" userId="20f45aad-3735-4b46-b3e4-3c4e735e7b26" providerId="ADAL" clId="{9D9C2D40-DEF9-4F8D-A9E0-AE9373B1CD27}" dt="2023-01-26T15:48:25.867" v="501" actId="478"/>
+          <ac:spMkLst>
+            <pc:docMk/>
+            <pc:sldMk cId="1044175515" sldId="267"/>
+            <ac:spMk id="2" creationId="{E2D7FFDF-FF7C-65FB-27C6-9C9D5E1CF02C}"/>
+          </ac:spMkLst>
+        </pc:spChg>
+        <pc:spChg chg="del">
+          <ac:chgData name="주상원" userId="20f45aad-3735-4b46-b3e4-3c4e735e7b26" providerId="ADAL" clId="{9D9C2D40-DEF9-4F8D-A9E0-AE9373B1CD27}" dt="2023-01-26T15:48:25.867" v="501" actId="478"/>
+          <ac:spMkLst>
+            <pc:docMk/>
+            <pc:sldMk cId="1044175515" sldId="267"/>
+            <ac:spMk id="3" creationId="{5741199F-A832-741D-51CB-208F2F469EEC}"/>
+          </ac:spMkLst>
+        </pc:spChg>
+        <pc:spChg chg="add mod">
+          <ac:chgData name="주상원" userId="20f45aad-3735-4b46-b3e4-3c4e735e7b26" providerId="ADAL" clId="{9D9C2D40-DEF9-4F8D-A9E0-AE9373B1CD27}" dt="2023-01-26T16:08:46.772" v="841" actId="1076"/>
+          <ac:spMkLst>
+            <pc:docMk/>
+            <pc:sldMk cId="1044175515" sldId="267"/>
+            <ac:spMk id="12" creationId="{AA20EFAA-0238-3667-D4F7-5F2E1E6A123F}"/>
+          </ac:spMkLst>
+        </pc:spChg>
+        <pc:spChg chg="add del mod">
+          <ac:chgData name="주상원" userId="20f45aad-3735-4b46-b3e4-3c4e735e7b26" providerId="ADAL" clId="{9D9C2D40-DEF9-4F8D-A9E0-AE9373B1CD27}" dt="2023-01-26T15:55:27.570" v="663" actId="478"/>
+          <ac:spMkLst>
+            <pc:docMk/>
+            <pc:sldMk cId="1044175515" sldId="267"/>
+            <ac:spMk id="13" creationId="{375020D4-00D9-9FA5-479D-E9C3B2DA2067}"/>
+          </ac:spMkLst>
+        </pc:spChg>
+        <pc:spChg chg="add mod">
+          <ac:chgData name="주상원" userId="20f45aad-3735-4b46-b3e4-3c4e735e7b26" providerId="ADAL" clId="{9D9C2D40-DEF9-4F8D-A9E0-AE9373B1CD27}" dt="2023-01-26T16:08:41.186" v="840" actId="1076"/>
+          <ac:spMkLst>
+            <pc:docMk/>
+            <pc:sldMk cId="1044175515" sldId="267"/>
+            <ac:spMk id="14" creationId="{3CAAEF68-291C-234E-D10C-9B25E06E4FD0}"/>
+          </ac:spMkLst>
+        </pc:spChg>
+        <pc:spChg chg="add mod">
+          <ac:chgData name="주상원" userId="20f45aad-3735-4b46-b3e4-3c4e735e7b26" providerId="ADAL" clId="{9D9C2D40-DEF9-4F8D-A9E0-AE9373B1CD27}" dt="2023-01-26T16:08:46.772" v="841" actId="1076"/>
+          <ac:spMkLst>
+            <pc:docMk/>
+            <pc:sldMk cId="1044175515" sldId="267"/>
+            <ac:spMk id="15" creationId="{BD44560E-6680-72A5-F9E1-7D92470DE28A}"/>
+          </ac:spMkLst>
+        </pc:spChg>
+        <pc:spChg chg="add mod">
+          <ac:chgData name="주상원" userId="20f45aad-3735-4b46-b3e4-3c4e735e7b26" providerId="ADAL" clId="{9D9C2D40-DEF9-4F8D-A9E0-AE9373B1CD27}" dt="2023-01-26T16:08:55.069" v="842" actId="1076"/>
+          <ac:spMkLst>
+            <pc:docMk/>
+            <pc:sldMk cId="1044175515" sldId="267"/>
+            <ac:spMk id="16" creationId="{B5A021C1-5046-4DF6-A58B-96413E99B4CF}"/>
+          </ac:spMkLst>
+        </pc:spChg>
+        <pc:spChg chg="add mod">
+          <ac:chgData name="주상원" userId="20f45aad-3735-4b46-b3e4-3c4e735e7b26" providerId="ADAL" clId="{9D9C2D40-DEF9-4F8D-A9E0-AE9373B1CD27}" dt="2023-01-26T16:08:41.186" v="840" actId="1076"/>
+          <ac:spMkLst>
+            <pc:docMk/>
+            <pc:sldMk cId="1044175515" sldId="267"/>
+            <ac:spMk id="17" creationId="{9849E9CB-DA22-9E44-853E-22B188B73A72}"/>
+          </ac:spMkLst>
+        </pc:spChg>
+        <pc:spChg chg="add mod">
+          <ac:chgData name="주상원" userId="20f45aad-3735-4b46-b3e4-3c4e735e7b26" providerId="ADAL" clId="{9D9C2D40-DEF9-4F8D-A9E0-AE9373B1CD27}" dt="2023-01-26T16:08:46.772" v="841" actId="1076"/>
+          <ac:spMkLst>
+            <pc:docMk/>
+            <pc:sldMk cId="1044175515" sldId="267"/>
+            <ac:spMk id="18" creationId="{9E5D1D12-5C94-1970-DF94-93C059B5E04B}"/>
+          </ac:spMkLst>
+        </pc:spChg>
+        <pc:spChg chg="add mod">
+          <ac:chgData name="주상원" userId="20f45aad-3735-4b46-b3e4-3c4e735e7b26" providerId="ADAL" clId="{9D9C2D40-DEF9-4F8D-A9E0-AE9373B1CD27}" dt="2023-01-26T16:08:55.069" v="842" actId="1076"/>
+          <ac:spMkLst>
+            <pc:docMk/>
+            <pc:sldMk cId="1044175515" sldId="267"/>
+            <ac:spMk id="19" creationId="{AF2C6D9A-B432-2BBB-D495-3FC246439E4D}"/>
+          </ac:spMkLst>
+        </pc:spChg>
+        <pc:spChg chg="add mod">
+          <ac:chgData name="주상원" userId="20f45aad-3735-4b46-b3e4-3c4e735e7b26" providerId="ADAL" clId="{9D9C2D40-DEF9-4F8D-A9E0-AE9373B1CD27}" dt="2023-01-26T16:08:41.186" v="840" actId="1076"/>
+          <ac:spMkLst>
+            <pc:docMk/>
+            <pc:sldMk cId="1044175515" sldId="267"/>
+            <ac:spMk id="20" creationId="{C0E41038-3EFF-7488-0441-03D6B12E32A9}"/>
+          </ac:spMkLst>
+        </pc:spChg>
+        <pc:spChg chg="add mod">
+          <ac:chgData name="주상원" userId="20f45aad-3735-4b46-b3e4-3c4e735e7b26" providerId="ADAL" clId="{9D9C2D40-DEF9-4F8D-A9E0-AE9373B1CD27}" dt="2023-01-26T16:08:55.069" v="842" actId="1076"/>
+          <ac:spMkLst>
+            <pc:docMk/>
+            <pc:sldMk cId="1044175515" sldId="267"/>
+            <ac:spMk id="21" creationId="{02F45409-F559-8FF5-7085-8393391CB42E}"/>
+          </ac:spMkLst>
+        </pc:spChg>
+        <pc:spChg chg="add mod">
+          <ac:chgData name="주상원" userId="20f45aad-3735-4b46-b3e4-3c4e735e7b26" providerId="ADAL" clId="{9D9C2D40-DEF9-4F8D-A9E0-AE9373B1CD27}" dt="2023-01-26T16:08:55.069" v="842" actId="1076"/>
+          <ac:spMkLst>
+            <pc:docMk/>
+            <pc:sldMk cId="1044175515" sldId="267"/>
+            <ac:spMk id="22" creationId="{804134E3-31F1-68D8-FE90-6346DF682A4F}"/>
+          </ac:spMkLst>
+        </pc:spChg>
+        <pc:spChg chg="add mod">
+          <ac:chgData name="주상원" userId="20f45aad-3735-4b46-b3e4-3c4e735e7b26" providerId="ADAL" clId="{9D9C2D40-DEF9-4F8D-A9E0-AE9373B1CD27}" dt="2023-01-26T16:08:41.186" v="840" actId="1076"/>
+          <ac:spMkLst>
+            <pc:docMk/>
+            <pc:sldMk cId="1044175515" sldId="267"/>
+            <ac:spMk id="23" creationId="{2D8CBA7D-0976-9099-D8E2-C0C53FAA98C5}"/>
+          </ac:spMkLst>
+        </pc:spChg>
+        <pc:spChg chg="add mod">
+          <ac:chgData name="주상원" userId="20f45aad-3735-4b46-b3e4-3c4e735e7b26" providerId="ADAL" clId="{9D9C2D40-DEF9-4F8D-A9E0-AE9373B1CD27}" dt="2023-01-26T16:08:46.772" v="841" actId="1076"/>
+          <ac:spMkLst>
+            <pc:docMk/>
+            <pc:sldMk cId="1044175515" sldId="267"/>
+            <ac:spMk id="28" creationId="{B7672340-E3C1-8309-E545-10D9E9F0FF06}"/>
+          </ac:spMkLst>
+        </pc:spChg>
+        <pc:spChg chg="add mod">
+          <ac:chgData name="주상원" userId="20f45aad-3735-4b46-b3e4-3c4e735e7b26" providerId="ADAL" clId="{9D9C2D40-DEF9-4F8D-A9E0-AE9373B1CD27}" dt="2023-01-26T16:08:55.069" v="842" actId="1076"/>
+          <ac:spMkLst>
+            <pc:docMk/>
+            <pc:sldMk cId="1044175515" sldId="267"/>
+            <ac:spMk id="29" creationId="{9193F3C5-E5E2-ECE4-7B46-2690126C4515}"/>
+          </ac:spMkLst>
+        </pc:spChg>
+        <pc:spChg chg="add mod">
+          <ac:chgData name="주상원" userId="20f45aad-3735-4b46-b3e4-3c4e735e7b26" providerId="ADAL" clId="{9D9C2D40-DEF9-4F8D-A9E0-AE9373B1CD27}" dt="2023-01-26T16:08:41.186" v="840" actId="1076"/>
+          <ac:spMkLst>
+            <pc:docMk/>
+            <pc:sldMk cId="1044175515" sldId="267"/>
+            <ac:spMk id="30" creationId="{C72C7F66-5FBE-593F-26F8-2EE88A2ED7E9}"/>
+          </ac:spMkLst>
+        </pc:spChg>
+        <pc:spChg chg="add mod ord">
+          <ac:chgData name="주상원" userId="20f45aad-3735-4b46-b3e4-3c4e735e7b26" providerId="ADAL" clId="{9D9C2D40-DEF9-4F8D-A9E0-AE9373B1CD27}" dt="2023-01-26T16:08:46.772" v="841" actId="1076"/>
+          <ac:spMkLst>
+            <pc:docMk/>
+            <pc:sldMk cId="1044175515" sldId="267"/>
+            <ac:spMk id="31" creationId="{D5784B0C-0F32-01D4-7696-B61E7FC22D4C}"/>
+          </ac:spMkLst>
+        </pc:spChg>
+        <pc:spChg chg="add mod">
+          <ac:chgData name="주상원" userId="20f45aad-3735-4b46-b3e4-3c4e735e7b26" providerId="ADAL" clId="{9D9C2D40-DEF9-4F8D-A9E0-AE9373B1CD27}" dt="2023-01-26T16:08:46.772" v="841" actId="1076"/>
+          <ac:spMkLst>
+            <pc:docMk/>
+            <pc:sldMk cId="1044175515" sldId="267"/>
+            <ac:spMk id="32" creationId="{03C216FC-1449-76B5-738D-57C177EEF99D}"/>
+          </ac:spMkLst>
+        </pc:spChg>
+        <pc:spChg chg="add mod">
+          <ac:chgData name="주상원" userId="20f45aad-3735-4b46-b3e4-3c4e735e7b26" providerId="ADAL" clId="{9D9C2D40-DEF9-4F8D-A9E0-AE9373B1CD27}" dt="2023-01-26T16:10:52.259" v="871" actId="208"/>
+          <ac:spMkLst>
+            <pc:docMk/>
+            <pc:sldMk cId="1044175515" sldId="267"/>
+            <ac:spMk id="33" creationId="{D8481235-0AEF-F245-20D3-E46802DD09AE}"/>
+          </ac:spMkLst>
+        </pc:spChg>
+        <pc:spChg chg="add mod">
+          <ac:chgData name="주상원" userId="20f45aad-3735-4b46-b3e4-3c4e735e7b26" providerId="ADAL" clId="{9D9C2D40-DEF9-4F8D-A9E0-AE9373B1CD27}" dt="2023-01-26T16:11:12.326" v="874" actId="13926"/>
+          <ac:spMkLst>
+            <pc:docMk/>
+            <pc:sldMk cId="1044175515" sldId="267"/>
+            <ac:spMk id="34" creationId="{BAF6D256-D8E4-B6B0-CE89-EAE900981B81}"/>
+          </ac:spMkLst>
+        </pc:spChg>
+        <pc:spChg chg="add mod">
+          <ac:chgData name="주상원" userId="20f45aad-3735-4b46-b3e4-3c4e735e7b26" providerId="ADAL" clId="{9D9C2D40-DEF9-4F8D-A9E0-AE9373B1CD27}" dt="2023-01-26T16:10:33.740" v="869" actId="14100"/>
+          <ac:spMkLst>
+            <pc:docMk/>
+            <pc:sldMk cId="1044175515" sldId="267"/>
+            <ac:spMk id="39" creationId="{135898E9-D4D9-4B8F-4B9D-8CF6CF815FE5}"/>
+          </ac:spMkLst>
+        </pc:spChg>
+        <pc:spChg chg="add mod">
+          <ac:chgData name="주상원" userId="20f45aad-3735-4b46-b3e4-3c4e735e7b26" providerId="ADAL" clId="{9D9C2D40-DEF9-4F8D-A9E0-AE9373B1CD27}" dt="2023-01-26T16:10:38.693" v="870" actId="1076"/>
+          <ac:spMkLst>
+            <pc:docMk/>
+            <pc:sldMk cId="1044175515" sldId="267"/>
+            <ac:spMk id="40" creationId="{AA943F75-EA9D-7C18-56EF-5A241C175A81}"/>
+          </ac:spMkLst>
+        </pc:spChg>
+        <pc:picChg chg="add mod">
+          <ac:chgData name="주상원" userId="20f45aad-3735-4b46-b3e4-3c4e735e7b26" providerId="ADAL" clId="{9D9C2D40-DEF9-4F8D-A9E0-AE9373B1CD27}" dt="2023-01-26T16:08:46.772" v="841" actId="1076"/>
+          <ac:picMkLst>
+            <pc:docMk/>
+            <pc:sldMk cId="1044175515" sldId="267"/>
+            <ac:picMk id="5" creationId="{D6989AFD-A023-C44E-DE83-3667FC63284C}"/>
+          </ac:picMkLst>
+        </pc:picChg>
+        <pc:picChg chg="add mod">
+          <ac:chgData name="주상원" userId="20f45aad-3735-4b46-b3e4-3c4e735e7b26" providerId="ADAL" clId="{9D9C2D40-DEF9-4F8D-A9E0-AE9373B1CD27}" dt="2023-01-26T16:08:46.772" v="841" actId="1076"/>
+          <ac:picMkLst>
+            <pc:docMk/>
+            <pc:sldMk cId="1044175515" sldId="267"/>
+            <ac:picMk id="7" creationId="{9E55B665-E715-FAF0-28A1-6E75CB21F2B0}"/>
+          </ac:picMkLst>
+        </pc:picChg>
+        <pc:picChg chg="add mod">
+          <ac:chgData name="주상원" userId="20f45aad-3735-4b46-b3e4-3c4e735e7b26" providerId="ADAL" clId="{9D9C2D40-DEF9-4F8D-A9E0-AE9373B1CD27}" dt="2023-01-26T16:08:55.069" v="842" actId="1076"/>
+          <ac:picMkLst>
+            <pc:docMk/>
+            <pc:sldMk cId="1044175515" sldId="267"/>
+            <ac:picMk id="9" creationId="{36D209DC-39A0-5516-67EC-49A953B40787}"/>
+          </ac:picMkLst>
+        </pc:picChg>
+        <pc:picChg chg="add mod">
+          <ac:chgData name="주상원" userId="20f45aad-3735-4b46-b3e4-3c4e735e7b26" providerId="ADAL" clId="{9D9C2D40-DEF9-4F8D-A9E0-AE9373B1CD27}" dt="2023-01-26T16:08:55.069" v="842" actId="1076"/>
+          <ac:picMkLst>
+            <pc:docMk/>
+            <pc:sldMk cId="1044175515" sldId="267"/>
+            <ac:picMk id="11" creationId="{75BA1AE6-B1D8-7AD7-ECF1-885D8AA767EB}"/>
+          </ac:picMkLst>
+        </pc:picChg>
+        <pc:picChg chg="add del mod">
+          <ac:chgData name="주상원" userId="20f45aad-3735-4b46-b3e4-3c4e735e7b26" providerId="ADAL" clId="{9D9C2D40-DEF9-4F8D-A9E0-AE9373B1CD27}" dt="2023-01-26T15:58:48.525" v="698" actId="478"/>
+          <ac:picMkLst>
+            <pc:docMk/>
+            <pc:sldMk cId="1044175515" sldId="267"/>
+            <ac:picMk id="25" creationId="{3975B1C9-B9C0-BE41-9195-A2CA4100ECA5}"/>
+          </ac:picMkLst>
+        </pc:picChg>
+        <pc:picChg chg="add mod">
+          <ac:chgData name="주상원" userId="20f45aad-3735-4b46-b3e4-3c4e735e7b26" providerId="ADAL" clId="{9D9C2D40-DEF9-4F8D-A9E0-AE9373B1CD27}" dt="2023-01-26T16:08:46.772" v="841" actId="1076"/>
+          <ac:picMkLst>
+            <pc:docMk/>
+            <pc:sldMk cId="1044175515" sldId="267"/>
+            <ac:picMk id="27" creationId="{81C38B59-9C75-FEDB-6F1D-3C34FB53A9DF}"/>
+          </ac:picMkLst>
+        </pc:picChg>
+        <pc:picChg chg="add mod modCrop">
+          <ac:chgData name="주상원" userId="20f45aad-3735-4b46-b3e4-3c4e735e7b26" providerId="ADAL" clId="{9D9C2D40-DEF9-4F8D-A9E0-AE9373B1CD27}" dt="2023-01-26T16:09:14.026" v="848" actId="18131"/>
+          <ac:picMkLst>
+            <pc:docMk/>
+            <pc:sldMk cId="1044175515" sldId="267"/>
+            <ac:picMk id="36" creationId="{0072082B-69D8-A122-8E4A-720A43F41A45}"/>
+          </ac:picMkLst>
+        </pc:picChg>
+        <pc:picChg chg="add mod modCrop">
+          <ac:chgData name="주상원" userId="20f45aad-3735-4b46-b3e4-3c4e735e7b26" providerId="ADAL" clId="{9D9C2D40-DEF9-4F8D-A9E0-AE9373B1CD27}" dt="2023-01-26T16:09:43.579" v="861" actId="1076"/>
+          <ac:picMkLst>
+            <pc:docMk/>
+            <pc:sldMk cId="1044175515" sldId="267"/>
+            <ac:picMk id="37" creationId="{2164FE7D-55E4-275C-3C2A-D68FEB723B0A}"/>
+          </ac:picMkLst>
+        </pc:picChg>
+        <pc:picChg chg="add mod modCrop">
+          <ac:chgData name="주상원" userId="20f45aad-3735-4b46-b3e4-3c4e735e7b26" providerId="ADAL" clId="{9D9C2D40-DEF9-4F8D-A9E0-AE9373B1CD27}" dt="2023-01-26T16:09:30.426" v="856" actId="1076"/>
+          <ac:picMkLst>
+            <pc:docMk/>
+            <pc:sldMk cId="1044175515" sldId="267"/>
+            <ac:picMk id="38" creationId="{AFC6B6B5-51F5-9304-8DF0-936A30C0EE37}"/>
+          </ac:picMkLst>
+        </pc:picChg>
+      </pc:sldChg>
+    </pc:docChg>
+  </pc:docChgLst>
+</pc:chgInfo>
 </file>
 
 <file path=ppt/slideLayouts/slideLayout1.xml><?xml version="1.0" encoding="utf-8"?>
@@ -254,7 +1219,7 @@
           <a:p>
             <a:fld id="{D68C256E-43AB-47CA-A9B1-8D3956E3B056}" type="datetimeFigureOut">
               <a:rPr lang="ko-KR" altLang="en-US" smtClean="0"/>
-              <a:t>2023-01-18</a:t>
+              <a:t>2023-01-26</a:t>
             </a:fld>
             <a:endParaRPr lang="ko-KR" altLang="en-US"/>
           </a:p>
@@ -452,7 +1417,7 @@
           <a:p>
             <a:fld id="{D68C256E-43AB-47CA-A9B1-8D3956E3B056}" type="datetimeFigureOut">
               <a:rPr lang="ko-KR" altLang="en-US" smtClean="0"/>
-              <a:t>2023-01-18</a:t>
+              <a:t>2023-01-26</a:t>
             </a:fld>
             <a:endParaRPr lang="ko-KR" altLang="en-US"/>
           </a:p>
@@ -660,7 +1625,7 @@
           <a:p>
             <a:fld id="{D68C256E-43AB-47CA-A9B1-8D3956E3B056}" type="datetimeFigureOut">
               <a:rPr lang="ko-KR" altLang="en-US" smtClean="0"/>
-              <a:t>2023-01-18</a:t>
+              <a:t>2023-01-26</a:t>
             </a:fld>
             <a:endParaRPr lang="ko-KR" altLang="en-US"/>
           </a:p>
@@ -858,7 +1823,7 @@
           <a:p>
             <a:fld id="{D68C256E-43AB-47CA-A9B1-8D3956E3B056}" type="datetimeFigureOut">
               <a:rPr lang="ko-KR" altLang="en-US" smtClean="0"/>
-              <a:t>2023-01-18</a:t>
+              <a:t>2023-01-26</a:t>
             </a:fld>
             <a:endParaRPr lang="ko-KR" altLang="en-US"/>
           </a:p>
@@ -1133,7 +2098,7 @@
           <a:p>
             <a:fld id="{D68C256E-43AB-47CA-A9B1-8D3956E3B056}" type="datetimeFigureOut">
               <a:rPr lang="ko-KR" altLang="en-US" smtClean="0"/>
-              <a:t>2023-01-18</a:t>
+              <a:t>2023-01-26</a:t>
             </a:fld>
             <a:endParaRPr lang="ko-KR" altLang="en-US"/>
           </a:p>
@@ -1398,7 +2363,7 @@
           <a:p>
             <a:fld id="{D68C256E-43AB-47CA-A9B1-8D3956E3B056}" type="datetimeFigureOut">
               <a:rPr lang="ko-KR" altLang="en-US" smtClean="0"/>
-              <a:t>2023-01-18</a:t>
+              <a:t>2023-01-26</a:t>
             </a:fld>
             <a:endParaRPr lang="ko-KR" altLang="en-US"/>
           </a:p>
@@ -1810,7 +2775,7 @@
           <a:p>
             <a:fld id="{D68C256E-43AB-47CA-A9B1-8D3956E3B056}" type="datetimeFigureOut">
               <a:rPr lang="ko-KR" altLang="en-US" smtClean="0"/>
-              <a:t>2023-01-18</a:t>
+              <a:t>2023-01-26</a:t>
             </a:fld>
             <a:endParaRPr lang="ko-KR" altLang="en-US"/>
           </a:p>
@@ -1951,7 +2916,7 @@
           <a:p>
             <a:fld id="{D68C256E-43AB-47CA-A9B1-8D3956E3B056}" type="datetimeFigureOut">
               <a:rPr lang="ko-KR" altLang="en-US" smtClean="0"/>
-              <a:t>2023-01-18</a:t>
+              <a:t>2023-01-26</a:t>
             </a:fld>
             <a:endParaRPr lang="ko-KR" altLang="en-US"/>
           </a:p>
@@ -2064,7 +3029,7 @@
           <a:p>
             <a:fld id="{D68C256E-43AB-47CA-A9B1-8D3956E3B056}" type="datetimeFigureOut">
               <a:rPr lang="ko-KR" altLang="en-US" smtClean="0"/>
-              <a:t>2023-01-18</a:t>
+              <a:t>2023-01-26</a:t>
             </a:fld>
             <a:endParaRPr lang="ko-KR" altLang="en-US"/>
           </a:p>
@@ -2375,7 +3340,7 @@
           <a:p>
             <a:fld id="{D68C256E-43AB-47CA-A9B1-8D3956E3B056}" type="datetimeFigureOut">
               <a:rPr lang="ko-KR" altLang="en-US" smtClean="0"/>
-              <a:t>2023-01-18</a:t>
+              <a:t>2023-01-26</a:t>
             </a:fld>
             <a:endParaRPr lang="ko-KR" altLang="en-US"/>
           </a:p>
@@ -2663,7 +3628,7 @@
           <a:p>
             <a:fld id="{D68C256E-43AB-47CA-A9B1-8D3956E3B056}" type="datetimeFigureOut">
               <a:rPr lang="ko-KR" altLang="en-US" smtClean="0"/>
-              <a:t>2023-01-18</a:t>
+              <a:t>2023-01-26</a:t>
             </a:fld>
             <a:endParaRPr lang="ko-KR" altLang="en-US"/>
           </a:p>
@@ -2904,7 +3869,7 @@
           <a:p>
             <a:fld id="{D68C256E-43AB-47CA-A9B1-8D3956E3B056}" type="datetimeFigureOut">
               <a:rPr lang="ko-KR" altLang="en-US" smtClean="0"/>
-              <a:t>2023-01-18</a:t>
+              <a:t>2023-01-26</a:t>
             </a:fld>
             <a:endParaRPr lang="ko-KR" altLang="en-US"/>
           </a:p>
@@ -3412,6 +4377,49 @@
               </a:rPr>
               <a:t> 반</a:t>
             </a:r>
+            <a:br>
+              <a:rPr lang="en-US" altLang="ko-KR" sz="2800" dirty="0">
+                <a:latin typeface="KoPub돋움체 Bold" panose="00000800000000000000" pitchFamily="2" charset="-127"/>
+                <a:ea typeface="KoPub돋움체 Bold" panose="00000800000000000000" pitchFamily="2" charset="-127"/>
+              </a:rPr>
+            </a:br>
+            <a:r>
+              <a:rPr lang="en-US" altLang="ko-KR" sz="1500" dirty="0">
+                <a:solidFill>
+                  <a:srgbClr val="FF0000"/>
+                </a:solidFill>
+                <a:latin typeface="KoPub돋움체 Bold" panose="00000800000000000000" pitchFamily="2" charset="-127"/>
+                <a:ea typeface="KoPub돋움체 Bold" panose="00000800000000000000" pitchFamily="2" charset="-127"/>
+              </a:rPr>
+              <a:t>(</a:t>
+            </a:r>
+            <a:r>
+              <a:rPr lang="ko-KR" altLang="en-US" sz="1500" dirty="0">
+                <a:solidFill>
+                  <a:srgbClr val="FF0000"/>
+                </a:solidFill>
+                <a:latin typeface="KoPub돋움체 Bold" panose="00000800000000000000" pitchFamily="2" charset="-127"/>
+                <a:ea typeface="KoPub돋움체 Bold" panose="00000800000000000000" pitchFamily="2" charset="-127"/>
+              </a:rPr>
+              <a:t>우수강의상</a:t>
+            </a:r>
+            <a:r>
+              <a:rPr lang="en-US" altLang="ko-KR" sz="1500" dirty="0">
+                <a:solidFill>
+                  <a:srgbClr val="FF0000"/>
+                </a:solidFill>
+                <a:latin typeface="KoPub돋움체 Bold" panose="00000800000000000000" pitchFamily="2" charset="-127"/>
+                <a:ea typeface="KoPub돋움체 Bold" panose="00000800000000000000" pitchFamily="2" charset="-127"/>
+              </a:rPr>
+              <a:t>)</a:t>
+            </a:r>
+            <a:endParaRPr lang="ko-KR" altLang="en-US" sz="1500" dirty="0">
+              <a:solidFill>
+                <a:srgbClr val="FF0000"/>
+              </a:solidFill>
+              <a:latin typeface="KoPub돋움체 Bold" panose="00000800000000000000" pitchFamily="2" charset="-127"/>
+              <a:ea typeface="KoPub돋움체 Bold" panose="00000800000000000000" pitchFamily="2" charset="-127"/>
+            </a:endParaRPr>
           </a:p>
         </p:txBody>
       </p:sp>
@@ -4572,8 +5580,8 @@
         </p:nvSpPr>
         <p:spPr>
           <a:xfrm>
-            <a:off x="301336" y="5803544"/>
-            <a:ext cx="2786491" cy="523220"/>
+            <a:off x="1498020" y="1087738"/>
+            <a:ext cx="2261750" cy="523220"/>
           </a:xfrm>
           <a:prstGeom prst="rect">
             <a:avLst/>
@@ -4592,11 +5600,7 @@
                   <a:srgbClr val="FFFF00"/>
                 </a:highlight>
               </a:rPr>
-              <a:t>OLS</a:t>
-            </a:r>
-            <a:r>
-              <a:rPr lang="en-US" altLang="ko-KR" sz="2800" dirty="0"/>
-              <a:t>: Pooled ?</a:t>
+              <a:t>Pooled OLS</a:t>
             </a:r>
             <a:endParaRPr lang="ko-KR" altLang="en-US" sz="2800" dirty="0"/>
           </a:p>
@@ -4606,6 +5610,5685 @@
     <p:extLst>
       <p:ext uri="{BB962C8B-B14F-4D97-AF65-F5344CB8AC3E}">
         <p14:creationId xmlns:p14="http://schemas.microsoft.com/office/powerpoint/2010/main" val="333898920"/>
+      </p:ext>
+    </p:extLst>
+  </p:cSld>
+  <p:clrMapOvr>
+    <a:masterClrMapping/>
+  </p:clrMapOvr>
+</p:sld>
+</file>
+
+<file path=ppt/slides/slide10.xml><?xml version="1.0" encoding="utf-8"?>
+<p:sld xmlns:a="http://schemas.openxmlformats.org/drawingml/2006/main" xmlns:r="http://schemas.openxmlformats.org/officeDocument/2006/relationships" xmlns:p="http://schemas.openxmlformats.org/presentationml/2006/main">
+  <p:cSld>
+    <p:spTree>
+      <p:nvGrpSpPr>
+        <p:cNvPr id="1" name=""/>
+        <p:cNvGrpSpPr/>
+        <p:nvPr/>
+      </p:nvGrpSpPr>
+      <p:grpSpPr>
+        <a:xfrm>
+          <a:off x="0" y="0"/>
+          <a:ext cx="0" cy="0"/>
+          <a:chOff x="0" y="0"/>
+          <a:chExt cx="0" cy="0"/>
+        </a:xfrm>
+      </p:grpSpPr>
+      <p:pic>
+        <p:nvPicPr>
+          <p:cNvPr id="5" name="그림 4">
+            <a:extLst>
+              <a:ext uri="{FF2B5EF4-FFF2-40B4-BE49-F238E27FC236}">
+                <a16:creationId xmlns:a16="http://schemas.microsoft.com/office/drawing/2014/main" id="{B95923C2-F244-A200-80E1-D19672E4764C}"/>
+              </a:ext>
+            </a:extLst>
+          </p:cNvPr>
+          <p:cNvPicPr>
+            <a:picLocks noChangeAspect="1"/>
+          </p:cNvPicPr>
+          <p:nvPr/>
+        </p:nvPicPr>
+        <p:blipFill>
+          <a:blip r:embed="rId2"/>
+          <a:stretch>
+            <a:fillRect/>
+          </a:stretch>
+        </p:blipFill>
+        <p:spPr>
+          <a:xfrm>
+            <a:off x="6096000" y="2551430"/>
+            <a:ext cx="4855422" cy="1643374"/>
+          </a:xfrm>
+          <a:prstGeom prst="rect">
+            <a:avLst/>
+          </a:prstGeom>
+        </p:spPr>
+      </p:pic>
+      <p:pic>
+        <p:nvPicPr>
+          <p:cNvPr id="8" name="그림 7">
+            <a:extLst>
+              <a:ext uri="{FF2B5EF4-FFF2-40B4-BE49-F238E27FC236}">
+                <a16:creationId xmlns:a16="http://schemas.microsoft.com/office/drawing/2014/main" id="{B811EE89-A126-4ED2-C780-ACF2339C18A9}"/>
+              </a:ext>
+            </a:extLst>
+          </p:cNvPr>
+          <p:cNvPicPr>
+            <a:picLocks noChangeAspect="1"/>
+          </p:cNvPicPr>
+          <p:nvPr/>
+        </p:nvPicPr>
+        <p:blipFill>
+          <a:blip r:embed="rId3"/>
+          <a:stretch>
+            <a:fillRect/>
+          </a:stretch>
+        </p:blipFill>
+        <p:spPr>
+          <a:xfrm>
+            <a:off x="701992" y="1805146"/>
+            <a:ext cx="4662831" cy="3247708"/>
+          </a:xfrm>
+          <a:prstGeom prst="rect">
+            <a:avLst/>
+          </a:prstGeom>
+        </p:spPr>
+      </p:pic>
+      <p:cxnSp>
+        <p:nvCxnSpPr>
+          <p:cNvPr id="10" name="직선 화살표 연결선 9">
+            <a:extLst>
+              <a:ext uri="{FF2B5EF4-FFF2-40B4-BE49-F238E27FC236}">
+                <a16:creationId xmlns:a16="http://schemas.microsoft.com/office/drawing/2014/main" id="{C5D837C3-5CCF-82A7-DAB7-316633CF5AA7}"/>
+              </a:ext>
+            </a:extLst>
+          </p:cNvPr>
+          <p:cNvCxnSpPr/>
+          <p:nvPr/>
+        </p:nvCxnSpPr>
+        <p:spPr>
+          <a:xfrm>
+            <a:off x="5310293" y="2695787"/>
+            <a:ext cx="1584960" cy="1334346"/>
+          </a:xfrm>
+          <a:prstGeom prst="straightConnector1">
+            <a:avLst/>
+          </a:prstGeom>
+          <a:ln w="38100">
+            <a:solidFill>
+              <a:schemeClr val="accent2"/>
+            </a:solidFill>
+            <a:headEnd type="triangle"/>
+            <a:tailEnd type="triangle"/>
+          </a:ln>
+        </p:spPr>
+        <p:style>
+          <a:lnRef idx="1">
+            <a:schemeClr val="accent1"/>
+          </a:lnRef>
+          <a:fillRef idx="0">
+            <a:schemeClr val="accent1"/>
+          </a:fillRef>
+          <a:effectRef idx="0">
+            <a:schemeClr val="accent1"/>
+          </a:effectRef>
+          <a:fontRef idx="minor">
+            <a:schemeClr val="tx1"/>
+          </a:fontRef>
+        </p:style>
+      </p:cxnSp>
+      <p:cxnSp>
+        <p:nvCxnSpPr>
+          <p:cNvPr id="11" name="직선 화살표 연결선 10">
+            <a:extLst>
+              <a:ext uri="{FF2B5EF4-FFF2-40B4-BE49-F238E27FC236}">
+                <a16:creationId xmlns:a16="http://schemas.microsoft.com/office/drawing/2014/main" id="{9B7793BB-380E-7F11-CA03-61C999090CBD}"/>
+              </a:ext>
+            </a:extLst>
+          </p:cNvPr>
+          <p:cNvCxnSpPr>
+            <a:cxnSpLocks/>
+          </p:cNvCxnSpPr>
+          <p:nvPr/>
+        </p:nvCxnSpPr>
+        <p:spPr>
+          <a:xfrm>
+            <a:off x="5310293" y="2837145"/>
+            <a:ext cx="1341028" cy="187891"/>
+          </a:xfrm>
+          <a:prstGeom prst="straightConnector1">
+            <a:avLst/>
+          </a:prstGeom>
+          <a:ln w="38100">
+            <a:solidFill>
+              <a:schemeClr val="accent2"/>
+            </a:solidFill>
+            <a:headEnd type="triangle"/>
+            <a:tailEnd type="triangle"/>
+          </a:ln>
+        </p:spPr>
+        <p:style>
+          <a:lnRef idx="1">
+            <a:schemeClr val="accent1"/>
+          </a:lnRef>
+          <a:fillRef idx="0">
+            <a:schemeClr val="accent1"/>
+          </a:fillRef>
+          <a:effectRef idx="0">
+            <a:schemeClr val="accent1"/>
+          </a:effectRef>
+          <a:fontRef idx="minor">
+            <a:schemeClr val="tx1"/>
+          </a:fontRef>
+        </p:style>
+      </p:cxnSp>
+      <p:cxnSp>
+        <p:nvCxnSpPr>
+          <p:cNvPr id="14" name="직선 화살표 연결선 13">
+            <a:extLst>
+              <a:ext uri="{FF2B5EF4-FFF2-40B4-BE49-F238E27FC236}">
+                <a16:creationId xmlns:a16="http://schemas.microsoft.com/office/drawing/2014/main" id="{0CE82D6E-5D02-C57E-C341-CEF55A75F109}"/>
+              </a:ext>
+            </a:extLst>
+          </p:cNvPr>
+          <p:cNvCxnSpPr>
+            <a:cxnSpLocks/>
+          </p:cNvCxnSpPr>
+          <p:nvPr/>
+        </p:nvCxnSpPr>
+        <p:spPr>
+          <a:xfrm>
+            <a:off x="5310293" y="2978503"/>
+            <a:ext cx="1341028" cy="187891"/>
+          </a:xfrm>
+          <a:prstGeom prst="straightConnector1">
+            <a:avLst/>
+          </a:prstGeom>
+          <a:ln w="38100">
+            <a:solidFill>
+              <a:schemeClr val="accent2"/>
+            </a:solidFill>
+            <a:headEnd type="triangle"/>
+            <a:tailEnd type="triangle"/>
+          </a:ln>
+        </p:spPr>
+        <p:style>
+          <a:lnRef idx="1">
+            <a:schemeClr val="accent1"/>
+          </a:lnRef>
+          <a:fillRef idx="0">
+            <a:schemeClr val="accent1"/>
+          </a:fillRef>
+          <a:effectRef idx="0">
+            <a:schemeClr val="accent1"/>
+          </a:effectRef>
+          <a:fontRef idx="minor">
+            <a:schemeClr val="tx1"/>
+          </a:fontRef>
+        </p:style>
+      </p:cxnSp>
+      <p:cxnSp>
+        <p:nvCxnSpPr>
+          <p:cNvPr id="15" name="직선 화살표 연결선 14">
+            <a:extLst>
+              <a:ext uri="{FF2B5EF4-FFF2-40B4-BE49-F238E27FC236}">
+                <a16:creationId xmlns:a16="http://schemas.microsoft.com/office/drawing/2014/main" id="{28573109-FC61-7A4E-6560-EB5312DCE709}"/>
+              </a:ext>
+            </a:extLst>
+          </p:cNvPr>
+          <p:cNvCxnSpPr>
+            <a:cxnSpLocks/>
+          </p:cNvCxnSpPr>
+          <p:nvPr/>
+        </p:nvCxnSpPr>
+        <p:spPr>
+          <a:xfrm>
+            <a:off x="5310293" y="3269014"/>
+            <a:ext cx="785707" cy="235304"/>
+          </a:xfrm>
+          <a:prstGeom prst="straightConnector1">
+            <a:avLst/>
+          </a:prstGeom>
+          <a:ln w="38100">
+            <a:solidFill>
+              <a:schemeClr val="accent2"/>
+            </a:solidFill>
+            <a:headEnd type="triangle"/>
+            <a:tailEnd type="triangle"/>
+          </a:ln>
+        </p:spPr>
+        <p:style>
+          <a:lnRef idx="1">
+            <a:schemeClr val="accent1"/>
+          </a:lnRef>
+          <a:fillRef idx="0">
+            <a:schemeClr val="accent1"/>
+          </a:fillRef>
+          <a:effectRef idx="0">
+            <a:schemeClr val="accent1"/>
+          </a:effectRef>
+          <a:fontRef idx="minor">
+            <a:schemeClr val="tx1"/>
+          </a:fontRef>
+        </p:style>
+      </p:cxnSp>
+      <p:cxnSp>
+        <p:nvCxnSpPr>
+          <p:cNvPr id="17" name="직선 화살표 연결선 16">
+            <a:extLst>
+              <a:ext uri="{FF2B5EF4-FFF2-40B4-BE49-F238E27FC236}">
+                <a16:creationId xmlns:a16="http://schemas.microsoft.com/office/drawing/2014/main" id="{EE5628AE-2F7D-825F-1EC9-54D8F93581F0}"/>
+              </a:ext>
+            </a:extLst>
+          </p:cNvPr>
+          <p:cNvCxnSpPr>
+            <a:cxnSpLocks/>
+          </p:cNvCxnSpPr>
+          <p:nvPr/>
+        </p:nvCxnSpPr>
+        <p:spPr>
+          <a:xfrm>
+            <a:off x="5296747" y="3081607"/>
+            <a:ext cx="1786721" cy="676201"/>
+          </a:xfrm>
+          <a:prstGeom prst="straightConnector1">
+            <a:avLst/>
+          </a:prstGeom>
+          <a:ln w="38100">
+            <a:solidFill>
+              <a:schemeClr val="accent2"/>
+            </a:solidFill>
+            <a:headEnd type="triangle"/>
+            <a:tailEnd type="triangle"/>
+          </a:ln>
+        </p:spPr>
+        <p:style>
+          <a:lnRef idx="1">
+            <a:schemeClr val="accent1"/>
+          </a:lnRef>
+          <a:fillRef idx="0">
+            <a:schemeClr val="accent1"/>
+          </a:fillRef>
+          <a:effectRef idx="0">
+            <a:schemeClr val="accent1"/>
+          </a:effectRef>
+          <a:fontRef idx="minor">
+            <a:schemeClr val="tx1"/>
+          </a:fontRef>
+        </p:style>
+      </p:cxnSp>
+    </p:spTree>
+    <p:extLst>
+      <p:ext uri="{BB962C8B-B14F-4D97-AF65-F5344CB8AC3E}">
+        <p14:creationId xmlns:p14="http://schemas.microsoft.com/office/powerpoint/2010/main" val="1965509956"/>
+      </p:ext>
+    </p:extLst>
+  </p:cSld>
+  <p:clrMapOvr>
+    <a:masterClrMapping/>
+  </p:clrMapOvr>
+</p:sld>
+</file>
+
+<file path=ppt/slides/slide11.xml><?xml version="1.0" encoding="utf-8"?>
+<p:sld xmlns:a="http://schemas.openxmlformats.org/drawingml/2006/main" xmlns:r="http://schemas.openxmlformats.org/officeDocument/2006/relationships" xmlns:p="http://schemas.openxmlformats.org/presentationml/2006/main">
+  <p:cSld>
+    <p:spTree>
+      <p:nvGrpSpPr>
+        <p:cNvPr id="1" name=""/>
+        <p:cNvGrpSpPr/>
+        <p:nvPr/>
+      </p:nvGrpSpPr>
+      <p:grpSpPr>
+        <a:xfrm>
+          <a:off x="0" y="0"/>
+          <a:ext cx="0" cy="0"/>
+          <a:chOff x="0" y="0"/>
+          <a:chExt cx="0" cy="0"/>
+        </a:xfrm>
+      </p:grpSpPr>
+      <p:pic>
+        <p:nvPicPr>
+          <p:cNvPr id="5" name="그림 4">
+            <a:extLst>
+              <a:ext uri="{FF2B5EF4-FFF2-40B4-BE49-F238E27FC236}">
+                <a16:creationId xmlns:a16="http://schemas.microsoft.com/office/drawing/2014/main" id="{D6989AFD-A023-C44E-DE83-3667FC63284C}"/>
+              </a:ext>
+            </a:extLst>
+          </p:cNvPr>
+          <p:cNvPicPr>
+            <a:picLocks noChangeAspect="1"/>
+          </p:cNvPicPr>
+          <p:nvPr/>
+        </p:nvPicPr>
+        <p:blipFill>
+          <a:blip r:embed="rId2"/>
+          <a:stretch>
+            <a:fillRect/>
+          </a:stretch>
+        </p:blipFill>
+        <p:spPr>
+          <a:xfrm>
+            <a:off x="1358457" y="949941"/>
+            <a:ext cx="3921296" cy="1684932"/>
+          </a:xfrm>
+          <a:prstGeom prst="rect">
+            <a:avLst/>
+          </a:prstGeom>
+        </p:spPr>
+      </p:pic>
+      <p:pic>
+        <p:nvPicPr>
+          <p:cNvPr id="7" name="그림 6">
+            <a:extLst>
+              <a:ext uri="{FF2B5EF4-FFF2-40B4-BE49-F238E27FC236}">
+                <a16:creationId xmlns:a16="http://schemas.microsoft.com/office/drawing/2014/main" id="{9E55B665-E715-FAF0-28A1-6E75CB21F2B0}"/>
+              </a:ext>
+            </a:extLst>
+          </p:cNvPr>
+          <p:cNvPicPr>
+            <a:picLocks noChangeAspect="1"/>
+          </p:cNvPicPr>
+          <p:nvPr/>
+        </p:nvPicPr>
+        <p:blipFill>
+          <a:blip r:embed="rId3"/>
+          <a:stretch>
+            <a:fillRect/>
+          </a:stretch>
+        </p:blipFill>
+        <p:spPr>
+          <a:xfrm>
+            <a:off x="801436" y="2992975"/>
+            <a:ext cx="4935380" cy="1189779"/>
+          </a:xfrm>
+          <a:prstGeom prst="rect">
+            <a:avLst/>
+          </a:prstGeom>
+        </p:spPr>
+      </p:pic>
+      <p:pic>
+        <p:nvPicPr>
+          <p:cNvPr id="9" name="그림 8">
+            <a:extLst>
+              <a:ext uri="{FF2B5EF4-FFF2-40B4-BE49-F238E27FC236}">
+                <a16:creationId xmlns:a16="http://schemas.microsoft.com/office/drawing/2014/main" id="{36D209DC-39A0-5516-67EC-49A953B40787}"/>
+              </a:ext>
+            </a:extLst>
+          </p:cNvPr>
+          <p:cNvPicPr>
+            <a:picLocks noChangeAspect="1"/>
+          </p:cNvPicPr>
+          <p:nvPr/>
+        </p:nvPicPr>
+        <p:blipFill>
+          <a:blip r:embed="rId4"/>
+          <a:stretch>
+            <a:fillRect/>
+          </a:stretch>
+        </p:blipFill>
+        <p:spPr>
+          <a:xfrm>
+            <a:off x="6698951" y="1017625"/>
+            <a:ext cx="5033946" cy="1728707"/>
+          </a:xfrm>
+          <a:prstGeom prst="rect">
+            <a:avLst/>
+          </a:prstGeom>
+        </p:spPr>
+      </p:pic>
+      <p:pic>
+        <p:nvPicPr>
+          <p:cNvPr id="11" name="그림 10">
+            <a:extLst>
+              <a:ext uri="{FF2B5EF4-FFF2-40B4-BE49-F238E27FC236}">
+                <a16:creationId xmlns:a16="http://schemas.microsoft.com/office/drawing/2014/main" id="{75BA1AE6-B1D8-7AD7-ECF1-885D8AA767EB}"/>
+              </a:ext>
+            </a:extLst>
+          </p:cNvPr>
+          <p:cNvPicPr>
+            <a:picLocks noChangeAspect="1"/>
+          </p:cNvPicPr>
+          <p:nvPr/>
+        </p:nvPicPr>
+        <p:blipFill>
+          <a:blip r:embed="rId5"/>
+          <a:stretch>
+            <a:fillRect/>
+          </a:stretch>
+        </p:blipFill>
+        <p:spPr>
+          <a:xfrm>
+            <a:off x="6698951" y="3267966"/>
+            <a:ext cx="5033945" cy="1349681"/>
+          </a:xfrm>
+          <a:prstGeom prst="rect">
+            <a:avLst/>
+          </a:prstGeom>
+        </p:spPr>
+      </p:pic>
+      <p:sp>
+        <p:nvSpPr>
+          <p:cNvPr id="12" name="TextBox 11">
+            <a:extLst>
+              <a:ext uri="{FF2B5EF4-FFF2-40B4-BE49-F238E27FC236}">
+                <a16:creationId xmlns:a16="http://schemas.microsoft.com/office/drawing/2014/main" id="{AA20EFAA-0238-3667-D4F7-5F2E1E6A123F}"/>
+              </a:ext>
+            </a:extLst>
+          </p:cNvPr>
+          <p:cNvSpPr txBox="1"/>
+          <p:nvPr/>
+        </p:nvSpPr>
+        <p:spPr>
+          <a:xfrm>
+            <a:off x="4310656" y="1824380"/>
+            <a:ext cx="650333" cy="152911"/>
+          </a:xfrm>
+          <a:prstGeom prst="rect">
+            <a:avLst/>
+          </a:prstGeom>
+          <a:noFill/>
+          <a:ln w="28575">
+            <a:solidFill>
+              <a:schemeClr val="accent1"/>
+            </a:solidFill>
+          </a:ln>
+        </p:spPr>
+        <p:txBody>
+          <a:bodyPr wrap="square" rtlCol="0">
+            <a:spAutoFit/>
+          </a:bodyPr>
+          <a:lstStyle/>
+          <a:p>
+            <a:endParaRPr lang="ko-KR" altLang="en-US" sz="500" dirty="0"/>
+          </a:p>
+        </p:txBody>
+      </p:sp>
+      <p:sp>
+        <p:nvSpPr>
+          <p:cNvPr id="14" name="TextBox 13">
+            <a:extLst>
+              <a:ext uri="{FF2B5EF4-FFF2-40B4-BE49-F238E27FC236}">
+                <a16:creationId xmlns:a16="http://schemas.microsoft.com/office/drawing/2014/main" id="{3CAAEF68-291C-234E-D10C-9B25E06E4FD0}"/>
+              </a:ext>
+            </a:extLst>
+          </p:cNvPr>
+          <p:cNvSpPr txBox="1"/>
+          <p:nvPr/>
+        </p:nvSpPr>
+        <p:spPr>
+          <a:xfrm>
+            <a:off x="3846232" y="225496"/>
+            <a:ext cx="724747" cy="369332"/>
+          </a:xfrm>
+          <a:prstGeom prst="rect">
+            <a:avLst/>
+          </a:prstGeom>
+          <a:noFill/>
+          <a:ln w="28575">
+            <a:solidFill>
+              <a:schemeClr val="accent1"/>
+            </a:solidFill>
+          </a:ln>
+        </p:spPr>
+        <p:txBody>
+          <a:bodyPr wrap="square" rtlCol="0">
+            <a:spAutoFit/>
+          </a:bodyPr>
+          <a:lstStyle/>
+          <a:p>
+            <a:pPr algn="ctr"/>
+            <a:r>
+              <a:rPr lang="en-US" altLang="ko-KR" dirty="0"/>
+              <a:t>ICC</a:t>
+            </a:r>
+            <a:endParaRPr lang="ko-KR" altLang="en-US" dirty="0"/>
+          </a:p>
+        </p:txBody>
+      </p:sp>
+      <p:sp>
+        <p:nvSpPr>
+          <p:cNvPr id="15" name="TextBox 14">
+            <a:extLst>
+              <a:ext uri="{FF2B5EF4-FFF2-40B4-BE49-F238E27FC236}">
+                <a16:creationId xmlns:a16="http://schemas.microsoft.com/office/drawing/2014/main" id="{BD44560E-6680-72A5-F9E1-7D92470DE28A}"/>
+              </a:ext>
+            </a:extLst>
+          </p:cNvPr>
+          <p:cNvSpPr txBox="1"/>
+          <p:nvPr/>
+        </p:nvSpPr>
+        <p:spPr>
+          <a:xfrm>
+            <a:off x="3616482" y="1815322"/>
+            <a:ext cx="650333" cy="169277"/>
+          </a:xfrm>
+          <a:prstGeom prst="rect">
+            <a:avLst/>
+          </a:prstGeom>
+          <a:noFill/>
+          <a:ln w="28575">
+            <a:solidFill>
+              <a:schemeClr val="accent4"/>
+            </a:solidFill>
+          </a:ln>
+        </p:spPr>
+        <p:txBody>
+          <a:bodyPr wrap="square" rtlCol="0">
+            <a:spAutoFit/>
+          </a:bodyPr>
+          <a:lstStyle/>
+          <a:p>
+            <a:pPr algn="ctr"/>
+            <a:endParaRPr lang="ko-KR" altLang="en-US" sz="500" dirty="0"/>
+          </a:p>
+        </p:txBody>
+      </p:sp>
+      <p:sp>
+        <p:nvSpPr>
+          <p:cNvPr id="16" name="TextBox 15">
+            <a:extLst>
+              <a:ext uri="{FF2B5EF4-FFF2-40B4-BE49-F238E27FC236}">
+                <a16:creationId xmlns:a16="http://schemas.microsoft.com/office/drawing/2014/main" id="{B5A021C1-5046-4DF6-A58B-96413E99B4CF}"/>
+              </a:ext>
+            </a:extLst>
+          </p:cNvPr>
+          <p:cNvSpPr txBox="1"/>
+          <p:nvPr/>
+        </p:nvSpPr>
+        <p:spPr>
+          <a:xfrm>
+            <a:off x="8725073" y="1751173"/>
+            <a:ext cx="650333" cy="184666"/>
+          </a:xfrm>
+          <a:prstGeom prst="rect">
+            <a:avLst/>
+          </a:prstGeom>
+          <a:noFill/>
+          <a:ln w="28575">
+            <a:solidFill>
+              <a:schemeClr val="accent4"/>
+            </a:solidFill>
+          </a:ln>
+        </p:spPr>
+        <p:txBody>
+          <a:bodyPr wrap="square" rtlCol="0">
+            <a:spAutoFit/>
+          </a:bodyPr>
+          <a:lstStyle/>
+          <a:p>
+            <a:pPr algn="ctr"/>
+            <a:endParaRPr lang="ko-KR" altLang="en-US" sz="600" dirty="0"/>
+          </a:p>
+        </p:txBody>
+      </p:sp>
+      <mc:AlternateContent xmlns:mc="http://schemas.openxmlformats.org/markup-compatibility/2006">
+        <mc:Choice xmlns:a14="http://schemas.microsoft.com/office/drawing/2010/main" Requires="a14">
+          <p:sp>
+            <p:nvSpPr>
+              <p:cNvPr id="17" name="TextBox 16">
+                <a:extLst>
+                  <a:ext uri="{FF2B5EF4-FFF2-40B4-BE49-F238E27FC236}">
+                    <a16:creationId xmlns:a16="http://schemas.microsoft.com/office/drawing/2014/main" id="{9849E9CB-DA22-9E44-853E-22B188B73A72}"/>
+                  </a:ext>
+                </a:extLst>
+              </p:cNvPr>
+              <p:cNvSpPr txBox="1"/>
+              <p:nvPr/>
+            </p:nvSpPr>
+            <p:spPr>
+              <a:xfrm>
+                <a:off x="4693826" y="225496"/>
+                <a:ext cx="724747" cy="369332"/>
+              </a:xfrm>
+              <a:prstGeom prst="rect">
+                <a:avLst/>
+              </a:prstGeom>
+              <a:noFill/>
+              <a:ln w="28575">
+                <a:solidFill>
+                  <a:srgbClr val="FED100"/>
+                </a:solidFill>
+              </a:ln>
+            </p:spPr>
+            <p:txBody>
+              <a:bodyPr wrap="square" rtlCol="0">
+                <a:spAutoFit/>
+              </a:bodyPr>
+              <a:lstStyle/>
+              <a:p>
+                <a:pPr algn="ctr"/>
+                <a14:m>
+                  <m:oMathPara xmlns:m="http://schemas.openxmlformats.org/officeDocument/2006/math">
+                    <m:oMathParaPr>
+                      <m:jc m:val="centerGroup"/>
+                    </m:oMathParaPr>
+                    <m:oMath xmlns:m="http://schemas.openxmlformats.org/officeDocument/2006/math">
+                      <m:sSub>
+                        <m:sSubPr>
+                          <m:ctrlPr>
+                            <a:rPr lang="en-US" altLang="ko-KR" b="0" i="1" smtClean="0">
+                              <a:latin typeface="Cambria Math" panose="02040503050406030204" pitchFamily="18" charset="0"/>
+                            </a:rPr>
+                          </m:ctrlPr>
+                        </m:sSubPr>
+                        <m:e>
+                          <m:r>
+                            <a:rPr lang="en-US" altLang="ko-KR" b="0" i="1" smtClean="0">
+                              <a:latin typeface="Cambria Math" panose="02040503050406030204" pitchFamily="18" charset="0"/>
+                            </a:rPr>
+                            <m:t>𝜏</m:t>
+                          </m:r>
+                        </m:e>
+                        <m:sub>
+                          <m:r>
+                            <a:rPr lang="en-US" altLang="ko-KR" b="0" i="1" smtClean="0">
+                              <a:latin typeface="Cambria Math" panose="02040503050406030204" pitchFamily="18" charset="0"/>
+                            </a:rPr>
+                            <m:t>00</m:t>
+                          </m:r>
+                        </m:sub>
+                      </m:sSub>
+                    </m:oMath>
+                  </m:oMathPara>
+                </a14:m>
+                <a:endParaRPr lang="ko-KR" altLang="en-US" dirty="0"/>
+              </a:p>
+            </p:txBody>
+          </p:sp>
+        </mc:Choice>
+        <mc:Fallback>
+          <p:sp>
+            <p:nvSpPr>
+              <p:cNvPr id="17" name="TextBox 16">
+                <a:extLst>
+                  <a:ext uri="{FF2B5EF4-FFF2-40B4-BE49-F238E27FC236}">
+                    <a16:creationId xmlns:a16="http://schemas.microsoft.com/office/drawing/2014/main" id="{9849E9CB-DA22-9E44-853E-22B188B73A72}"/>
+                  </a:ext>
+                </a:extLst>
+              </p:cNvPr>
+              <p:cNvSpPr txBox="1">
+                <a:spLocks noRot="1" noChangeAspect="1" noMove="1" noResize="1" noEditPoints="1" noAdjustHandles="1" noChangeArrowheads="1" noChangeShapeType="1" noTextEdit="1"/>
+              </p:cNvSpPr>
+              <p:nvPr/>
+            </p:nvSpPr>
+            <p:spPr>
+              <a:xfrm>
+                <a:off x="4693826" y="225496"/>
+                <a:ext cx="724747" cy="369332"/>
+              </a:xfrm>
+              <a:prstGeom prst="rect">
+                <a:avLst/>
+              </a:prstGeom>
+              <a:blipFill>
+                <a:blip r:embed="rId6"/>
+                <a:stretch>
+                  <a:fillRect/>
+                </a:stretch>
+              </a:blipFill>
+              <a:ln w="28575">
+                <a:solidFill>
+                  <a:srgbClr val="FED100"/>
+                </a:solidFill>
+              </a:ln>
+            </p:spPr>
+            <p:txBody>
+              <a:bodyPr/>
+              <a:lstStyle/>
+              <a:p>
+                <a:r>
+                  <a:rPr lang="ko-KR" altLang="en-US">
+                    <a:noFill/>
+                  </a:rPr>
+                  <a:t> </a:t>
+                </a:r>
+              </a:p>
+            </p:txBody>
+          </p:sp>
+        </mc:Fallback>
+      </mc:AlternateContent>
+      <p:sp>
+        <p:nvSpPr>
+          <p:cNvPr id="18" name="TextBox 17">
+            <a:extLst>
+              <a:ext uri="{FF2B5EF4-FFF2-40B4-BE49-F238E27FC236}">
+                <a16:creationId xmlns:a16="http://schemas.microsoft.com/office/drawing/2014/main" id="{9E5D1D12-5C94-1970-DF94-93C059B5E04B}"/>
+              </a:ext>
+            </a:extLst>
+          </p:cNvPr>
+          <p:cNvSpPr txBox="1"/>
+          <p:nvPr/>
+        </p:nvSpPr>
+        <p:spPr>
+          <a:xfrm>
+            <a:off x="3616482" y="2014302"/>
+            <a:ext cx="650333" cy="169277"/>
+          </a:xfrm>
+          <a:prstGeom prst="rect">
+            <a:avLst/>
+          </a:prstGeom>
+          <a:noFill/>
+          <a:ln w="28575">
+            <a:solidFill>
+              <a:schemeClr val="accent6"/>
+            </a:solidFill>
+          </a:ln>
+        </p:spPr>
+        <p:txBody>
+          <a:bodyPr wrap="square" rtlCol="0">
+            <a:spAutoFit/>
+          </a:bodyPr>
+          <a:lstStyle/>
+          <a:p>
+            <a:pPr algn="ctr"/>
+            <a:endParaRPr lang="ko-KR" altLang="en-US" sz="500" dirty="0"/>
+          </a:p>
+        </p:txBody>
+      </p:sp>
+      <p:sp>
+        <p:nvSpPr>
+          <p:cNvPr id="19" name="TextBox 18">
+            <a:extLst>
+              <a:ext uri="{FF2B5EF4-FFF2-40B4-BE49-F238E27FC236}">
+                <a16:creationId xmlns:a16="http://schemas.microsoft.com/office/drawing/2014/main" id="{AF2C6D9A-B432-2BBB-D495-3FC246439E4D}"/>
+              </a:ext>
+            </a:extLst>
+          </p:cNvPr>
+          <p:cNvSpPr txBox="1"/>
+          <p:nvPr/>
+        </p:nvSpPr>
+        <p:spPr>
+          <a:xfrm>
+            <a:off x="8725073" y="1581896"/>
+            <a:ext cx="650333" cy="169277"/>
+          </a:xfrm>
+          <a:prstGeom prst="rect">
+            <a:avLst/>
+          </a:prstGeom>
+          <a:noFill/>
+          <a:ln w="28575">
+            <a:solidFill>
+              <a:schemeClr val="accent6"/>
+            </a:solidFill>
+          </a:ln>
+        </p:spPr>
+        <p:txBody>
+          <a:bodyPr wrap="square" rtlCol="0">
+            <a:spAutoFit/>
+          </a:bodyPr>
+          <a:lstStyle/>
+          <a:p>
+            <a:pPr algn="ctr"/>
+            <a:endParaRPr lang="ko-KR" altLang="en-US" sz="500" dirty="0"/>
+          </a:p>
+        </p:txBody>
+      </p:sp>
+      <mc:AlternateContent xmlns:mc="http://schemas.openxmlformats.org/markup-compatibility/2006">
+        <mc:Choice xmlns:a14="http://schemas.microsoft.com/office/drawing/2010/main" Requires="a14">
+          <p:sp>
+            <p:nvSpPr>
+              <p:cNvPr id="20" name="TextBox 19">
+                <a:extLst>
+                  <a:ext uri="{FF2B5EF4-FFF2-40B4-BE49-F238E27FC236}">
+                    <a16:creationId xmlns:a16="http://schemas.microsoft.com/office/drawing/2014/main" id="{C0E41038-3EFF-7488-0441-03D6B12E32A9}"/>
+                  </a:ext>
+                </a:extLst>
+              </p:cNvPr>
+              <p:cNvSpPr txBox="1"/>
+              <p:nvPr/>
+            </p:nvSpPr>
+            <p:spPr>
+              <a:xfrm>
+                <a:off x="5548748" y="225496"/>
+                <a:ext cx="724747" cy="369332"/>
+              </a:xfrm>
+              <a:prstGeom prst="rect">
+                <a:avLst/>
+              </a:prstGeom>
+              <a:noFill/>
+              <a:ln w="28575">
+                <a:solidFill>
+                  <a:schemeClr val="accent6"/>
+                </a:solidFill>
+              </a:ln>
+            </p:spPr>
+            <p:txBody>
+              <a:bodyPr wrap="square" rtlCol="0">
+                <a:spAutoFit/>
+              </a:bodyPr>
+              <a:lstStyle/>
+              <a:p>
+                <a:pPr algn="ctr"/>
+                <a14:m>
+                  <m:oMathPara xmlns:m="http://schemas.openxmlformats.org/officeDocument/2006/math">
+                    <m:oMathParaPr>
+                      <m:jc m:val="centerGroup"/>
+                    </m:oMathParaPr>
+                    <m:oMath xmlns:m="http://schemas.openxmlformats.org/officeDocument/2006/math">
+                      <m:sSub>
+                        <m:sSubPr>
+                          <m:ctrlPr>
+                            <a:rPr lang="en-US" altLang="ko-KR" b="0" i="1" smtClean="0">
+                              <a:latin typeface="Cambria Math" panose="02040503050406030204" pitchFamily="18" charset="0"/>
+                            </a:rPr>
+                          </m:ctrlPr>
+                        </m:sSubPr>
+                        <m:e>
+                          <m:r>
+                            <a:rPr lang="en-US" altLang="ko-KR" b="0" i="1" smtClean="0">
+                              <a:latin typeface="Cambria Math" panose="02040503050406030204" pitchFamily="18" charset="0"/>
+                            </a:rPr>
+                            <m:t>𝜏</m:t>
+                          </m:r>
+                        </m:e>
+                        <m:sub>
+                          <m:r>
+                            <a:rPr lang="en-US" altLang="ko-KR" b="0" i="1" smtClean="0">
+                              <a:latin typeface="Cambria Math" panose="02040503050406030204" pitchFamily="18" charset="0"/>
+                            </a:rPr>
+                            <m:t>11</m:t>
+                          </m:r>
+                        </m:sub>
+                      </m:sSub>
+                    </m:oMath>
+                  </m:oMathPara>
+                </a14:m>
+                <a:endParaRPr lang="ko-KR" altLang="en-US" dirty="0"/>
+              </a:p>
+            </p:txBody>
+          </p:sp>
+        </mc:Choice>
+        <mc:Fallback>
+          <p:sp>
+            <p:nvSpPr>
+              <p:cNvPr id="20" name="TextBox 19">
+                <a:extLst>
+                  <a:ext uri="{FF2B5EF4-FFF2-40B4-BE49-F238E27FC236}">
+                    <a16:creationId xmlns:a16="http://schemas.microsoft.com/office/drawing/2014/main" id="{C0E41038-3EFF-7488-0441-03D6B12E32A9}"/>
+                  </a:ext>
+                </a:extLst>
+              </p:cNvPr>
+              <p:cNvSpPr txBox="1">
+                <a:spLocks noRot="1" noChangeAspect="1" noMove="1" noResize="1" noEditPoints="1" noAdjustHandles="1" noChangeArrowheads="1" noChangeShapeType="1" noTextEdit="1"/>
+              </p:cNvSpPr>
+              <p:nvPr/>
+            </p:nvSpPr>
+            <p:spPr>
+              <a:xfrm>
+                <a:off x="5548748" y="225496"/>
+                <a:ext cx="724747" cy="369332"/>
+              </a:xfrm>
+              <a:prstGeom prst="rect">
+                <a:avLst/>
+              </a:prstGeom>
+              <a:blipFill>
+                <a:blip r:embed="rId7"/>
+                <a:stretch>
+                  <a:fillRect/>
+                </a:stretch>
+              </a:blipFill>
+              <a:ln w="28575">
+                <a:solidFill>
+                  <a:schemeClr val="accent6"/>
+                </a:solidFill>
+              </a:ln>
+            </p:spPr>
+            <p:txBody>
+              <a:bodyPr/>
+              <a:lstStyle/>
+              <a:p>
+                <a:r>
+                  <a:rPr lang="ko-KR" altLang="en-US">
+                    <a:noFill/>
+                  </a:rPr>
+                  <a:t> </a:t>
+                </a:r>
+              </a:p>
+            </p:txBody>
+          </p:sp>
+        </mc:Fallback>
+      </mc:AlternateContent>
+      <p:sp>
+        <p:nvSpPr>
+          <p:cNvPr id="21" name="TextBox 20">
+            <a:extLst>
+              <a:ext uri="{FF2B5EF4-FFF2-40B4-BE49-F238E27FC236}">
+                <a16:creationId xmlns:a16="http://schemas.microsoft.com/office/drawing/2014/main" id="{02F45409-F559-8FF5-7085-8393391CB42E}"/>
+              </a:ext>
+            </a:extLst>
+          </p:cNvPr>
+          <p:cNvSpPr txBox="1"/>
+          <p:nvPr/>
+        </p:nvSpPr>
+        <p:spPr>
+          <a:xfrm>
+            <a:off x="8725073" y="4093620"/>
+            <a:ext cx="650333" cy="152911"/>
+          </a:xfrm>
+          <a:prstGeom prst="rect">
+            <a:avLst/>
+          </a:prstGeom>
+          <a:noFill/>
+          <a:ln w="28575">
+            <a:solidFill>
+              <a:schemeClr val="accent1"/>
+            </a:solidFill>
+          </a:ln>
+        </p:spPr>
+        <p:txBody>
+          <a:bodyPr wrap="square" rtlCol="0">
+            <a:spAutoFit/>
+          </a:bodyPr>
+          <a:lstStyle/>
+          <a:p>
+            <a:endParaRPr lang="ko-KR" altLang="en-US" sz="500" dirty="0"/>
+          </a:p>
+        </p:txBody>
+      </p:sp>
+      <p:sp>
+        <p:nvSpPr>
+          <p:cNvPr id="22" name="TextBox 21">
+            <a:extLst>
+              <a:ext uri="{FF2B5EF4-FFF2-40B4-BE49-F238E27FC236}">
+                <a16:creationId xmlns:a16="http://schemas.microsoft.com/office/drawing/2014/main" id="{804134E3-31F1-68D8-FE90-6346DF682A4F}"/>
+              </a:ext>
+            </a:extLst>
+          </p:cNvPr>
+          <p:cNvSpPr txBox="1"/>
+          <p:nvPr/>
+        </p:nvSpPr>
+        <p:spPr>
+          <a:xfrm>
+            <a:off x="8725072" y="1952205"/>
+            <a:ext cx="650333" cy="152911"/>
+          </a:xfrm>
+          <a:prstGeom prst="rect">
+            <a:avLst/>
+          </a:prstGeom>
+          <a:noFill/>
+          <a:ln w="28575">
+            <a:solidFill>
+              <a:schemeClr val="accent4">
+                <a:lumMod val="20000"/>
+                <a:lumOff val="80000"/>
+              </a:schemeClr>
+            </a:solidFill>
+          </a:ln>
+        </p:spPr>
+        <p:txBody>
+          <a:bodyPr wrap="square" rtlCol="0">
+            <a:spAutoFit/>
+          </a:bodyPr>
+          <a:lstStyle/>
+          <a:p>
+            <a:endParaRPr lang="ko-KR" altLang="en-US" sz="500" dirty="0"/>
+          </a:p>
+        </p:txBody>
+      </p:sp>
+      <mc:AlternateContent xmlns:mc="http://schemas.openxmlformats.org/markup-compatibility/2006">
+        <mc:Choice xmlns:a14="http://schemas.microsoft.com/office/drawing/2010/main" Requires="a14">
+          <p:sp>
+            <p:nvSpPr>
+              <p:cNvPr id="23" name="TextBox 22">
+                <a:extLst>
+                  <a:ext uri="{FF2B5EF4-FFF2-40B4-BE49-F238E27FC236}">
+                    <a16:creationId xmlns:a16="http://schemas.microsoft.com/office/drawing/2014/main" id="{2D8CBA7D-0976-9099-D8E2-C0C53FAA98C5}"/>
+                  </a:ext>
+                </a:extLst>
+              </p:cNvPr>
+              <p:cNvSpPr txBox="1"/>
+              <p:nvPr/>
+            </p:nvSpPr>
+            <p:spPr>
+              <a:xfrm>
+                <a:off x="6408377" y="225496"/>
+                <a:ext cx="988243" cy="369332"/>
+              </a:xfrm>
+              <a:prstGeom prst="rect">
+                <a:avLst/>
+              </a:prstGeom>
+              <a:noFill/>
+              <a:ln w="28575">
+                <a:solidFill>
+                  <a:schemeClr val="accent4">
+                    <a:lumMod val="20000"/>
+                    <a:lumOff val="80000"/>
+                  </a:schemeClr>
+                </a:solidFill>
+              </a:ln>
+            </p:spPr>
+            <p:txBody>
+              <a:bodyPr wrap="square" rtlCol="0">
+                <a:spAutoFit/>
+              </a:bodyPr>
+              <a:lstStyle/>
+              <a:p>
+                <a:pPr algn="ctr"/>
+                <a14:m>
+                  <m:oMathPara xmlns:m="http://schemas.openxmlformats.org/officeDocument/2006/math">
+                    <m:oMathParaPr>
+                      <m:jc m:val="centerGroup"/>
+                    </m:oMathParaPr>
+                    <m:oMath xmlns:m="http://schemas.openxmlformats.org/officeDocument/2006/math">
+                      <m:sSub>
+                        <m:sSubPr>
+                          <m:ctrlPr>
+                            <a:rPr lang="en-US" altLang="ko-KR" b="0" i="1" smtClean="0">
+                              <a:latin typeface="Cambria Math" panose="02040503050406030204" pitchFamily="18" charset="0"/>
+                            </a:rPr>
+                          </m:ctrlPr>
+                        </m:sSubPr>
+                        <m:e>
+                          <m:r>
+                            <a:rPr lang="en-US" altLang="ko-KR" b="0" i="1" smtClean="0">
+                              <a:latin typeface="Cambria Math" panose="02040503050406030204" pitchFamily="18" charset="0"/>
+                            </a:rPr>
+                            <m:t>𝜏</m:t>
+                          </m:r>
+                        </m:e>
+                        <m:sub>
+                          <m:r>
+                            <a:rPr lang="en-US" altLang="ko-KR" b="0" i="1" smtClean="0">
+                              <a:latin typeface="Cambria Math" panose="02040503050406030204" pitchFamily="18" charset="0"/>
+                            </a:rPr>
+                            <m:t>01</m:t>
+                          </m:r>
+                        </m:sub>
+                      </m:sSub>
+                      <m:r>
+                        <a:rPr lang="en-US" altLang="ko-KR" b="0" i="0" smtClean="0">
+                          <a:latin typeface="Cambria Math" panose="02040503050406030204" pitchFamily="18" charset="0"/>
+                        </a:rPr>
+                        <m:t>(</m:t>
+                      </m:r>
+                      <m:sSub>
+                        <m:sSubPr>
+                          <m:ctrlPr>
+                            <a:rPr lang="en-US" altLang="ko-KR" b="0" i="1" smtClean="0">
+                              <a:latin typeface="Cambria Math" panose="02040503050406030204" pitchFamily="18" charset="0"/>
+                            </a:rPr>
+                          </m:ctrlPr>
+                        </m:sSubPr>
+                        <m:e>
+                          <m:r>
+                            <a:rPr lang="en-US" altLang="ko-KR" b="0" i="1" smtClean="0">
+                              <a:latin typeface="Cambria Math" panose="02040503050406030204" pitchFamily="18" charset="0"/>
+                            </a:rPr>
+                            <m:t>𝜌</m:t>
+                          </m:r>
+                        </m:e>
+                        <m:sub>
+                          <m:r>
+                            <a:rPr lang="en-US" altLang="ko-KR" b="0" i="1" smtClean="0">
+                              <a:latin typeface="Cambria Math" panose="02040503050406030204" pitchFamily="18" charset="0"/>
+                            </a:rPr>
+                            <m:t>01</m:t>
+                          </m:r>
+                        </m:sub>
+                      </m:sSub>
+                      <m:r>
+                        <a:rPr lang="en-US" altLang="ko-KR" b="0" i="1" smtClean="0">
+                          <a:latin typeface="Cambria Math" panose="02040503050406030204" pitchFamily="18" charset="0"/>
+                        </a:rPr>
+                        <m:t>)</m:t>
+                      </m:r>
+                    </m:oMath>
+                  </m:oMathPara>
+                </a14:m>
+                <a:endParaRPr lang="ko-KR" altLang="en-US" dirty="0"/>
+              </a:p>
+            </p:txBody>
+          </p:sp>
+        </mc:Choice>
+        <mc:Fallback>
+          <p:sp>
+            <p:nvSpPr>
+              <p:cNvPr id="23" name="TextBox 22">
+                <a:extLst>
+                  <a:ext uri="{FF2B5EF4-FFF2-40B4-BE49-F238E27FC236}">
+                    <a16:creationId xmlns:a16="http://schemas.microsoft.com/office/drawing/2014/main" id="{2D8CBA7D-0976-9099-D8E2-C0C53FAA98C5}"/>
+                  </a:ext>
+                </a:extLst>
+              </p:cNvPr>
+              <p:cNvSpPr txBox="1">
+                <a:spLocks noRot="1" noChangeAspect="1" noMove="1" noResize="1" noEditPoints="1" noAdjustHandles="1" noChangeArrowheads="1" noChangeShapeType="1" noTextEdit="1"/>
+              </p:cNvSpPr>
+              <p:nvPr/>
+            </p:nvSpPr>
+            <p:spPr>
+              <a:xfrm>
+                <a:off x="6408377" y="225496"/>
+                <a:ext cx="988243" cy="369332"/>
+              </a:xfrm>
+              <a:prstGeom prst="rect">
+                <a:avLst/>
+              </a:prstGeom>
+              <a:blipFill>
+                <a:blip r:embed="rId8"/>
+                <a:stretch>
+                  <a:fillRect l="-599" b="-9091"/>
+                </a:stretch>
+              </a:blipFill>
+              <a:ln w="28575">
+                <a:solidFill>
+                  <a:schemeClr val="accent4">
+                    <a:lumMod val="20000"/>
+                    <a:lumOff val="80000"/>
+                  </a:schemeClr>
+                </a:solidFill>
+              </a:ln>
+            </p:spPr>
+            <p:txBody>
+              <a:bodyPr/>
+              <a:lstStyle/>
+              <a:p>
+                <a:r>
+                  <a:rPr lang="ko-KR" altLang="en-US">
+                    <a:noFill/>
+                  </a:rPr>
+                  <a:t> </a:t>
+                </a:r>
+              </a:p>
+            </p:txBody>
+          </p:sp>
+        </mc:Fallback>
+      </mc:AlternateContent>
+      <p:pic>
+        <p:nvPicPr>
+          <p:cNvPr id="27" name="그림 26">
+            <a:extLst>
+              <a:ext uri="{FF2B5EF4-FFF2-40B4-BE49-F238E27FC236}">
+                <a16:creationId xmlns:a16="http://schemas.microsoft.com/office/drawing/2014/main" id="{81C38B59-9C75-FEDB-6F1D-3C34FB53A9DF}"/>
+              </a:ext>
+            </a:extLst>
+          </p:cNvPr>
+          <p:cNvPicPr>
+            <a:picLocks noChangeAspect="1"/>
+          </p:cNvPicPr>
+          <p:nvPr/>
+        </p:nvPicPr>
+        <p:blipFill>
+          <a:blip r:embed="rId9"/>
+          <a:stretch>
+            <a:fillRect/>
+          </a:stretch>
+        </p:blipFill>
+        <p:spPr>
+          <a:xfrm>
+            <a:off x="801437" y="4231608"/>
+            <a:ext cx="4935380" cy="1396478"/>
+          </a:xfrm>
+          <a:prstGeom prst="rect">
+            <a:avLst/>
+          </a:prstGeom>
+        </p:spPr>
+      </p:pic>
+      <p:sp>
+        <p:nvSpPr>
+          <p:cNvPr id="28" name="TextBox 27">
+            <a:extLst>
+              <a:ext uri="{FF2B5EF4-FFF2-40B4-BE49-F238E27FC236}">
+                <a16:creationId xmlns:a16="http://schemas.microsoft.com/office/drawing/2014/main" id="{B7672340-E3C1-8309-E545-10D9E9F0FF06}"/>
+              </a:ext>
+            </a:extLst>
+          </p:cNvPr>
+          <p:cNvSpPr txBox="1"/>
+          <p:nvPr/>
+        </p:nvSpPr>
+        <p:spPr>
+          <a:xfrm>
+            <a:off x="3616482" y="2207219"/>
+            <a:ext cx="650333" cy="169277"/>
+          </a:xfrm>
+          <a:prstGeom prst="rect">
+            <a:avLst/>
+          </a:prstGeom>
+          <a:noFill/>
+          <a:ln w="28575">
+            <a:solidFill>
+              <a:srgbClr val="C00000"/>
+            </a:solidFill>
+          </a:ln>
+        </p:spPr>
+        <p:txBody>
+          <a:bodyPr wrap="square" rtlCol="0">
+            <a:spAutoFit/>
+          </a:bodyPr>
+          <a:lstStyle/>
+          <a:p>
+            <a:pPr algn="ctr"/>
+            <a:endParaRPr lang="ko-KR" altLang="en-US" sz="500" dirty="0"/>
+          </a:p>
+        </p:txBody>
+      </p:sp>
+      <p:sp>
+        <p:nvSpPr>
+          <p:cNvPr id="29" name="TextBox 28">
+            <a:extLst>
+              <a:ext uri="{FF2B5EF4-FFF2-40B4-BE49-F238E27FC236}">
+                <a16:creationId xmlns:a16="http://schemas.microsoft.com/office/drawing/2014/main" id="{9193F3C5-E5E2-ECE4-7B46-2690126C4515}"/>
+              </a:ext>
+            </a:extLst>
+          </p:cNvPr>
+          <p:cNvSpPr txBox="1"/>
+          <p:nvPr/>
+        </p:nvSpPr>
+        <p:spPr>
+          <a:xfrm>
+            <a:off x="8726775" y="2256446"/>
+            <a:ext cx="650333" cy="169277"/>
+          </a:xfrm>
+          <a:prstGeom prst="rect">
+            <a:avLst/>
+          </a:prstGeom>
+          <a:noFill/>
+          <a:ln w="28575">
+            <a:solidFill>
+              <a:srgbClr val="C00000"/>
+            </a:solidFill>
+          </a:ln>
+        </p:spPr>
+        <p:txBody>
+          <a:bodyPr wrap="square" rtlCol="0">
+            <a:spAutoFit/>
+          </a:bodyPr>
+          <a:lstStyle/>
+          <a:p>
+            <a:pPr algn="ctr"/>
+            <a:endParaRPr lang="ko-KR" altLang="en-US" sz="500" dirty="0"/>
+          </a:p>
+        </p:txBody>
+      </p:sp>
+      <mc:AlternateContent xmlns:mc="http://schemas.openxmlformats.org/markup-compatibility/2006">
+        <mc:Choice xmlns:a14="http://schemas.microsoft.com/office/drawing/2010/main" Requires="a14">
+          <p:sp>
+            <p:nvSpPr>
+              <p:cNvPr id="30" name="TextBox 29">
+                <a:extLst>
+                  <a:ext uri="{FF2B5EF4-FFF2-40B4-BE49-F238E27FC236}">
+                    <a16:creationId xmlns:a16="http://schemas.microsoft.com/office/drawing/2014/main" id="{C72C7F66-5FBE-593F-26F8-2EE88A2ED7E9}"/>
+                  </a:ext>
+                </a:extLst>
+              </p:cNvPr>
+              <p:cNvSpPr txBox="1"/>
+              <p:nvPr/>
+            </p:nvSpPr>
+            <p:spPr>
+              <a:xfrm>
+                <a:off x="7531503" y="225496"/>
+                <a:ext cx="716888" cy="369332"/>
+              </a:xfrm>
+              <a:prstGeom prst="rect">
+                <a:avLst/>
+              </a:prstGeom>
+              <a:noFill/>
+              <a:ln w="28575">
+                <a:solidFill>
+                  <a:srgbClr val="C00000"/>
+                </a:solidFill>
+              </a:ln>
+            </p:spPr>
+            <p:txBody>
+              <a:bodyPr wrap="square" rtlCol="0">
+                <a:spAutoFit/>
+              </a:bodyPr>
+              <a:lstStyle/>
+              <a:p>
+                <a:pPr algn="ctr"/>
+                <a14:m>
+                  <m:oMathPara xmlns:m="http://schemas.openxmlformats.org/officeDocument/2006/math">
+                    <m:oMathParaPr>
+                      <m:jc m:val="centerGroup"/>
+                    </m:oMathParaPr>
+                    <m:oMath xmlns:m="http://schemas.openxmlformats.org/officeDocument/2006/math">
+                      <m:sSup>
+                        <m:sSupPr>
+                          <m:ctrlPr>
+                            <a:rPr lang="en-US" altLang="ko-KR" b="0" i="1" smtClean="0">
+                              <a:latin typeface="Cambria Math" panose="02040503050406030204" pitchFamily="18" charset="0"/>
+                            </a:rPr>
+                          </m:ctrlPr>
+                        </m:sSupPr>
+                        <m:e>
+                          <m:r>
+                            <a:rPr lang="en-US" altLang="ko-KR" b="0" i="1" smtClean="0">
+                              <a:latin typeface="Cambria Math" panose="02040503050406030204" pitchFamily="18" charset="0"/>
+                            </a:rPr>
+                            <m:t>𝜎</m:t>
+                          </m:r>
+                        </m:e>
+                        <m:sup>
+                          <m:r>
+                            <a:rPr lang="en-US" altLang="ko-KR" b="0" i="1" smtClean="0">
+                              <a:latin typeface="Cambria Math" panose="02040503050406030204" pitchFamily="18" charset="0"/>
+                            </a:rPr>
+                            <m:t>2</m:t>
+                          </m:r>
+                        </m:sup>
+                      </m:sSup>
+                    </m:oMath>
+                  </m:oMathPara>
+                </a14:m>
+                <a:endParaRPr lang="ko-KR" altLang="en-US" dirty="0"/>
+              </a:p>
+            </p:txBody>
+          </p:sp>
+        </mc:Choice>
+        <mc:Fallback>
+          <p:sp>
+            <p:nvSpPr>
+              <p:cNvPr id="30" name="TextBox 29">
+                <a:extLst>
+                  <a:ext uri="{FF2B5EF4-FFF2-40B4-BE49-F238E27FC236}">
+                    <a16:creationId xmlns:a16="http://schemas.microsoft.com/office/drawing/2014/main" id="{C72C7F66-5FBE-593F-26F8-2EE88A2ED7E9}"/>
+                  </a:ext>
+                </a:extLst>
+              </p:cNvPr>
+              <p:cNvSpPr txBox="1">
+                <a:spLocks noRot="1" noChangeAspect="1" noMove="1" noResize="1" noEditPoints="1" noAdjustHandles="1" noChangeArrowheads="1" noChangeShapeType="1" noTextEdit="1"/>
+              </p:cNvSpPr>
+              <p:nvPr/>
+            </p:nvSpPr>
+            <p:spPr>
+              <a:xfrm>
+                <a:off x="7531503" y="225496"/>
+                <a:ext cx="716888" cy="369332"/>
+              </a:xfrm>
+              <a:prstGeom prst="rect">
+                <a:avLst/>
+              </a:prstGeom>
+              <a:blipFill>
+                <a:blip r:embed="rId10"/>
+                <a:stretch>
+                  <a:fillRect/>
+                </a:stretch>
+              </a:blipFill>
+              <a:ln w="28575">
+                <a:solidFill>
+                  <a:srgbClr val="C00000"/>
+                </a:solidFill>
+              </a:ln>
+            </p:spPr>
+            <p:txBody>
+              <a:bodyPr/>
+              <a:lstStyle/>
+              <a:p>
+                <a:r>
+                  <a:rPr lang="ko-KR" altLang="en-US">
+                    <a:noFill/>
+                  </a:rPr>
+                  <a:t> </a:t>
+                </a:r>
+              </a:p>
+            </p:txBody>
+          </p:sp>
+        </mc:Fallback>
+      </mc:AlternateContent>
+      <p:sp>
+        <p:nvSpPr>
+          <p:cNvPr id="32" name="TextBox 31">
+            <a:extLst>
+              <a:ext uri="{FF2B5EF4-FFF2-40B4-BE49-F238E27FC236}">
+                <a16:creationId xmlns:a16="http://schemas.microsoft.com/office/drawing/2014/main" id="{03C216FC-1449-76B5-738D-57C177EEF99D}"/>
+              </a:ext>
+            </a:extLst>
+          </p:cNvPr>
+          <p:cNvSpPr txBox="1"/>
+          <p:nvPr/>
+        </p:nvSpPr>
+        <p:spPr>
+          <a:xfrm>
+            <a:off x="664871" y="2804386"/>
+            <a:ext cx="5208509" cy="2893100"/>
+          </a:xfrm>
+          <a:prstGeom prst="rect">
+            <a:avLst/>
+          </a:prstGeom>
+          <a:noFill/>
+          <a:ln w="28575">
+            <a:solidFill>
+              <a:srgbClr val="7030A0"/>
+            </a:solidFill>
+          </a:ln>
+        </p:spPr>
+        <p:txBody>
+          <a:bodyPr wrap="square" rtlCol="0">
+            <a:spAutoFit/>
+          </a:bodyPr>
+          <a:lstStyle/>
+          <a:p>
+            <a:pPr algn="ctr"/>
+            <a:endParaRPr lang="en-US" altLang="ko-KR" sz="1600" dirty="0"/>
+          </a:p>
+          <a:p>
+            <a:pPr algn="ctr"/>
+            <a:endParaRPr lang="en-US" altLang="ko-KR" sz="1600" dirty="0"/>
+          </a:p>
+          <a:p>
+            <a:pPr algn="ctr"/>
+            <a:endParaRPr lang="en-US" altLang="ko-KR" sz="1600" dirty="0"/>
+          </a:p>
+          <a:p>
+            <a:pPr algn="ctr"/>
+            <a:endParaRPr lang="en-US" altLang="ko-KR" sz="1600" dirty="0"/>
+          </a:p>
+          <a:p>
+            <a:pPr algn="ctr"/>
+            <a:endParaRPr lang="en-US" altLang="ko-KR" sz="1600" dirty="0"/>
+          </a:p>
+          <a:p>
+            <a:pPr algn="ctr"/>
+            <a:endParaRPr lang="en-US" altLang="ko-KR" sz="1600" dirty="0"/>
+          </a:p>
+          <a:p>
+            <a:pPr algn="ctr"/>
+            <a:endParaRPr lang="en-US" altLang="ko-KR" sz="1600" dirty="0"/>
+          </a:p>
+          <a:p>
+            <a:pPr algn="ctr"/>
+            <a:endParaRPr lang="en-US" altLang="ko-KR" sz="1600" dirty="0"/>
+          </a:p>
+          <a:p>
+            <a:pPr algn="ctr"/>
+            <a:endParaRPr lang="en-US" altLang="ko-KR" sz="1600" dirty="0"/>
+          </a:p>
+          <a:p>
+            <a:pPr algn="ctr"/>
+            <a:endParaRPr lang="en-US" altLang="ko-KR" sz="1600" dirty="0"/>
+          </a:p>
+          <a:p>
+            <a:pPr algn="ctr"/>
+            <a:endParaRPr lang="ko-KR" altLang="en-US" sz="1600" dirty="0"/>
+          </a:p>
+        </p:txBody>
+      </p:sp>
+      <p:sp>
+        <p:nvSpPr>
+          <p:cNvPr id="31" name="TextBox 30">
+            <a:extLst>
+              <a:ext uri="{FF2B5EF4-FFF2-40B4-BE49-F238E27FC236}">
+                <a16:creationId xmlns:a16="http://schemas.microsoft.com/office/drawing/2014/main" id="{D5784B0C-0F32-01D4-7696-B61E7FC22D4C}"/>
+              </a:ext>
+            </a:extLst>
+          </p:cNvPr>
+          <p:cNvSpPr txBox="1"/>
+          <p:nvPr/>
+        </p:nvSpPr>
+        <p:spPr>
+          <a:xfrm>
+            <a:off x="1554697" y="2611469"/>
+            <a:ext cx="3205194" cy="369332"/>
+          </a:xfrm>
+          <a:prstGeom prst="rect">
+            <a:avLst/>
+          </a:prstGeom>
+          <a:noFill/>
+          <a:ln w="28575">
+            <a:noFill/>
+          </a:ln>
+        </p:spPr>
+        <p:txBody>
+          <a:bodyPr wrap="square" rtlCol="0">
+            <a:spAutoFit/>
+          </a:bodyPr>
+          <a:lstStyle/>
+          <a:p>
+            <a:pPr algn="ctr"/>
+            <a:r>
+              <a:rPr lang="en-US" altLang="ko-KR" dirty="0">
+                <a:solidFill>
+                  <a:srgbClr val="7030A0"/>
+                </a:solidFill>
+                <a:highlight>
+                  <a:srgbClr val="C0C0C0"/>
+                </a:highlight>
+              </a:rPr>
+              <a:t>Random Coefficient Test</a:t>
+            </a:r>
+            <a:endParaRPr lang="ko-KR" altLang="en-US" dirty="0">
+              <a:solidFill>
+                <a:srgbClr val="7030A0"/>
+              </a:solidFill>
+              <a:highlight>
+                <a:srgbClr val="C0C0C0"/>
+              </a:highlight>
+            </a:endParaRPr>
+          </a:p>
+        </p:txBody>
+      </p:sp>
+      <p:sp>
+        <p:nvSpPr>
+          <p:cNvPr id="33" name="TextBox 32">
+            <a:extLst>
+              <a:ext uri="{FF2B5EF4-FFF2-40B4-BE49-F238E27FC236}">
+                <a16:creationId xmlns:a16="http://schemas.microsoft.com/office/drawing/2014/main" id="{D8481235-0AEF-F245-20D3-E46802DD09AE}"/>
+              </a:ext>
+            </a:extLst>
+          </p:cNvPr>
+          <p:cNvSpPr txBox="1"/>
+          <p:nvPr/>
+        </p:nvSpPr>
+        <p:spPr>
+          <a:xfrm>
+            <a:off x="6702666" y="2534418"/>
+            <a:ext cx="5030230" cy="230832"/>
+          </a:xfrm>
+          <a:prstGeom prst="rect">
+            <a:avLst/>
+          </a:prstGeom>
+          <a:noFill/>
+          <a:ln w="28575">
+            <a:solidFill>
+              <a:srgbClr val="00B050"/>
+            </a:solidFill>
+          </a:ln>
+        </p:spPr>
+        <p:txBody>
+          <a:bodyPr wrap="square" rtlCol="0">
+            <a:spAutoFit/>
+          </a:bodyPr>
+          <a:lstStyle/>
+          <a:p>
+            <a:pPr algn="ctr"/>
+            <a:endParaRPr lang="ko-KR" altLang="en-US" sz="900" dirty="0"/>
+          </a:p>
+        </p:txBody>
+      </p:sp>
+      <p:sp>
+        <p:nvSpPr>
+          <p:cNvPr id="34" name="TextBox 33">
+            <a:extLst>
+              <a:ext uri="{FF2B5EF4-FFF2-40B4-BE49-F238E27FC236}">
+                <a16:creationId xmlns:a16="http://schemas.microsoft.com/office/drawing/2014/main" id="{BAF6D256-D8E4-B6B0-CE89-EAE900981B81}"/>
+              </a:ext>
+            </a:extLst>
+          </p:cNvPr>
+          <p:cNvSpPr txBox="1"/>
+          <p:nvPr/>
+        </p:nvSpPr>
+        <p:spPr>
+          <a:xfrm>
+            <a:off x="7260739" y="2805328"/>
+            <a:ext cx="4042143" cy="369332"/>
+          </a:xfrm>
+          <a:prstGeom prst="rect">
+            <a:avLst/>
+          </a:prstGeom>
+          <a:noFill/>
+          <a:ln w="28575">
+            <a:noFill/>
+          </a:ln>
+        </p:spPr>
+        <p:txBody>
+          <a:bodyPr wrap="square" rtlCol="0">
+            <a:spAutoFit/>
+          </a:bodyPr>
+          <a:lstStyle/>
+          <a:p>
+            <a:pPr algn="ctr"/>
+            <a:r>
+              <a:rPr lang="en-US" altLang="ko-KR" dirty="0">
+                <a:solidFill>
+                  <a:srgbClr val="00B050"/>
+                </a:solidFill>
+              </a:rPr>
+              <a:t>Random Intercept + Coefficient Test</a:t>
+            </a:r>
+            <a:endParaRPr lang="ko-KR" altLang="en-US" dirty="0">
+              <a:solidFill>
+                <a:srgbClr val="00B050"/>
+              </a:solidFill>
+            </a:endParaRPr>
+          </a:p>
+        </p:txBody>
+      </p:sp>
+      <p:pic>
+        <p:nvPicPr>
+          <p:cNvPr id="36" name="그림 35">
+            <a:extLst>
+              <a:ext uri="{FF2B5EF4-FFF2-40B4-BE49-F238E27FC236}">
+                <a16:creationId xmlns:a16="http://schemas.microsoft.com/office/drawing/2014/main" id="{0072082B-69D8-A122-8E4A-720A43F41A45}"/>
+              </a:ext>
+            </a:extLst>
+          </p:cNvPr>
+          <p:cNvPicPr>
+            <a:picLocks noChangeAspect="1"/>
+          </p:cNvPicPr>
+          <p:nvPr/>
+        </p:nvPicPr>
+        <p:blipFill rotWithShape="1">
+          <a:blip r:embed="rId11"/>
+          <a:srcRect l="111578" t="14484" r="-111578" b="-14484"/>
+          <a:stretch/>
+        </p:blipFill>
+        <p:spPr>
+          <a:xfrm>
+            <a:off x="7640741" y="4710953"/>
+            <a:ext cx="3282137" cy="2039269"/>
+          </a:xfrm>
+          <a:prstGeom prst="rect">
+            <a:avLst/>
+          </a:prstGeom>
+        </p:spPr>
+      </p:pic>
+      <p:pic>
+        <p:nvPicPr>
+          <p:cNvPr id="37" name="그림 36">
+            <a:extLst>
+              <a:ext uri="{FF2B5EF4-FFF2-40B4-BE49-F238E27FC236}">
+                <a16:creationId xmlns:a16="http://schemas.microsoft.com/office/drawing/2014/main" id="{2164FE7D-55E4-275C-3C2A-D68FEB723B0A}"/>
+              </a:ext>
+            </a:extLst>
+          </p:cNvPr>
+          <p:cNvPicPr>
+            <a:picLocks noChangeAspect="1"/>
+          </p:cNvPicPr>
+          <p:nvPr/>
+        </p:nvPicPr>
+        <p:blipFill rotWithShape="1">
+          <a:blip r:embed="rId11"/>
+          <a:srcRect t="58021"/>
+          <a:stretch/>
+        </p:blipFill>
+        <p:spPr>
+          <a:xfrm>
+            <a:off x="7400217" y="5741724"/>
+            <a:ext cx="3866535" cy="1008498"/>
+          </a:xfrm>
+          <a:prstGeom prst="rect">
+            <a:avLst/>
+          </a:prstGeom>
+        </p:spPr>
+      </p:pic>
+      <p:pic>
+        <p:nvPicPr>
+          <p:cNvPr id="38" name="그림 37">
+            <a:extLst>
+              <a:ext uri="{FF2B5EF4-FFF2-40B4-BE49-F238E27FC236}">
+                <a16:creationId xmlns:a16="http://schemas.microsoft.com/office/drawing/2014/main" id="{AFC6B6B5-51F5-9304-8DF0-936A30C0EE37}"/>
+              </a:ext>
+            </a:extLst>
+          </p:cNvPr>
+          <p:cNvPicPr>
+            <a:picLocks noChangeAspect="1"/>
+          </p:cNvPicPr>
+          <p:nvPr/>
+        </p:nvPicPr>
+        <p:blipFill rotWithShape="1">
+          <a:blip r:embed="rId11"/>
+          <a:srcRect r="33608" b="60131"/>
+          <a:stretch/>
+        </p:blipFill>
+        <p:spPr>
+          <a:xfrm>
+            <a:off x="8012070" y="4749991"/>
+            <a:ext cx="2539478" cy="947495"/>
+          </a:xfrm>
+          <a:prstGeom prst="rect">
+            <a:avLst/>
+          </a:prstGeom>
+        </p:spPr>
+      </p:pic>
+      <p:sp>
+        <p:nvSpPr>
+          <p:cNvPr id="39" name="TextBox 38">
+            <a:extLst>
+              <a:ext uri="{FF2B5EF4-FFF2-40B4-BE49-F238E27FC236}">
+                <a16:creationId xmlns:a16="http://schemas.microsoft.com/office/drawing/2014/main" id="{135898E9-D4D9-4B8F-4B9D-8CF6CF815FE5}"/>
+              </a:ext>
+            </a:extLst>
+          </p:cNvPr>
+          <p:cNvSpPr txBox="1"/>
+          <p:nvPr/>
+        </p:nvSpPr>
+        <p:spPr>
+          <a:xfrm>
+            <a:off x="7260739" y="4710952"/>
+            <a:ext cx="4129824" cy="2132576"/>
+          </a:xfrm>
+          <a:prstGeom prst="rect">
+            <a:avLst/>
+          </a:prstGeom>
+          <a:noFill/>
+          <a:ln w="28575">
+            <a:solidFill>
+              <a:srgbClr val="7030A0"/>
+            </a:solidFill>
+          </a:ln>
+        </p:spPr>
+        <p:txBody>
+          <a:bodyPr wrap="square" rtlCol="0">
+            <a:noAutofit/>
+          </a:bodyPr>
+          <a:lstStyle/>
+          <a:p>
+            <a:pPr algn="ctr"/>
+            <a:endParaRPr lang="en-US" altLang="ko-KR" sz="1000" dirty="0"/>
+          </a:p>
+          <a:p>
+            <a:pPr algn="ctr"/>
+            <a:endParaRPr lang="en-US" altLang="ko-KR" sz="1000" dirty="0"/>
+          </a:p>
+          <a:p>
+            <a:pPr algn="ctr"/>
+            <a:endParaRPr lang="en-US" altLang="ko-KR" sz="1000" dirty="0"/>
+          </a:p>
+          <a:p>
+            <a:pPr algn="ctr"/>
+            <a:endParaRPr lang="en-US" altLang="ko-KR" sz="1000" dirty="0"/>
+          </a:p>
+          <a:p>
+            <a:pPr algn="ctr"/>
+            <a:endParaRPr lang="en-US" altLang="ko-KR" sz="1000" dirty="0"/>
+          </a:p>
+          <a:p>
+            <a:pPr algn="ctr"/>
+            <a:endParaRPr lang="en-US" altLang="ko-KR" sz="1000" dirty="0"/>
+          </a:p>
+          <a:p>
+            <a:pPr algn="ctr"/>
+            <a:endParaRPr lang="en-US" altLang="ko-KR" sz="1000" dirty="0"/>
+          </a:p>
+          <a:p>
+            <a:pPr algn="ctr"/>
+            <a:endParaRPr lang="en-US" altLang="ko-KR" sz="1000" dirty="0"/>
+          </a:p>
+          <a:p>
+            <a:pPr algn="ctr"/>
+            <a:endParaRPr lang="en-US" altLang="ko-KR" sz="1000" dirty="0"/>
+          </a:p>
+          <a:p>
+            <a:pPr algn="ctr"/>
+            <a:endParaRPr lang="en-US" altLang="ko-KR" sz="1000" dirty="0"/>
+          </a:p>
+          <a:p>
+            <a:pPr algn="ctr"/>
+            <a:endParaRPr lang="ko-KR" altLang="en-US" sz="1000" dirty="0"/>
+          </a:p>
+        </p:txBody>
+      </p:sp>
+      <p:sp>
+        <p:nvSpPr>
+          <p:cNvPr id="40" name="TextBox 39">
+            <a:extLst>
+              <a:ext uri="{FF2B5EF4-FFF2-40B4-BE49-F238E27FC236}">
+                <a16:creationId xmlns:a16="http://schemas.microsoft.com/office/drawing/2014/main" id="{AA943F75-EA9D-7C18-56EF-5A241C175A81}"/>
+              </a:ext>
+            </a:extLst>
+          </p:cNvPr>
+          <p:cNvSpPr txBox="1"/>
+          <p:nvPr/>
+        </p:nvSpPr>
+        <p:spPr>
+          <a:xfrm>
+            <a:off x="7679212" y="4419384"/>
+            <a:ext cx="3205194" cy="369332"/>
+          </a:xfrm>
+          <a:prstGeom prst="rect">
+            <a:avLst/>
+          </a:prstGeom>
+          <a:noFill/>
+          <a:ln w="28575">
+            <a:noFill/>
+          </a:ln>
+        </p:spPr>
+        <p:txBody>
+          <a:bodyPr wrap="square" rtlCol="0">
+            <a:spAutoFit/>
+          </a:bodyPr>
+          <a:lstStyle/>
+          <a:p>
+            <a:pPr algn="ctr"/>
+            <a:r>
+              <a:rPr lang="en-US" altLang="ko-KR" dirty="0">
+                <a:solidFill>
+                  <a:srgbClr val="7030A0"/>
+                </a:solidFill>
+                <a:highlight>
+                  <a:srgbClr val="C0C0C0"/>
+                </a:highlight>
+              </a:rPr>
+              <a:t>Random Coefficient Test</a:t>
+            </a:r>
+            <a:endParaRPr lang="ko-KR" altLang="en-US" dirty="0">
+              <a:solidFill>
+                <a:srgbClr val="7030A0"/>
+              </a:solidFill>
+              <a:highlight>
+                <a:srgbClr val="C0C0C0"/>
+              </a:highlight>
+            </a:endParaRPr>
+          </a:p>
+        </p:txBody>
+      </p:sp>
+    </p:spTree>
+    <p:extLst>
+      <p:ext uri="{BB962C8B-B14F-4D97-AF65-F5344CB8AC3E}">
+        <p14:creationId xmlns:p14="http://schemas.microsoft.com/office/powerpoint/2010/main" val="1044175515"/>
+      </p:ext>
+    </p:extLst>
+  </p:cSld>
+  <p:clrMapOvr>
+    <a:masterClrMapping/>
+  </p:clrMapOvr>
+</p:sld>
+</file>
+
+<file path=ppt/slides/slide2.xml><?xml version="1.0" encoding="utf-8"?>
+<p:sld xmlns:a="http://schemas.openxmlformats.org/drawingml/2006/main" xmlns:r="http://schemas.openxmlformats.org/officeDocument/2006/relationships" xmlns:p="http://schemas.openxmlformats.org/presentationml/2006/main">
+  <p:cSld>
+    <p:spTree>
+      <p:nvGrpSpPr>
+        <p:cNvPr id="1" name=""/>
+        <p:cNvGrpSpPr/>
+        <p:nvPr/>
+      </p:nvGrpSpPr>
+      <p:grpSpPr>
+        <a:xfrm>
+          <a:off x="0" y="0"/>
+          <a:ext cx="0" cy="0"/>
+          <a:chOff x="0" y="0"/>
+          <a:chExt cx="0" cy="0"/>
+        </a:xfrm>
+      </p:grpSpPr>
+      <p:sp>
+        <p:nvSpPr>
+          <p:cNvPr id="7" name="직사각형 6">
+            <a:extLst>
+              <a:ext uri="{FF2B5EF4-FFF2-40B4-BE49-F238E27FC236}">
+                <a16:creationId xmlns:a16="http://schemas.microsoft.com/office/drawing/2014/main" id="{66B98E46-A2A8-8BE0-ED97-F12C1F2FE39C}"/>
+              </a:ext>
+            </a:extLst>
+          </p:cNvPr>
+          <p:cNvSpPr/>
+          <p:nvPr/>
+        </p:nvSpPr>
+        <p:spPr>
+          <a:xfrm>
+            <a:off x="4502293" y="1916587"/>
+            <a:ext cx="3165765" cy="4603071"/>
+          </a:xfrm>
+          <a:prstGeom prst="rect">
+            <a:avLst/>
+          </a:prstGeom>
+          <a:solidFill>
+            <a:schemeClr val="bg2">
+              <a:lumMod val="90000"/>
+              <a:alpha val="50000"/>
+            </a:schemeClr>
+          </a:solidFill>
+          <a:ln w="38100">
+            <a:solidFill>
+              <a:srgbClr val="FF0000">
+                <a:alpha val="96000"/>
+              </a:srgbClr>
+            </a:solidFill>
+            <a:prstDash val="solid"/>
+          </a:ln>
+        </p:spPr>
+        <p:style>
+          <a:lnRef idx="2">
+            <a:schemeClr val="accent1">
+              <a:shade val="50000"/>
+            </a:schemeClr>
+          </a:lnRef>
+          <a:fillRef idx="1">
+            <a:schemeClr val="accent1"/>
+          </a:fillRef>
+          <a:effectRef idx="0">
+            <a:schemeClr val="accent1"/>
+          </a:effectRef>
+          <a:fontRef idx="minor">
+            <a:schemeClr val="lt1"/>
+          </a:fontRef>
+        </p:style>
+        <p:txBody>
+          <a:bodyPr rtlCol="0" anchor="ctr"/>
+          <a:lstStyle/>
+          <a:p>
+            <a:pPr algn="ctr"/>
+            <a:endParaRPr lang="ko-KR" altLang="en-US"/>
+          </a:p>
+        </p:txBody>
+      </p:sp>
+      <p:sp>
+        <p:nvSpPr>
+          <p:cNvPr id="10" name="직사각형 9">
+            <a:extLst>
+              <a:ext uri="{FF2B5EF4-FFF2-40B4-BE49-F238E27FC236}">
+                <a16:creationId xmlns:a16="http://schemas.microsoft.com/office/drawing/2014/main" id="{BD6E97C1-4356-86BA-C935-A93B6B1A7B59}"/>
+              </a:ext>
+            </a:extLst>
+          </p:cNvPr>
+          <p:cNvSpPr/>
+          <p:nvPr/>
+        </p:nvSpPr>
+        <p:spPr>
+          <a:xfrm>
+            <a:off x="7734307" y="1916586"/>
+            <a:ext cx="3165766" cy="4603071"/>
+          </a:xfrm>
+          <a:prstGeom prst="rect">
+            <a:avLst/>
+          </a:prstGeom>
+          <a:solidFill>
+            <a:schemeClr val="bg2">
+              <a:lumMod val="90000"/>
+              <a:alpha val="50000"/>
+            </a:schemeClr>
+          </a:solidFill>
+          <a:ln w="38100">
+            <a:solidFill>
+              <a:srgbClr val="FF0000">
+                <a:alpha val="96000"/>
+              </a:srgbClr>
+            </a:solidFill>
+            <a:prstDash val="solid"/>
+          </a:ln>
+        </p:spPr>
+        <p:style>
+          <a:lnRef idx="2">
+            <a:schemeClr val="accent1">
+              <a:shade val="50000"/>
+            </a:schemeClr>
+          </a:lnRef>
+          <a:fillRef idx="1">
+            <a:schemeClr val="accent1"/>
+          </a:fillRef>
+          <a:effectRef idx="0">
+            <a:schemeClr val="accent1"/>
+          </a:effectRef>
+          <a:fontRef idx="minor">
+            <a:schemeClr val="lt1"/>
+          </a:fontRef>
+        </p:style>
+        <p:txBody>
+          <a:bodyPr rtlCol="0" anchor="ctr"/>
+          <a:lstStyle/>
+          <a:p>
+            <a:pPr algn="ctr"/>
+            <a:endParaRPr lang="ko-KR" altLang="en-US"/>
+          </a:p>
+        </p:txBody>
+      </p:sp>
+      <p:sp>
+        <p:nvSpPr>
+          <p:cNvPr id="5" name="직사각형 4">
+            <a:extLst>
+              <a:ext uri="{FF2B5EF4-FFF2-40B4-BE49-F238E27FC236}">
+                <a16:creationId xmlns:a16="http://schemas.microsoft.com/office/drawing/2014/main" id="{14C28FBF-E303-8325-BBF1-152BBA86BF16}"/>
+              </a:ext>
+            </a:extLst>
+          </p:cNvPr>
+          <p:cNvSpPr/>
+          <p:nvPr/>
+        </p:nvSpPr>
+        <p:spPr>
+          <a:xfrm>
+            <a:off x="1251230" y="1916587"/>
+            <a:ext cx="3165765" cy="4603071"/>
+          </a:xfrm>
+          <a:prstGeom prst="rect">
+            <a:avLst/>
+          </a:prstGeom>
+          <a:solidFill>
+            <a:schemeClr val="bg2">
+              <a:lumMod val="90000"/>
+              <a:alpha val="50000"/>
+            </a:schemeClr>
+          </a:solidFill>
+          <a:ln w="38100">
+            <a:solidFill>
+              <a:srgbClr val="FF0000">
+                <a:alpha val="96000"/>
+              </a:srgbClr>
+            </a:solidFill>
+            <a:prstDash val="solid"/>
+          </a:ln>
+        </p:spPr>
+        <p:style>
+          <a:lnRef idx="2">
+            <a:schemeClr val="accent1">
+              <a:shade val="50000"/>
+            </a:schemeClr>
+          </a:lnRef>
+          <a:fillRef idx="1">
+            <a:schemeClr val="accent1"/>
+          </a:fillRef>
+          <a:effectRef idx="0">
+            <a:schemeClr val="accent1"/>
+          </a:effectRef>
+          <a:fontRef idx="minor">
+            <a:schemeClr val="lt1"/>
+          </a:fontRef>
+        </p:style>
+        <p:txBody>
+          <a:bodyPr rtlCol="0" anchor="ctr"/>
+          <a:lstStyle/>
+          <a:p>
+            <a:pPr algn="ctr"/>
+            <a:endParaRPr lang="ko-KR" altLang="en-US"/>
+          </a:p>
+        </p:txBody>
+      </p:sp>
+      <p:sp>
+        <p:nvSpPr>
+          <p:cNvPr id="2" name="TextBox 1">
+            <a:extLst>
+              <a:ext uri="{FF2B5EF4-FFF2-40B4-BE49-F238E27FC236}">
+                <a16:creationId xmlns:a16="http://schemas.microsoft.com/office/drawing/2014/main" id="{ED2A001C-F803-594E-34B9-26ADD3571A85}"/>
+              </a:ext>
+            </a:extLst>
+          </p:cNvPr>
+          <p:cNvSpPr txBox="1"/>
+          <p:nvPr/>
+        </p:nvSpPr>
+        <p:spPr>
+          <a:xfrm>
+            <a:off x="4724400" y="490742"/>
+            <a:ext cx="2618509" cy="828902"/>
+          </a:xfrm>
+          <a:prstGeom prst="rect">
+            <a:avLst/>
+          </a:prstGeom>
+          <a:solidFill>
+            <a:schemeClr val="accent6">
+              <a:lumMod val="75000"/>
+            </a:schemeClr>
+          </a:solidFill>
+        </p:spPr>
+        <p:txBody>
+          <a:bodyPr wrap="square" rtlCol="0" anchor="ctr" anchorCtr="0">
+            <a:noAutofit/>
+          </a:bodyPr>
+          <a:lstStyle/>
+          <a:p>
+            <a:pPr algn="ctr"/>
+            <a:r>
+              <a:rPr lang="ko-KR" altLang="en-US" sz="2800" dirty="0">
+                <a:latin typeface="KoPub돋움체 Bold" panose="00000800000000000000" pitchFamily="2" charset="-127"/>
+                <a:ea typeface="KoPub돋움체 Bold" panose="00000800000000000000" pitchFamily="2" charset="-127"/>
+              </a:rPr>
+              <a:t>서울대학교</a:t>
+            </a:r>
+          </a:p>
+        </p:txBody>
+      </p:sp>
+      <p:sp>
+        <p:nvSpPr>
+          <p:cNvPr id="3" name="TextBox 2">
+            <a:extLst>
+              <a:ext uri="{FF2B5EF4-FFF2-40B4-BE49-F238E27FC236}">
+                <a16:creationId xmlns:a16="http://schemas.microsoft.com/office/drawing/2014/main" id="{025EF924-79AF-CA69-47BC-CD93C06FB050}"/>
+              </a:ext>
+            </a:extLst>
+          </p:cNvPr>
+          <p:cNvSpPr txBox="1"/>
+          <p:nvPr/>
+        </p:nvSpPr>
+        <p:spPr>
+          <a:xfrm>
+            <a:off x="1645228" y="2358322"/>
+            <a:ext cx="2618509" cy="828902"/>
+          </a:xfrm>
+          <a:prstGeom prst="rect">
+            <a:avLst/>
+          </a:prstGeom>
+          <a:solidFill>
+            <a:schemeClr val="accent6">
+              <a:lumMod val="60000"/>
+              <a:lumOff val="40000"/>
+            </a:schemeClr>
+          </a:solidFill>
+        </p:spPr>
+        <p:txBody>
+          <a:bodyPr wrap="square" rtlCol="0" anchor="ctr" anchorCtr="0">
+            <a:noAutofit/>
+          </a:bodyPr>
+          <a:lstStyle/>
+          <a:p>
+            <a:pPr algn="ctr"/>
+            <a:r>
+              <a:rPr lang="ko-KR" altLang="en-US" sz="2800" dirty="0" err="1">
+                <a:latin typeface="KoPub돋움체 Bold" panose="00000800000000000000" pitchFamily="2" charset="-127"/>
+                <a:ea typeface="KoPub돋움체 Bold" panose="00000800000000000000" pitchFamily="2" charset="-127"/>
+              </a:rPr>
+              <a:t>김주의</a:t>
+            </a:r>
+            <a:r>
+              <a:rPr lang="ko-KR" altLang="en-US" sz="2800" dirty="0">
+                <a:latin typeface="KoPub돋움체 Bold" panose="00000800000000000000" pitchFamily="2" charset="-127"/>
+                <a:ea typeface="KoPub돋움체 Bold" panose="00000800000000000000" pitchFamily="2" charset="-127"/>
+              </a:rPr>
+              <a:t> 반</a:t>
+            </a:r>
+            <a:br>
+              <a:rPr lang="en-US" altLang="ko-KR" sz="2800" dirty="0">
+                <a:latin typeface="KoPub돋움체 Bold" panose="00000800000000000000" pitchFamily="2" charset="-127"/>
+                <a:ea typeface="KoPub돋움체 Bold" panose="00000800000000000000" pitchFamily="2" charset="-127"/>
+              </a:rPr>
+            </a:br>
+            <a:r>
+              <a:rPr lang="en-US" altLang="ko-KR" sz="1500" dirty="0">
+                <a:solidFill>
+                  <a:srgbClr val="FF0000"/>
+                </a:solidFill>
+                <a:latin typeface="KoPub돋움체 Bold" panose="00000800000000000000" pitchFamily="2" charset="-127"/>
+                <a:ea typeface="KoPub돋움체 Bold" panose="00000800000000000000" pitchFamily="2" charset="-127"/>
+              </a:rPr>
+              <a:t>(</a:t>
+            </a:r>
+            <a:r>
+              <a:rPr lang="ko-KR" altLang="en-US" sz="1500" dirty="0">
+                <a:solidFill>
+                  <a:srgbClr val="FF0000"/>
+                </a:solidFill>
+                <a:latin typeface="KoPub돋움체 Bold" panose="00000800000000000000" pitchFamily="2" charset="-127"/>
+                <a:ea typeface="KoPub돋움체 Bold" panose="00000800000000000000" pitchFamily="2" charset="-127"/>
+              </a:rPr>
+              <a:t>우수강의상</a:t>
+            </a:r>
+            <a:r>
+              <a:rPr lang="en-US" altLang="ko-KR" sz="1500" dirty="0">
+                <a:solidFill>
+                  <a:srgbClr val="FF0000"/>
+                </a:solidFill>
+                <a:latin typeface="KoPub돋움체 Bold" panose="00000800000000000000" pitchFamily="2" charset="-127"/>
+                <a:ea typeface="KoPub돋움체 Bold" panose="00000800000000000000" pitchFamily="2" charset="-127"/>
+              </a:rPr>
+              <a:t>)</a:t>
+            </a:r>
+            <a:endParaRPr lang="ko-KR" altLang="en-US" sz="1500" dirty="0">
+              <a:solidFill>
+                <a:srgbClr val="FF0000"/>
+              </a:solidFill>
+              <a:latin typeface="KoPub돋움체 Bold" panose="00000800000000000000" pitchFamily="2" charset="-127"/>
+              <a:ea typeface="KoPub돋움체 Bold" panose="00000800000000000000" pitchFamily="2" charset="-127"/>
+            </a:endParaRPr>
+          </a:p>
+        </p:txBody>
+      </p:sp>
+      <p:sp>
+        <p:nvSpPr>
+          <p:cNvPr id="4" name="TextBox 3">
+            <a:extLst>
+              <a:ext uri="{FF2B5EF4-FFF2-40B4-BE49-F238E27FC236}">
+                <a16:creationId xmlns:a16="http://schemas.microsoft.com/office/drawing/2014/main" id="{377896EE-E442-5129-3911-3BB8C5A01C43}"/>
+              </a:ext>
+            </a:extLst>
+          </p:cNvPr>
+          <p:cNvSpPr txBox="1"/>
+          <p:nvPr/>
+        </p:nvSpPr>
+        <p:spPr>
+          <a:xfrm>
+            <a:off x="4724401" y="2358322"/>
+            <a:ext cx="2618509" cy="828902"/>
+          </a:xfrm>
+          <a:prstGeom prst="rect">
+            <a:avLst/>
+          </a:prstGeom>
+          <a:solidFill>
+            <a:schemeClr val="accent6">
+              <a:lumMod val="60000"/>
+              <a:lumOff val="40000"/>
+            </a:schemeClr>
+          </a:solidFill>
+        </p:spPr>
+        <p:txBody>
+          <a:bodyPr wrap="square" rtlCol="0" anchor="ctr" anchorCtr="0">
+            <a:noAutofit/>
+          </a:bodyPr>
+          <a:lstStyle/>
+          <a:p>
+            <a:pPr algn="ctr"/>
+            <a:r>
+              <a:rPr lang="ko-KR" altLang="en-US" sz="2800" dirty="0">
+                <a:latin typeface="KoPub돋움체 Bold" panose="00000800000000000000" pitchFamily="2" charset="-127"/>
+                <a:ea typeface="KoPub돋움체 Bold" panose="00000800000000000000" pitchFamily="2" charset="-127"/>
+              </a:rPr>
+              <a:t>주상원 반</a:t>
+            </a:r>
+          </a:p>
+        </p:txBody>
+      </p:sp>
+      <p:sp>
+        <p:nvSpPr>
+          <p:cNvPr id="6" name="TextBox 5">
+            <a:extLst>
+              <a:ext uri="{FF2B5EF4-FFF2-40B4-BE49-F238E27FC236}">
+                <a16:creationId xmlns:a16="http://schemas.microsoft.com/office/drawing/2014/main" id="{2A051227-AD0A-22A1-3E68-BD0078870636}"/>
+              </a:ext>
+            </a:extLst>
+          </p:cNvPr>
+          <p:cNvSpPr txBox="1"/>
+          <p:nvPr/>
+        </p:nvSpPr>
+        <p:spPr>
+          <a:xfrm>
+            <a:off x="7803574" y="2358322"/>
+            <a:ext cx="2618509" cy="828902"/>
+          </a:xfrm>
+          <a:prstGeom prst="rect">
+            <a:avLst/>
+          </a:prstGeom>
+          <a:solidFill>
+            <a:schemeClr val="accent6">
+              <a:lumMod val="60000"/>
+              <a:lumOff val="40000"/>
+            </a:schemeClr>
+          </a:solidFill>
+        </p:spPr>
+        <p:txBody>
+          <a:bodyPr wrap="square" rtlCol="0" anchor="ctr" anchorCtr="0">
+            <a:noAutofit/>
+          </a:bodyPr>
+          <a:lstStyle/>
+          <a:p>
+            <a:pPr algn="ctr"/>
+            <a:r>
+              <a:rPr lang="ko-KR" altLang="en-US" sz="2800" dirty="0">
+                <a:latin typeface="KoPub돋움체 Bold" panose="00000800000000000000" pitchFamily="2" charset="-127"/>
+                <a:ea typeface="KoPub돋움체 Bold" panose="00000800000000000000" pitchFamily="2" charset="-127"/>
+              </a:rPr>
+              <a:t>이재호 반</a:t>
+            </a:r>
+          </a:p>
+        </p:txBody>
+      </p:sp>
+      <p:cxnSp>
+        <p:nvCxnSpPr>
+          <p:cNvPr id="8" name="직선 화살표 연결선 7">
+            <a:extLst>
+              <a:ext uri="{FF2B5EF4-FFF2-40B4-BE49-F238E27FC236}">
+                <a16:creationId xmlns:a16="http://schemas.microsoft.com/office/drawing/2014/main" id="{A1BA948D-A4B5-E9EE-2E8A-EA75B926B01A}"/>
+              </a:ext>
+            </a:extLst>
+          </p:cNvPr>
+          <p:cNvCxnSpPr>
+            <a:stCxn id="2" idx="2"/>
+            <a:endCxn id="3" idx="0"/>
+          </p:cNvCxnSpPr>
+          <p:nvPr/>
+        </p:nvCxnSpPr>
+        <p:spPr>
+          <a:xfrm flipH="1">
+            <a:off x="2954483" y="1319644"/>
+            <a:ext cx="3079172" cy="1038678"/>
+          </a:xfrm>
+          <a:prstGeom prst="straightConnector1">
+            <a:avLst/>
+          </a:prstGeom>
+          <a:ln w="38100">
+            <a:solidFill>
+              <a:schemeClr val="tx1"/>
+            </a:solidFill>
+            <a:headEnd type="triangle"/>
+            <a:tailEnd type="none"/>
+          </a:ln>
+        </p:spPr>
+        <p:style>
+          <a:lnRef idx="1">
+            <a:schemeClr val="accent1"/>
+          </a:lnRef>
+          <a:fillRef idx="0">
+            <a:schemeClr val="accent1"/>
+          </a:fillRef>
+          <a:effectRef idx="0">
+            <a:schemeClr val="accent1"/>
+          </a:effectRef>
+          <a:fontRef idx="minor">
+            <a:schemeClr val="tx1"/>
+          </a:fontRef>
+        </p:style>
+      </p:cxnSp>
+      <p:cxnSp>
+        <p:nvCxnSpPr>
+          <p:cNvPr id="9" name="직선 화살표 연결선 8">
+            <a:extLst>
+              <a:ext uri="{FF2B5EF4-FFF2-40B4-BE49-F238E27FC236}">
+                <a16:creationId xmlns:a16="http://schemas.microsoft.com/office/drawing/2014/main" id="{84350F28-8A62-2375-3113-BE02D24626FA}"/>
+              </a:ext>
+            </a:extLst>
+          </p:cNvPr>
+          <p:cNvCxnSpPr>
+            <a:cxnSpLocks/>
+            <a:stCxn id="2" idx="2"/>
+            <a:endCxn id="4" idx="0"/>
+          </p:cNvCxnSpPr>
+          <p:nvPr/>
+        </p:nvCxnSpPr>
+        <p:spPr>
+          <a:xfrm>
+            <a:off x="6033655" y="1319644"/>
+            <a:ext cx="1" cy="1038678"/>
+          </a:xfrm>
+          <a:prstGeom prst="straightConnector1">
+            <a:avLst/>
+          </a:prstGeom>
+          <a:ln w="38100">
+            <a:solidFill>
+              <a:schemeClr val="tx1"/>
+            </a:solidFill>
+            <a:headEnd type="triangle"/>
+            <a:tailEnd type="none"/>
+          </a:ln>
+        </p:spPr>
+        <p:style>
+          <a:lnRef idx="1">
+            <a:schemeClr val="accent1"/>
+          </a:lnRef>
+          <a:fillRef idx="0">
+            <a:schemeClr val="accent1"/>
+          </a:fillRef>
+          <a:effectRef idx="0">
+            <a:schemeClr val="accent1"/>
+          </a:effectRef>
+          <a:fontRef idx="minor">
+            <a:schemeClr val="tx1"/>
+          </a:fontRef>
+        </p:style>
+      </p:cxnSp>
+      <p:cxnSp>
+        <p:nvCxnSpPr>
+          <p:cNvPr id="12" name="직선 화살표 연결선 11">
+            <a:extLst>
+              <a:ext uri="{FF2B5EF4-FFF2-40B4-BE49-F238E27FC236}">
+                <a16:creationId xmlns:a16="http://schemas.microsoft.com/office/drawing/2014/main" id="{D3E317F5-941C-6BB9-27E0-8A504FA049D2}"/>
+              </a:ext>
+            </a:extLst>
+          </p:cNvPr>
+          <p:cNvCxnSpPr>
+            <a:cxnSpLocks/>
+            <a:stCxn id="2" idx="2"/>
+            <a:endCxn id="6" idx="0"/>
+          </p:cNvCxnSpPr>
+          <p:nvPr/>
+        </p:nvCxnSpPr>
+        <p:spPr>
+          <a:xfrm>
+            <a:off x="6033655" y="1319644"/>
+            <a:ext cx="3079174" cy="1038678"/>
+          </a:xfrm>
+          <a:prstGeom prst="straightConnector1">
+            <a:avLst/>
+          </a:prstGeom>
+          <a:ln w="38100">
+            <a:solidFill>
+              <a:schemeClr val="tx1"/>
+            </a:solidFill>
+            <a:headEnd type="triangle"/>
+            <a:tailEnd type="none"/>
+          </a:ln>
+        </p:spPr>
+        <p:style>
+          <a:lnRef idx="1">
+            <a:schemeClr val="accent1"/>
+          </a:lnRef>
+          <a:fillRef idx="0">
+            <a:schemeClr val="accent1"/>
+          </a:fillRef>
+          <a:effectRef idx="0">
+            <a:schemeClr val="accent1"/>
+          </a:effectRef>
+          <a:fontRef idx="minor">
+            <a:schemeClr val="tx1"/>
+          </a:fontRef>
+        </p:style>
+      </p:cxnSp>
+      <p:sp>
+        <p:nvSpPr>
+          <p:cNvPr id="15" name="TextBox 14">
+            <a:extLst>
+              <a:ext uri="{FF2B5EF4-FFF2-40B4-BE49-F238E27FC236}">
+                <a16:creationId xmlns:a16="http://schemas.microsoft.com/office/drawing/2014/main" id="{0F7CB668-CFFD-4F89-BB36-710C38EC2AE1}"/>
+              </a:ext>
+            </a:extLst>
+          </p:cNvPr>
+          <p:cNvSpPr txBox="1"/>
+          <p:nvPr/>
+        </p:nvSpPr>
+        <p:spPr>
+          <a:xfrm>
+            <a:off x="1531751" y="5449331"/>
+            <a:ext cx="732134" cy="745012"/>
+          </a:xfrm>
+          <a:prstGeom prst="rect">
+            <a:avLst/>
+          </a:prstGeom>
+          <a:solidFill>
+            <a:schemeClr val="accent6">
+              <a:lumMod val="60000"/>
+              <a:lumOff val="40000"/>
+            </a:schemeClr>
+          </a:solidFill>
+        </p:spPr>
+        <p:txBody>
+          <a:bodyPr wrap="square" rtlCol="0" anchor="ctr" anchorCtr="0">
+            <a:noAutofit/>
+          </a:bodyPr>
+          <a:lstStyle/>
+          <a:p>
+            <a:pPr algn="ctr"/>
+            <a:r>
+              <a:rPr lang="en-US" altLang="ko-KR" sz="2800" dirty="0">
+                <a:latin typeface="KoPub돋움체 Bold" panose="00000800000000000000" pitchFamily="2" charset="-127"/>
+                <a:ea typeface="KoPub돋움체 Bold" panose="00000800000000000000" pitchFamily="2" charset="-127"/>
+              </a:rPr>
+              <a:t>A</a:t>
+            </a:r>
+            <a:endParaRPr lang="ko-KR" altLang="en-US" sz="2800" dirty="0">
+              <a:latin typeface="KoPub돋움체 Bold" panose="00000800000000000000" pitchFamily="2" charset="-127"/>
+              <a:ea typeface="KoPub돋움체 Bold" panose="00000800000000000000" pitchFamily="2" charset="-127"/>
+            </a:endParaRPr>
+          </a:p>
+        </p:txBody>
+      </p:sp>
+      <p:sp>
+        <p:nvSpPr>
+          <p:cNvPr id="16" name="TextBox 15">
+            <a:extLst>
+              <a:ext uri="{FF2B5EF4-FFF2-40B4-BE49-F238E27FC236}">
+                <a16:creationId xmlns:a16="http://schemas.microsoft.com/office/drawing/2014/main" id="{C8FF7588-5967-23F9-5AF2-49DCC9405B08}"/>
+              </a:ext>
+            </a:extLst>
+          </p:cNvPr>
+          <p:cNvSpPr txBox="1"/>
+          <p:nvPr/>
+        </p:nvSpPr>
+        <p:spPr>
+          <a:xfrm>
+            <a:off x="2452448" y="5432777"/>
+            <a:ext cx="732134" cy="745012"/>
+          </a:xfrm>
+          <a:prstGeom prst="rect">
+            <a:avLst/>
+          </a:prstGeom>
+          <a:solidFill>
+            <a:schemeClr val="accent6">
+              <a:lumMod val="60000"/>
+              <a:lumOff val="40000"/>
+            </a:schemeClr>
+          </a:solidFill>
+        </p:spPr>
+        <p:txBody>
+          <a:bodyPr wrap="square" rtlCol="0" anchor="ctr" anchorCtr="0">
+            <a:noAutofit/>
+          </a:bodyPr>
+          <a:lstStyle/>
+          <a:p>
+            <a:pPr algn="ctr"/>
+            <a:r>
+              <a:rPr lang="en-US" altLang="ko-KR" sz="2800" dirty="0">
+                <a:latin typeface="KoPub돋움체 Bold" panose="00000800000000000000" pitchFamily="2" charset="-127"/>
+                <a:ea typeface="KoPub돋움체 Bold" panose="00000800000000000000" pitchFamily="2" charset="-127"/>
+              </a:rPr>
+              <a:t>B</a:t>
+            </a:r>
+            <a:endParaRPr lang="ko-KR" altLang="en-US" sz="2800" dirty="0">
+              <a:latin typeface="KoPub돋움체 Bold" panose="00000800000000000000" pitchFamily="2" charset="-127"/>
+              <a:ea typeface="KoPub돋움체 Bold" panose="00000800000000000000" pitchFamily="2" charset="-127"/>
+            </a:endParaRPr>
+          </a:p>
+        </p:txBody>
+      </p:sp>
+      <p:sp>
+        <p:nvSpPr>
+          <p:cNvPr id="17" name="TextBox 16">
+            <a:extLst>
+              <a:ext uri="{FF2B5EF4-FFF2-40B4-BE49-F238E27FC236}">
+                <a16:creationId xmlns:a16="http://schemas.microsoft.com/office/drawing/2014/main" id="{35A7D623-4C2F-079E-6430-BC2564C599B6}"/>
+              </a:ext>
+            </a:extLst>
+          </p:cNvPr>
+          <p:cNvSpPr txBox="1"/>
+          <p:nvPr/>
+        </p:nvSpPr>
+        <p:spPr>
+          <a:xfrm>
+            <a:off x="3361664" y="5421513"/>
+            <a:ext cx="732134" cy="745012"/>
+          </a:xfrm>
+          <a:prstGeom prst="rect">
+            <a:avLst/>
+          </a:prstGeom>
+          <a:solidFill>
+            <a:schemeClr val="accent6">
+              <a:lumMod val="60000"/>
+              <a:lumOff val="40000"/>
+            </a:schemeClr>
+          </a:solidFill>
+        </p:spPr>
+        <p:txBody>
+          <a:bodyPr wrap="square" rtlCol="0" anchor="ctr" anchorCtr="0">
+            <a:noAutofit/>
+          </a:bodyPr>
+          <a:lstStyle/>
+          <a:p>
+            <a:pPr algn="ctr"/>
+            <a:r>
+              <a:rPr lang="en-US" altLang="ko-KR" sz="2800" dirty="0">
+                <a:latin typeface="KoPub돋움체 Bold" panose="00000800000000000000" pitchFamily="2" charset="-127"/>
+                <a:ea typeface="KoPub돋움체 Bold" panose="00000800000000000000" pitchFamily="2" charset="-127"/>
+              </a:rPr>
+              <a:t>C</a:t>
+            </a:r>
+            <a:endParaRPr lang="ko-KR" altLang="en-US" sz="2800" dirty="0">
+              <a:latin typeface="KoPub돋움체 Bold" panose="00000800000000000000" pitchFamily="2" charset="-127"/>
+              <a:ea typeface="KoPub돋움체 Bold" panose="00000800000000000000" pitchFamily="2" charset="-127"/>
+            </a:endParaRPr>
+          </a:p>
+        </p:txBody>
+      </p:sp>
+      <p:sp>
+        <p:nvSpPr>
+          <p:cNvPr id="18" name="TextBox 17">
+            <a:extLst>
+              <a:ext uri="{FF2B5EF4-FFF2-40B4-BE49-F238E27FC236}">
+                <a16:creationId xmlns:a16="http://schemas.microsoft.com/office/drawing/2014/main" id="{66FF7894-EB9B-C6F8-09FA-53FCF73FF988}"/>
+              </a:ext>
+            </a:extLst>
+          </p:cNvPr>
+          <p:cNvSpPr txBox="1"/>
+          <p:nvPr/>
+        </p:nvSpPr>
+        <p:spPr>
+          <a:xfrm>
+            <a:off x="4872469" y="5456841"/>
+            <a:ext cx="704851" cy="693406"/>
+          </a:xfrm>
+          <a:prstGeom prst="rect">
+            <a:avLst/>
+          </a:prstGeom>
+          <a:solidFill>
+            <a:schemeClr val="accent6">
+              <a:lumMod val="60000"/>
+              <a:lumOff val="40000"/>
+            </a:schemeClr>
+          </a:solidFill>
+        </p:spPr>
+        <p:txBody>
+          <a:bodyPr wrap="square" rtlCol="0" anchor="ctr" anchorCtr="0">
+            <a:noAutofit/>
+          </a:bodyPr>
+          <a:lstStyle/>
+          <a:p>
+            <a:pPr algn="ctr"/>
+            <a:r>
+              <a:rPr lang="en-US" altLang="ko-KR" sz="2800" dirty="0">
+                <a:latin typeface="KoPub돋움체 Bold" panose="00000800000000000000" pitchFamily="2" charset="-127"/>
+                <a:ea typeface="KoPub돋움체 Bold" panose="00000800000000000000" pitchFamily="2" charset="-127"/>
+              </a:rPr>
+              <a:t>D</a:t>
+            </a:r>
+            <a:endParaRPr lang="ko-KR" altLang="en-US" sz="2800" dirty="0">
+              <a:latin typeface="KoPub돋움체 Bold" panose="00000800000000000000" pitchFamily="2" charset="-127"/>
+              <a:ea typeface="KoPub돋움체 Bold" panose="00000800000000000000" pitchFamily="2" charset="-127"/>
+            </a:endParaRPr>
+          </a:p>
+        </p:txBody>
+      </p:sp>
+      <p:sp>
+        <p:nvSpPr>
+          <p:cNvPr id="19" name="TextBox 18">
+            <a:extLst>
+              <a:ext uri="{FF2B5EF4-FFF2-40B4-BE49-F238E27FC236}">
+                <a16:creationId xmlns:a16="http://schemas.microsoft.com/office/drawing/2014/main" id="{C6A3CEB9-9E69-E1BC-89D9-B331E6904D8B}"/>
+              </a:ext>
+            </a:extLst>
+          </p:cNvPr>
+          <p:cNvSpPr txBox="1"/>
+          <p:nvPr/>
+        </p:nvSpPr>
+        <p:spPr>
+          <a:xfrm>
+            <a:off x="5732749" y="5456841"/>
+            <a:ext cx="704851" cy="693406"/>
+          </a:xfrm>
+          <a:prstGeom prst="rect">
+            <a:avLst/>
+          </a:prstGeom>
+          <a:solidFill>
+            <a:schemeClr val="accent6">
+              <a:lumMod val="60000"/>
+              <a:lumOff val="40000"/>
+            </a:schemeClr>
+          </a:solidFill>
+        </p:spPr>
+        <p:txBody>
+          <a:bodyPr wrap="square" rtlCol="0" anchor="ctr" anchorCtr="0">
+            <a:noAutofit/>
+          </a:bodyPr>
+          <a:lstStyle/>
+          <a:p>
+            <a:pPr algn="ctr"/>
+            <a:r>
+              <a:rPr lang="en-US" altLang="ko-KR" sz="2800" dirty="0">
+                <a:latin typeface="KoPub돋움체 Bold" panose="00000800000000000000" pitchFamily="2" charset="-127"/>
+                <a:ea typeface="KoPub돋움체 Bold" panose="00000800000000000000" pitchFamily="2" charset="-127"/>
+              </a:rPr>
+              <a:t>E</a:t>
+            </a:r>
+            <a:endParaRPr lang="ko-KR" altLang="en-US" sz="2800" dirty="0">
+              <a:latin typeface="KoPub돋움체 Bold" panose="00000800000000000000" pitchFamily="2" charset="-127"/>
+              <a:ea typeface="KoPub돋움체 Bold" panose="00000800000000000000" pitchFamily="2" charset="-127"/>
+            </a:endParaRPr>
+          </a:p>
+        </p:txBody>
+      </p:sp>
+      <p:sp>
+        <p:nvSpPr>
+          <p:cNvPr id="20" name="TextBox 19">
+            <a:extLst>
+              <a:ext uri="{FF2B5EF4-FFF2-40B4-BE49-F238E27FC236}">
+                <a16:creationId xmlns:a16="http://schemas.microsoft.com/office/drawing/2014/main" id="{204FAE0A-45F7-5560-5A37-5066F50DBDAF}"/>
+              </a:ext>
+            </a:extLst>
+          </p:cNvPr>
+          <p:cNvSpPr txBox="1"/>
+          <p:nvPr/>
+        </p:nvSpPr>
+        <p:spPr>
+          <a:xfrm>
+            <a:off x="6614682" y="5447316"/>
+            <a:ext cx="704851" cy="693406"/>
+          </a:xfrm>
+          <a:prstGeom prst="rect">
+            <a:avLst/>
+          </a:prstGeom>
+          <a:solidFill>
+            <a:schemeClr val="accent6">
+              <a:lumMod val="60000"/>
+              <a:lumOff val="40000"/>
+            </a:schemeClr>
+          </a:solidFill>
+        </p:spPr>
+        <p:txBody>
+          <a:bodyPr wrap="square" rtlCol="0" anchor="ctr" anchorCtr="0">
+            <a:noAutofit/>
+          </a:bodyPr>
+          <a:lstStyle/>
+          <a:p>
+            <a:pPr algn="ctr"/>
+            <a:r>
+              <a:rPr lang="en-US" altLang="ko-KR" sz="2800" dirty="0">
+                <a:latin typeface="KoPub돋움체 Bold" panose="00000800000000000000" pitchFamily="2" charset="-127"/>
+                <a:ea typeface="KoPub돋움체 Bold" panose="00000800000000000000" pitchFamily="2" charset="-127"/>
+              </a:rPr>
+              <a:t>F</a:t>
+            </a:r>
+            <a:endParaRPr lang="ko-KR" altLang="en-US" sz="2800" dirty="0">
+              <a:latin typeface="KoPub돋움체 Bold" panose="00000800000000000000" pitchFamily="2" charset="-127"/>
+              <a:ea typeface="KoPub돋움체 Bold" panose="00000800000000000000" pitchFamily="2" charset="-127"/>
+            </a:endParaRPr>
+          </a:p>
+        </p:txBody>
+      </p:sp>
+      <p:sp>
+        <p:nvSpPr>
+          <p:cNvPr id="21" name="TextBox 20">
+            <a:extLst>
+              <a:ext uri="{FF2B5EF4-FFF2-40B4-BE49-F238E27FC236}">
+                <a16:creationId xmlns:a16="http://schemas.microsoft.com/office/drawing/2014/main" id="{9CCA3572-EC7E-6F18-5917-419665FF2EFA}"/>
+              </a:ext>
+            </a:extLst>
+          </p:cNvPr>
+          <p:cNvSpPr txBox="1"/>
+          <p:nvPr/>
+        </p:nvSpPr>
+        <p:spPr>
+          <a:xfrm>
+            <a:off x="7845140" y="5407334"/>
+            <a:ext cx="722172" cy="725962"/>
+          </a:xfrm>
+          <a:prstGeom prst="rect">
+            <a:avLst/>
+          </a:prstGeom>
+          <a:solidFill>
+            <a:schemeClr val="accent6">
+              <a:lumMod val="60000"/>
+              <a:lumOff val="40000"/>
+            </a:schemeClr>
+          </a:solidFill>
+        </p:spPr>
+        <p:txBody>
+          <a:bodyPr wrap="square" rtlCol="0" anchor="ctr" anchorCtr="0">
+            <a:noAutofit/>
+          </a:bodyPr>
+          <a:lstStyle/>
+          <a:p>
+            <a:pPr algn="ctr"/>
+            <a:r>
+              <a:rPr lang="en-US" altLang="ko-KR" sz="2800" dirty="0">
+                <a:latin typeface="KoPub돋움체 Bold" panose="00000800000000000000" pitchFamily="2" charset="-127"/>
+                <a:ea typeface="KoPub돋움체 Bold" panose="00000800000000000000" pitchFamily="2" charset="-127"/>
+              </a:rPr>
+              <a:t>G</a:t>
+            </a:r>
+            <a:endParaRPr lang="ko-KR" altLang="en-US" sz="2800" dirty="0">
+              <a:latin typeface="KoPub돋움체 Bold" panose="00000800000000000000" pitchFamily="2" charset="-127"/>
+              <a:ea typeface="KoPub돋움체 Bold" panose="00000800000000000000" pitchFamily="2" charset="-127"/>
+            </a:endParaRPr>
+          </a:p>
+        </p:txBody>
+      </p:sp>
+      <p:sp>
+        <p:nvSpPr>
+          <p:cNvPr id="22" name="TextBox 21">
+            <a:extLst>
+              <a:ext uri="{FF2B5EF4-FFF2-40B4-BE49-F238E27FC236}">
+                <a16:creationId xmlns:a16="http://schemas.microsoft.com/office/drawing/2014/main" id="{8A7DCC67-5714-52DB-2420-D49C7D9C712E}"/>
+              </a:ext>
+            </a:extLst>
+          </p:cNvPr>
+          <p:cNvSpPr txBox="1"/>
+          <p:nvPr/>
+        </p:nvSpPr>
+        <p:spPr>
+          <a:xfrm>
+            <a:off x="8831404" y="5407334"/>
+            <a:ext cx="722172" cy="725962"/>
+          </a:xfrm>
+          <a:prstGeom prst="rect">
+            <a:avLst/>
+          </a:prstGeom>
+          <a:solidFill>
+            <a:schemeClr val="accent6">
+              <a:lumMod val="60000"/>
+              <a:lumOff val="40000"/>
+            </a:schemeClr>
+          </a:solidFill>
+        </p:spPr>
+        <p:txBody>
+          <a:bodyPr wrap="square" rtlCol="0" anchor="ctr" anchorCtr="0">
+            <a:noAutofit/>
+          </a:bodyPr>
+          <a:lstStyle/>
+          <a:p>
+            <a:pPr algn="ctr"/>
+            <a:r>
+              <a:rPr lang="en-US" altLang="ko-KR" sz="2800" dirty="0">
+                <a:latin typeface="KoPub돋움체 Bold" panose="00000800000000000000" pitchFamily="2" charset="-127"/>
+                <a:ea typeface="KoPub돋움체 Bold" panose="00000800000000000000" pitchFamily="2" charset="-127"/>
+              </a:rPr>
+              <a:t>H</a:t>
+            </a:r>
+            <a:endParaRPr lang="ko-KR" altLang="en-US" sz="2800" dirty="0">
+              <a:latin typeface="KoPub돋움체 Bold" panose="00000800000000000000" pitchFamily="2" charset="-127"/>
+              <a:ea typeface="KoPub돋움체 Bold" panose="00000800000000000000" pitchFamily="2" charset="-127"/>
+            </a:endParaRPr>
+          </a:p>
+        </p:txBody>
+      </p:sp>
+      <p:sp>
+        <p:nvSpPr>
+          <p:cNvPr id="23" name="TextBox 22">
+            <a:extLst>
+              <a:ext uri="{FF2B5EF4-FFF2-40B4-BE49-F238E27FC236}">
+                <a16:creationId xmlns:a16="http://schemas.microsoft.com/office/drawing/2014/main" id="{0A7C9949-6180-595C-882F-D093F45F8A42}"/>
+              </a:ext>
+            </a:extLst>
+          </p:cNvPr>
+          <p:cNvSpPr txBox="1"/>
+          <p:nvPr/>
+        </p:nvSpPr>
+        <p:spPr>
+          <a:xfrm>
+            <a:off x="9738007" y="5407334"/>
+            <a:ext cx="722172" cy="725962"/>
+          </a:xfrm>
+          <a:prstGeom prst="rect">
+            <a:avLst/>
+          </a:prstGeom>
+          <a:solidFill>
+            <a:schemeClr val="accent6">
+              <a:lumMod val="60000"/>
+              <a:lumOff val="40000"/>
+            </a:schemeClr>
+          </a:solidFill>
+        </p:spPr>
+        <p:txBody>
+          <a:bodyPr wrap="square" rtlCol="0" anchor="ctr" anchorCtr="0">
+            <a:noAutofit/>
+          </a:bodyPr>
+          <a:lstStyle/>
+          <a:p>
+            <a:pPr algn="ctr"/>
+            <a:r>
+              <a:rPr lang="en-US" altLang="ko-KR" sz="2800" dirty="0">
+                <a:latin typeface="KoPub돋움체 Bold" panose="00000800000000000000" pitchFamily="2" charset="-127"/>
+                <a:ea typeface="KoPub돋움체 Bold" panose="00000800000000000000" pitchFamily="2" charset="-127"/>
+              </a:rPr>
+              <a:t>I</a:t>
+            </a:r>
+            <a:endParaRPr lang="ko-KR" altLang="en-US" sz="2800" dirty="0">
+              <a:latin typeface="KoPub돋움체 Bold" panose="00000800000000000000" pitchFamily="2" charset="-127"/>
+              <a:ea typeface="KoPub돋움체 Bold" panose="00000800000000000000" pitchFamily="2" charset="-127"/>
+            </a:endParaRPr>
+          </a:p>
+        </p:txBody>
+      </p:sp>
+      <p:cxnSp>
+        <p:nvCxnSpPr>
+          <p:cNvPr id="29" name="직선 화살표 연결선 28">
+            <a:extLst>
+              <a:ext uri="{FF2B5EF4-FFF2-40B4-BE49-F238E27FC236}">
+                <a16:creationId xmlns:a16="http://schemas.microsoft.com/office/drawing/2014/main" id="{783677D6-5641-747D-30E5-1BD459287036}"/>
+              </a:ext>
+            </a:extLst>
+          </p:cNvPr>
+          <p:cNvCxnSpPr>
+            <a:cxnSpLocks/>
+            <a:stCxn id="3" idx="2"/>
+            <a:endCxn id="15" idx="0"/>
+          </p:cNvCxnSpPr>
+          <p:nvPr/>
+        </p:nvCxnSpPr>
+        <p:spPr>
+          <a:xfrm flipH="1">
+            <a:off x="1897818" y="3187224"/>
+            <a:ext cx="1056665" cy="2262107"/>
+          </a:xfrm>
+          <a:prstGeom prst="straightConnector1">
+            <a:avLst/>
+          </a:prstGeom>
+          <a:ln w="38100">
+            <a:solidFill>
+              <a:schemeClr val="tx1"/>
+            </a:solidFill>
+            <a:headEnd type="triangle"/>
+            <a:tailEnd type="none"/>
+          </a:ln>
+        </p:spPr>
+        <p:style>
+          <a:lnRef idx="1">
+            <a:schemeClr val="accent1"/>
+          </a:lnRef>
+          <a:fillRef idx="0">
+            <a:schemeClr val="accent1"/>
+          </a:fillRef>
+          <a:effectRef idx="0">
+            <a:schemeClr val="accent1"/>
+          </a:effectRef>
+          <a:fontRef idx="minor">
+            <a:schemeClr val="tx1"/>
+          </a:fontRef>
+        </p:style>
+      </p:cxnSp>
+      <p:cxnSp>
+        <p:nvCxnSpPr>
+          <p:cNvPr id="32" name="직선 화살표 연결선 31">
+            <a:extLst>
+              <a:ext uri="{FF2B5EF4-FFF2-40B4-BE49-F238E27FC236}">
+                <a16:creationId xmlns:a16="http://schemas.microsoft.com/office/drawing/2014/main" id="{92611CDD-8C0E-996D-62FB-26D8D0A0740A}"/>
+              </a:ext>
+            </a:extLst>
+          </p:cNvPr>
+          <p:cNvCxnSpPr>
+            <a:cxnSpLocks/>
+            <a:stCxn id="3" idx="2"/>
+            <a:endCxn id="16" idx="0"/>
+          </p:cNvCxnSpPr>
+          <p:nvPr/>
+        </p:nvCxnSpPr>
+        <p:spPr>
+          <a:xfrm flipH="1">
+            <a:off x="2818515" y="3187224"/>
+            <a:ext cx="135968" cy="2245553"/>
+          </a:xfrm>
+          <a:prstGeom prst="straightConnector1">
+            <a:avLst/>
+          </a:prstGeom>
+          <a:ln w="38100">
+            <a:solidFill>
+              <a:schemeClr val="tx1"/>
+            </a:solidFill>
+            <a:headEnd type="triangle"/>
+            <a:tailEnd type="none"/>
+          </a:ln>
+        </p:spPr>
+        <p:style>
+          <a:lnRef idx="1">
+            <a:schemeClr val="accent1"/>
+          </a:lnRef>
+          <a:fillRef idx="0">
+            <a:schemeClr val="accent1"/>
+          </a:fillRef>
+          <a:effectRef idx="0">
+            <a:schemeClr val="accent1"/>
+          </a:effectRef>
+          <a:fontRef idx="minor">
+            <a:schemeClr val="tx1"/>
+          </a:fontRef>
+        </p:style>
+      </p:cxnSp>
+      <p:cxnSp>
+        <p:nvCxnSpPr>
+          <p:cNvPr id="35" name="직선 화살표 연결선 34">
+            <a:extLst>
+              <a:ext uri="{FF2B5EF4-FFF2-40B4-BE49-F238E27FC236}">
+                <a16:creationId xmlns:a16="http://schemas.microsoft.com/office/drawing/2014/main" id="{1A08F6B2-BEB2-3EA4-275D-545789A2D8A4}"/>
+              </a:ext>
+            </a:extLst>
+          </p:cNvPr>
+          <p:cNvCxnSpPr>
+            <a:cxnSpLocks/>
+            <a:stCxn id="3" idx="2"/>
+            <a:endCxn id="17" idx="0"/>
+          </p:cNvCxnSpPr>
+          <p:nvPr/>
+        </p:nvCxnSpPr>
+        <p:spPr>
+          <a:xfrm>
+            <a:off x="2954483" y="3187224"/>
+            <a:ext cx="773248" cy="2234289"/>
+          </a:xfrm>
+          <a:prstGeom prst="straightConnector1">
+            <a:avLst/>
+          </a:prstGeom>
+          <a:ln w="38100">
+            <a:solidFill>
+              <a:schemeClr val="tx1"/>
+            </a:solidFill>
+            <a:headEnd type="triangle"/>
+            <a:tailEnd type="none"/>
+          </a:ln>
+        </p:spPr>
+        <p:style>
+          <a:lnRef idx="1">
+            <a:schemeClr val="accent1"/>
+          </a:lnRef>
+          <a:fillRef idx="0">
+            <a:schemeClr val="accent1"/>
+          </a:fillRef>
+          <a:effectRef idx="0">
+            <a:schemeClr val="accent1"/>
+          </a:effectRef>
+          <a:fontRef idx="minor">
+            <a:schemeClr val="tx1"/>
+          </a:fontRef>
+        </p:style>
+      </p:cxnSp>
+      <p:cxnSp>
+        <p:nvCxnSpPr>
+          <p:cNvPr id="38" name="직선 화살표 연결선 37">
+            <a:extLst>
+              <a:ext uri="{FF2B5EF4-FFF2-40B4-BE49-F238E27FC236}">
+                <a16:creationId xmlns:a16="http://schemas.microsoft.com/office/drawing/2014/main" id="{85DC7FF5-0048-9BA6-0CAD-16D05116CF3D}"/>
+              </a:ext>
+            </a:extLst>
+          </p:cNvPr>
+          <p:cNvCxnSpPr>
+            <a:cxnSpLocks/>
+            <a:stCxn id="4" idx="2"/>
+            <a:endCxn id="18" idx="0"/>
+          </p:cNvCxnSpPr>
+          <p:nvPr/>
+        </p:nvCxnSpPr>
+        <p:spPr>
+          <a:xfrm flipH="1">
+            <a:off x="5224895" y="3187224"/>
+            <a:ext cx="808761" cy="2269617"/>
+          </a:xfrm>
+          <a:prstGeom prst="straightConnector1">
+            <a:avLst/>
+          </a:prstGeom>
+          <a:ln w="38100">
+            <a:solidFill>
+              <a:schemeClr val="tx1"/>
+            </a:solidFill>
+            <a:headEnd type="triangle"/>
+            <a:tailEnd type="none"/>
+          </a:ln>
+        </p:spPr>
+        <p:style>
+          <a:lnRef idx="1">
+            <a:schemeClr val="accent1"/>
+          </a:lnRef>
+          <a:fillRef idx="0">
+            <a:schemeClr val="accent1"/>
+          </a:fillRef>
+          <a:effectRef idx="0">
+            <a:schemeClr val="accent1"/>
+          </a:effectRef>
+          <a:fontRef idx="minor">
+            <a:schemeClr val="tx1"/>
+          </a:fontRef>
+        </p:style>
+      </p:cxnSp>
+      <p:cxnSp>
+        <p:nvCxnSpPr>
+          <p:cNvPr id="41" name="직선 화살표 연결선 40">
+            <a:extLst>
+              <a:ext uri="{FF2B5EF4-FFF2-40B4-BE49-F238E27FC236}">
+                <a16:creationId xmlns:a16="http://schemas.microsoft.com/office/drawing/2014/main" id="{AB57109D-2053-A8AE-79B3-922E8583044A}"/>
+              </a:ext>
+            </a:extLst>
+          </p:cNvPr>
+          <p:cNvCxnSpPr>
+            <a:cxnSpLocks/>
+            <a:stCxn id="4" idx="2"/>
+            <a:endCxn id="19" idx="0"/>
+          </p:cNvCxnSpPr>
+          <p:nvPr/>
+        </p:nvCxnSpPr>
+        <p:spPr>
+          <a:xfrm>
+            <a:off x="6033656" y="3187224"/>
+            <a:ext cx="51519" cy="2269617"/>
+          </a:xfrm>
+          <a:prstGeom prst="straightConnector1">
+            <a:avLst/>
+          </a:prstGeom>
+          <a:ln w="38100">
+            <a:solidFill>
+              <a:schemeClr val="tx1"/>
+            </a:solidFill>
+            <a:headEnd type="triangle"/>
+            <a:tailEnd type="none"/>
+          </a:ln>
+        </p:spPr>
+        <p:style>
+          <a:lnRef idx="1">
+            <a:schemeClr val="accent1"/>
+          </a:lnRef>
+          <a:fillRef idx="0">
+            <a:schemeClr val="accent1"/>
+          </a:fillRef>
+          <a:effectRef idx="0">
+            <a:schemeClr val="accent1"/>
+          </a:effectRef>
+          <a:fontRef idx="minor">
+            <a:schemeClr val="tx1"/>
+          </a:fontRef>
+        </p:style>
+      </p:cxnSp>
+      <p:cxnSp>
+        <p:nvCxnSpPr>
+          <p:cNvPr id="44" name="직선 화살표 연결선 43">
+            <a:extLst>
+              <a:ext uri="{FF2B5EF4-FFF2-40B4-BE49-F238E27FC236}">
+                <a16:creationId xmlns:a16="http://schemas.microsoft.com/office/drawing/2014/main" id="{5365E47B-4877-3EF1-A773-CDC6FB9F60AC}"/>
+              </a:ext>
+            </a:extLst>
+          </p:cNvPr>
+          <p:cNvCxnSpPr>
+            <a:cxnSpLocks/>
+            <a:stCxn id="4" idx="2"/>
+            <a:endCxn id="20" idx="0"/>
+          </p:cNvCxnSpPr>
+          <p:nvPr/>
+        </p:nvCxnSpPr>
+        <p:spPr>
+          <a:xfrm>
+            <a:off x="6033656" y="3187224"/>
+            <a:ext cx="933452" cy="2260092"/>
+          </a:xfrm>
+          <a:prstGeom prst="straightConnector1">
+            <a:avLst/>
+          </a:prstGeom>
+          <a:ln w="38100">
+            <a:solidFill>
+              <a:schemeClr val="tx1"/>
+            </a:solidFill>
+            <a:headEnd type="triangle"/>
+            <a:tailEnd type="none"/>
+          </a:ln>
+        </p:spPr>
+        <p:style>
+          <a:lnRef idx="1">
+            <a:schemeClr val="accent1"/>
+          </a:lnRef>
+          <a:fillRef idx="0">
+            <a:schemeClr val="accent1"/>
+          </a:fillRef>
+          <a:effectRef idx="0">
+            <a:schemeClr val="accent1"/>
+          </a:effectRef>
+          <a:fontRef idx="minor">
+            <a:schemeClr val="tx1"/>
+          </a:fontRef>
+        </p:style>
+      </p:cxnSp>
+      <p:cxnSp>
+        <p:nvCxnSpPr>
+          <p:cNvPr id="47" name="직선 화살표 연결선 46">
+            <a:extLst>
+              <a:ext uri="{FF2B5EF4-FFF2-40B4-BE49-F238E27FC236}">
+                <a16:creationId xmlns:a16="http://schemas.microsoft.com/office/drawing/2014/main" id="{527AA39F-BF8B-E4B3-FD16-8B196423E4B5}"/>
+              </a:ext>
+            </a:extLst>
+          </p:cNvPr>
+          <p:cNvCxnSpPr>
+            <a:cxnSpLocks/>
+            <a:stCxn id="6" idx="2"/>
+            <a:endCxn id="23" idx="0"/>
+          </p:cNvCxnSpPr>
+          <p:nvPr/>
+        </p:nvCxnSpPr>
+        <p:spPr>
+          <a:xfrm>
+            <a:off x="9112829" y="3187224"/>
+            <a:ext cx="986264" cy="2220110"/>
+          </a:xfrm>
+          <a:prstGeom prst="straightConnector1">
+            <a:avLst/>
+          </a:prstGeom>
+          <a:ln w="38100">
+            <a:solidFill>
+              <a:schemeClr val="tx1"/>
+            </a:solidFill>
+            <a:headEnd type="triangle"/>
+            <a:tailEnd type="none"/>
+          </a:ln>
+        </p:spPr>
+        <p:style>
+          <a:lnRef idx="1">
+            <a:schemeClr val="accent1"/>
+          </a:lnRef>
+          <a:fillRef idx="0">
+            <a:schemeClr val="accent1"/>
+          </a:fillRef>
+          <a:effectRef idx="0">
+            <a:schemeClr val="accent1"/>
+          </a:effectRef>
+          <a:fontRef idx="minor">
+            <a:schemeClr val="tx1"/>
+          </a:fontRef>
+        </p:style>
+      </p:cxnSp>
+      <p:cxnSp>
+        <p:nvCxnSpPr>
+          <p:cNvPr id="50" name="직선 화살표 연결선 49">
+            <a:extLst>
+              <a:ext uri="{FF2B5EF4-FFF2-40B4-BE49-F238E27FC236}">
+                <a16:creationId xmlns:a16="http://schemas.microsoft.com/office/drawing/2014/main" id="{9DC0AFA6-DFEB-009A-940B-472D84A554A6}"/>
+              </a:ext>
+            </a:extLst>
+          </p:cNvPr>
+          <p:cNvCxnSpPr>
+            <a:cxnSpLocks/>
+            <a:stCxn id="6" idx="2"/>
+            <a:endCxn id="22" idx="0"/>
+          </p:cNvCxnSpPr>
+          <p:nvPr/>
+        </p:nvCxnSpPr>
+        <p:spPr>
+          <a:xfrm>
+            <a:off x="9112829" y="3187224"/>
+            <a:ext cx="79661" cy="2220110"/>
+          </a:xfrm>
+          <a:prstGeom prst="straightConnector1">
+            <a:avLst/>
+          </a:prstGeom>
+          <a:ln w="38100">
+            <a:solidFill>
+              <a:schemeClr val="tx1"/>
+            </a:solidFill>
+            <a:headEnd type="triangle"/>
+            <a:tailEnd type="none"/>
+          </a:ln>
+        </p:spPr>
+        <p:style>
+          <a:lnRef idx="1">
+            <a:schemeClr val="accent1"/>
+          </a:lnRef>
+          <a:fillRef idx="0">
+            <a:schemeClr val="accent1"/>
+          </a:fillRef>
+          <a:effectRef idx="0">
+            <a:schemeClr val="accent1"/>
+          </a:effectRef>
+          <a:fontRef idx="minor">
+            <a:schemeClr val="tx1"/>
+          </a:fontRef>
+        </p:style>
+      </p:cxnSp>
+      <p:cxnSp>
+        <p:nvCxnSpPr>
+          <p:cNvPr id="54" name="직선 화살표 연결선 53">
+            <a:extLst>
+              <a:ext uri="{FF2B5EF4-FFF2-40B4-BE49-F238E27FC236}">
+                <a16:creationId xmlns:a16="http://schemas.microsoft.com/office/drawing/2014/main" id="{0325ECB8-2762-1544-0C6D-CE8C67F9ADDB}"/>
+              </a:ext>
+            </a:extLst>
+          </p:cNvPr>
+          <p:cNvCxnSpPr>
+            <a:cxnSpLocks/>
+            <a:stCxn id="6" idx="2"/>
+            <a:endCxn id="21" idx="0"/>
+          </p:cNvCxnSpPr>
+          <p:nvPr/>
+        </p:nvCxnSpPr>
+        <p:spPr>
+          <a:xfrm flipH="1">
+            <a:off x="8206226" y="3187224"/>
+            <a:ext cx="906603" cy="2220110"/>
+          </a:xfrm>
+          <a:prstGeom prst="straightConnector1">
+            <a:avLst/>
+          </a:prstGeom>
+          <a:ln w="38100">
+            <a:solidFill>
+              <a:schemeClr val="tx1"/>
+            </a:solidFill>
+            <a:headEnd type="triangle"/>
+            <a:tailEnd type="none"/>
+          </a:ln>
+        </p:spPr>
+        <p:style>
+          <a:lnRef idx="1">
+            <a:schemeClr val="accent1"/>
+          </a:lnRef>
+          <a:fillRef idx="0">
+            <a:schemeClr val="accent1"/>
+          </a:fillRef>
+          <a:effectRef idx="0">
+            <a:schemeClr val="accent1"/>
+          </a:effectRef>
+          <a:fontRef idx="minor">
+            <a:schemeClr val="tx1"/>
+          </a:fontRef>
+        </p:style>
+      </p:cxnSp>
+      <p:sp>
+        <p:nvSpPr>
+          <p:cNvPr id="51" name="TextBox 50">
+            <a:extLst>
+              <a:ext uri="{FF2B5EF4-FFF2-40B4-BE49-F238E27FC236}">
+                <a16:creationId xmlns:a16="http://schemas.microsoft.com/office/drawing/2014/main" id="{B05CEC64-F9C8-5CCB-803D-9DDE7641C1FF}"/>
+              </a:ext>
+            </a:extLst>
+          </p:cNvPr>
+          <p:cNvSpPr txBox="1"/>
+          <p:nvPr/>
+        </p:nvSpPr>
+        <p:spPr>
+          <a:xfrm>
+            <a:off x="1110088" y="846260"/>
+            <a:ext cx="3448047" cy="523220"/>
+          </a:xfrm>
+          <a:prstGeom prst="rect">
+            <a:avLst/>
+          </a:prstGeom>
+          <a:noFill/>
+        </p:spPr>
+        <p:txBody>
+          <a:bodyPr wrap="square" rtlCol="0">
+            <a:spAutoFit/>
+          </a:bodyPr>
+          <a:lstStyle/>
+          <a:p>
+            <a:r>
+              <a:rPr lang="en-US" altLang="ko-KR" sz="2800" dirty="0">
+                <a:highlight>
+                  <a:srgbClr val="FFFF00"/>
+                </a:highlight>
+              </a:rPr>
+              <a:t>Between Analysis</a:t>
+            </a:r>
+            <a:r>
+              <a:rPr lang="en-US" altLang="ko-KR" sz="2800" dirty="0">
+                <a:sym typeface="Wingdings" panose="05000000000000000000" pitchFamily="2" charset="2"/>
+              </a:rPr>
+              <a:t> </a:t>
+            </a:r>
+            <a:endParaRPr lang="ko-KR" altLang="en-US" sz="2800" dirty="0"/>
+          </a:p>
+        </p:txBody>
+      </p:sp>
+    </p:spTree>
+    <p:extLst>
+      <p:ext uri="{BB962C8B-B14F-4D97-AF65-F5344CB8AC3E}">
+        <p14:creationId xmlns:p14="http://schemas.microsoft.com/office/powerpoint/2010/main" val="3229919337"/>
+      </p:ext>
+    </p:extLst>
+  </p:cSld>
+  <p:clrMapOvr>
+    <a:masterClrMapping/>
+  </p:clrMapOvr>
+</p:sld>
+</file>
+
+<file path=ppt/slides/slide3.xml><?xml version="1.0" encoding="utf-8"?>
+<p:sld xmlns:a="http://schemas.openxmlformats.org/drawingml/2006/main" xmlns:r="http://schemas.openxmlformats.org/officeDocument/2006/relationships" xmlns:p="http://schemas.openxmlformats.org/presentationml/2006/main">
+  <p:cSld>
+    <p:spTree>
+      <p:nvGrpSpPr>
+        <p:cNvPr id="1" name=""/>
+        <p:cNvGrpSpPr/>
+        <p:nvPr/>
+      </p:nvGrpSpPr>
+      <p:grpSpPr>
+        <a:xfrm>
+          <a:off x="0" y="0"/>
+          <a:ext cx="0" cy="0"/>
+          <a:chOff x="0" y="0"/>
+          <a:chExt cx="0" cy="0"/>
+        </a:xfrm>
+      </p:grpSpPr>
+      <p:sp>
+        <p:nvSpPr>
+          <p:cNvPr id="4" name="직사각형 3">
+            <a:extLst>
+              <a:ext uri="{FF2B5EF4-FFF2-40B4-BE49-F238E27FC236}">
+                <a16:creationId xmlns:a16="http://schemas.microsoft.com/office/drawing/2014/main" id="{B15E4F01-5943-3203-F528-15C47CB549BA}"/>
+              </a:ext>
+            </a:extLst>
+          </p:cNvPr>
+          <p:cNvSpPr/>
+          <p:nvPr/>
+        </p:nvSpPr>
+        <p:spPr>
+          <a:xfrm>
+            <a:off x="1868706" y="2117689"/>
+            <a:ext cx="2650907" cy="1612971"/>
+          </a:xfrm>
+          <a:prstGeom prst="rect">
+            <a:avLst/>
+          </a:prstGeom>
+          <a:solidFill>
+            <a:schemeClr val="accent3">
+              <a:lumMod val="20000"/>
+              <a:lumOff val="80000"/>
+            </a:schemeClr>
+          </a:solidFill>
+          <a:ln w="57150">
+            <a:solidFill>
+              <a:schemeClr val="accent6"/>
+            </a:solidFill>
+          </a:ln>
+        </p:spPr>
+        <p:style>
+          <a:lnRef idx="2">
+            <a:schemeClr val="accent1">
+              <a:shade val="50000"/>
+            </a:schemeClr>
+          </a:lnRef>
+          <a:fillRef idx="1">
+            <a:schemeClr val="accent1"/>
+          </a:fillRef>
+          <a:effectRef idx="0">
+            <a:schemeClr val="accent1"/>
+          </a:effectRef>
+          <a:fontRef idx="minor">
+            <a:schemeClr val="lt1"/>
+          </a:fontRef>
+        </p:style>
+        <p:txBody>
+          <a:bodyPr rtlCol="0" anchor="ctr"/>
+          <a:lstStyle/>
+          <a:p>
+            <a:pPr algn="ctr"/>
+            <a:r>
+              <a:rPr lang="en-US" altLang="ko-KR" sz="3200" dirty="0">
+                <a:solidFill>
+                  <a:schemeClr val="tx1"/>
+                </a:solidFill>
+              </a:rPr>
+              <a:t>X</a:t>
+            </a:r>
+            <a:br>
+              <a:rPr lang="en-US" altLang="ko-KR" sz="3200" dirty="0">
+                <a:solidFill>
+                  <a:schemeClr val="tx1"/>
+                </a:solidFill>
+              </a:rPr>
+            </a:br>
+            <a:r>
+              <a:rPr lang="en-US" altLang="ko-KR" dirty="0">
+                <a:solidFill>
+                  <a:schemeClr val="tx1"/>
+                </a:solidFill>
+              </a:rPr>
+              <a:t>(</a:t>
+            </a:r>
+            <a:r>
+              <a:rPr lang="ko-KR" altLang="en-US" dirty="0">
+                <a:solidFill>
+                  <a:schemeClr val="tx1"/>
+                </a:solidFill>
+              </a:rPr>
+              <a:t>한 </a:t>
+            </a:r>
+            <a:r>
+              <a:rPr lang="ko-KR" altLang="en-US" dirty="0" err="1">
+                <a:solidFill>
+                  <a:schemeClr val="tx1"/>
+                </a:solidFill>
+              </a:rPr>
+              <a:t>달간의</a:t>
+            </a:r>
+            <a:r>
+              <a:rPr lang="ko-KR" altLang="en-US" dirty="0">
+                <a:solidFill>
+                  <a:schemeClr val="tx1"/>
+                </a:solidFill>
+              </a:rPr>
+              <a:t> 총 학습 시간</a:t>
+            </a:r>
+            <a:r>
+              <a:rPr lang="en-US" altLang="ko-KR" dirty="0">
+                <a:solidFill>
+                  <a:schemeClr val="tx1"/>
+                </a:solidFill>
+              </a:rPr>
+              <a:t>)</a:t>
+            </a:r>
+            <a:endParaRPr lang="ko-KR" altLang="en-US" sz="3200" dirty="0">
+              <a:solidFill>
+                <a:schemeClr val="tx1"/>
+              </a:solidFill>
+            </a:endParaRPr>
+          </a:p>
+        </p:txBody>
+      </p:sp>
+      <p:sp>
+        <p:nvSpPr>
+          <p:cNvPr id="6" name="사각형: 둥근 모서리 5">
+            <a:extLst>
+              <a:ext uri="{FF2B5EF4-FFF2-40B4-BE49-F238E27FC236}">
+                <a16:creationId xmlns:a16="http://schemas.microsoft.com/office/drawing/2014/main" id="{49EF5BEA-3C73-9040-B52E-366C3A7806CF}"/>
+              </a:ext>
+            </a:extLst>
+          </p:cNvPr>
+          <p:cNvSpPr/>
+          <p:nvPr/>
+        </p:nvSpPr>
+        <p:spPr>
+          <a:xfrm>
+            <a:off x="7081837" y="2085974"/>
+            <a:ext cx="2938463" cy="1676402"/>
+          </a:xfrm>
+          <a:prstGeom prst="roundRect">
+            <a:avLst/>
+          </a:prstGeom>
+          <a:solidFill>
+            <a:schemeClr val="bg1">
+              <a:lumMod val="85000"/>
+            </a:schemeClr>
+          </a:solidFill>
+          <a:ln w="38100">
+            <a:solidFill>
+              <a:srgbClr val="FF0000"/>
+            </a:solidFill>
+          </a:ln>
+        </p:spPr>
+        <p:style>
+          <a:lnRef idx="2">
+            <a:schemeClr val="accent1">
+              <a:shade val="50000"/>
+            </a:schemeClr>
+          </a:lnRef>
+          <a:fillRef idx="1">
+            <a:schemeClr val="accent1"/>
+          </a:fillRef>
+          <a:effectRef idx="0">
+            <a:schemeClr val="accent1"/>
+          </a:effectRef>
+          <a:fontRef idx="minor">
+            <a:schemeClr val="lt1"/>
+          </a:fontRef>
+        </p:style>
+        <p:txBody>
+          <a:bodyPr rtlCol="0" anchor="ctr"/>
+          <a:lstStyle/>
+          <a:p>
+            <a:pPr algn="ctr"/>
+            <a:r>
+              <a:rPr lang="en-US" altLang="ko-KR" sz="3200" dirty="0">
+                <a:solidFill>
+                  <a:schemeClr val="tx1"/>
+                </a:solidFill>
+              </a:rPr>
+              <a:t>Y</a:t>
+            </a:r>
+            <a:br>
+              <a:rPr lang="en-US" altLang="ko-KR" sz="2800" dirty="0">
+                <a:solidFill>
+                  <a:schemeClr val="tx1"/>
+                </a:solidFill>
+              </a:rPr>
+            </a:br>
+            <a:r>
+              <a:rPr lang="en-US" altLang="ko-KR" dirty="0">
+                <a:solidFill>
+                  <a:schemeClr val="tx1"/>
+                </a:solidFill>
+              </a:rPr>
+              <a:t>(</a:t>
+            </a:r>
+            <a:r>
+              <a:rPr lang="ko-KR" altLang="en-US" dirty="0">
+                <a:solidFill>
+                  <a:schemeClr val="tx1"/>
+                </a:solidFill>
+              </a:rPr>
+              <a:t>학업성취도</a:t>
+            </a:r>
+            <a:r>
+              <a:rPr lang="en-US" altLang="ko-KR" dirty="0">
+                <a:solidFill>
+                  <a:schemeClr val="tx1"/>
+                </a:solidFill>
+              </a:rPr>
+              <a:t>)</a:t>
+            </a:r>
+            <a:endParaRPr lang="ko-KR" altLang="en-US" dirty="0">
+              <a:solidFill>
+                <a:schemeClr val="tx1"/>
+              </a:solidFill>
+            </a:endParaRPr>
+          </a:p>
+        </p:txBody>
+      </p:sp>
+      <p:cxnSp>
+        <p:nvCxnSpPr>
+          <p:cNvPr id="8" name="직선 화살표 연결선 7">
+            <a:extLst>
+              <a:ext uri="{FF2B5EF4-FFF2-40B4-BE49-F238E27FC236}">
+                <a16:creationId xmlns:a16="http://schemas.microsoft.com/office/drawing/2014/main" id="{5E7D1D41-064F-6D4A-C257-6D02E3491F77}"/>
+              </a:ext>
+            </a:extLst>
+          </p:cNvPr>
+          <p:cNvCxnSpPr>
+            <a:stCxn id="4" idx="3"/>
+            <a:endCxn id="6" idx="1"/>
+          </p:cNvCxnSpPr>
+          <p:nvPr/>
+        </p:nvCxnSpPr>
+        <p:spPr>
+          <a:xfrm>
+            <a:off x="4519613" y="2924175"/>
+            <a:ext cx="2562224" cy="0"/>
+          </a:xfrm>
+          <a:prstGeom prst="straightConnector1">
+            <a:avLst/>
+          </a:prstGeom>
+          <a:ln w="38100">
+            <a:solidFill>
+              <a:schemeClr val="tx1"/>
+            </a:solidFill>
+            <a:tailEnd type="triangle"/>
+          </a:ln>
+        </p:spPr>
+        <p:style>
+          <a:lnRef idx="1">
+            <a:schemeClr val="accent1"/>
+          </a:lnRef>
+          <a:fillRef idx="0">
+            <a:schemeClr val="accent1"/>
+          </a:fillRef>
+          <a:effectRef idx="0">
+            <a:schemeClr val="accent1"/>
+          </a:effectRef>
+          <a:fontRef idx="minor">
+            <a:schemeClr val="tx1"/>
+          </a:fontRef>
+        </p:style>
+      </p:cxnSp>
+      <p:sp>
+        <p:nvSpPr>
+          <p:cNvPr id="13" name="화살표: 원형 12">
+            <a:extLst>
+              <a:ext uri="{FF2B5EF4-FFF2-40B4-BE49-F238E27FC236}">
+                <a16:creationId xmlns:a16="http://schemas.microsoft.com/office/drawing/2014/main" id="{E4F85866-9F5E-569E-5981-CD6FD3353980}"/>
+              </a:ext>
+            </a:extLst>
+          </p:cNvPr>
+          <p:cNvSpPr/>
+          <p:nvPr/>
+        </p:nvSpPr>
+        <p:spPr>
+          <a:xfrm>
+            <a:off x="8370093" y="1600200"/>
+            <a:ext cx="345282" cy="771525"/>
+          </a:xfrm>
+          <a:prstGeom prst="circularArrow">
+            <a:avLst/>
+          </a:prstGeom>
+          <a:solidFill>
+            <a:srgbClr val="FF0000"/>
+          </a:solidFill>
+          <a:ln>
+            <a:noFill/>
+          </a:ln>
+        </p:spPr>
+        <p:style>
+          <a:lnRef idx="2">
+            <a:schemeClr val="accent1">
+              <a:shade val="50000"/>
+            </a:schemeClr>
+          </a:lnRef>
+          <a:fillRef idx="1">
+            <a:schemeClr val="accent1"/>
+          </a:fillRef>
+          <a:effectRef idx="0">
+            <a:schemeClr val="accent1"/>
+          </a:effectRef>
+          <a:fontRef idx="minor">
+            <a:schemeClr val="lt1"/>
+          </a:fontRef>
+        </p:style>
+        <p:txBody>
+          <a:bodyPr rtlCol="0" anchor="ctr"/>
+          <a:lstStyle/>
+          <a:p>
+            <a:pPr algn="ctr"/>
+            <a:endParaRPr lang="ko-KR" altLang="en-US">
+              <a:solidFill>
+                <a:schemeClr val="tx1"/>
+              </a:solidFill>
+            </a:endParaRPr>
+          </a:p>
+        </p:txBody>
+      </p:sp>
+      <mc:AlternateContent xmlns:mc="http://schemas.openxmlformats.org/markup-compatibility/2006" xmlns:a14="http://schemas.microsoft.com/office/drawing/2010/main">
+        <mc:Choice Requires="a14">
+          <p:sp>
+            <p:nvSpPr>
+              <p:cNvPr id="17" name="TextBox 16">
+                <a:extLst>
+                  <a:ext uri="{FF2B5EF4-FFF2-40B4-BE49-F238E27FC236}">
+                    <a16:creationId xmlns:a16="http://schemas.microsoft.com/office/drawing/2014/main" id="{64E31F38-709D-F23E-693F-2F1593EEA72C}"/>
+                  </a:ext>
+                </a:extLst>
+              </p:cNvPr>
+              <p:cNvSpPr txBox="1"/>
+              <p:nvPr/>
+            </p:nvSpPr>
+            <p:spPr>
+              <a:xfrm>
+                <a:off x="5434012" y="3065808"/>
+                <a:ext cx="733425" cy="523220"/>
+              </a:xfrm>
+              <a:prstGeom prst="rect">
+                <a:avLst/>
+              </a:prstGeom>
+              <a:noFill/>
+            </p:spPr>
+            <p:txBody>
+              <a:bodyPr wrap="square">
+                <a:spAutoFit/>
+              </a:bodyPr>
+              <a:lstStyle/>
+              <a:p>
+                <a:pPr/>
+                <a14:m>
+                  <m:oMathPara xmlns:m="http://schemas.openxmlformats.org/officeDocument/2006/math">
+                    <m:oMathParaPr>
+                      <m:jc m:val="centerGroup"/>
+                    </m:oMathParaPr>
+                    <m:oMath xmlns:m="http://schemas.openxmlformats.org/officeDocument/2006/math">
+                      <m:sSub>
+                        <m:sSubPr>
+                          <m:ctrlPr>
+                            <a:rPr lang="en-US" altLang="ko-KR" sz="2800" b="0" i="1" smtClean="0">
+                              <a:latin typeface="Cambria Math" panose="02040503050406030204" pitchFamily="18" charset="0"/>
+                            </a:rPr>
+                          </m:ctrlPr>
+                        </m:sSubPr>
+                        <m:e>
+                          <m:r>
+                            <a:rPr lang="ko-KR" altLang="en-US" sz="2800" i="1" smtClean="0">
+                              <a:latin typeface="Cambria Math" panose="02040503050406030204" pitchFamily="18" charset="0"/>
+                            </a:rPr>
+                            <m:t>𝛽</m:t>
+                          </m:r>
+                        </m:e>
+                        <m:sub>
+                          <m:r>
+                            <a:rPr lang="en-US" altLang="ko-KR" sz="2800" b="0" i="1" smtClean="0">
+                              <a:latin typeface="Cambria Math" panose="02040503050406030204" pitchFamily="18" charset="0"/>
+                            </a:rPr>
+                            <m:t>1</m:t>
+                          </m:r>
+                        </m:sub>
+                      </m:sSub>
+                    </m:oMath>
+                  </m:oMathPara>
+                </a14:m>
+                <a:endParaRPr lang="en-US" altLang="ko-KR" sz="2800" b="0" dirty="0"/>
+              </a:p>
+            </p:txBody>
+          </p:sp>
+        </mc:Choice>
+        <mc:Fallback xmlns="">
+          <p:sp>
+            <p:nvSpPr>
+              <p:cNvPr id="17" name="TextBox 16">
+                <a:extLst>
+                  <a:ext uri="{FF2B5EF4-FFF2-40B4-BE49-F238E27FC236}">
+                    <a16:creationId xmlns:a16="http://schemas.microsoft.com/office/drawing/2014/main" id="{64E31F38-709D-F23E-693F-2F1593EEA72C}"/>
+                  </a:ext>
+                </a:extLst>
+              </p:cNvPr>
+              <p:cNvSpPr txBox="1">
+                <a:spLocks noRot="1" noChangeAspect="1" noMove="1" noResize="1" noEditPoints="1" noAdjustHandles="1" noChangeArrowheads="1" noChangeShapeType="1" noTextEdit="1"/>
+              </p:cNvSpPr>
+              <p:nvPr/>
+            </p:nvSpPr>
+            <p:spPr>
+              <a:xfrm>
+                <a:off x="5434012" y="3065808"/>
+                <a:ext cx="733425" cy="523220"/>
+              </a:xfrm>
+              <a:prstGeom prst="rect">
+                <a:avLst/>
+              </a:prstGeom>
+              <a:blipFill>
+                <a:blip r:embed="rId2"/>
+                <a:stretch>
+                  <a:fillRect/>
+                </a:stretch>
+              </a:blipFill>
+            </p:spPr>
+            <p:txBody>
+              <a:bodyPr/>
+              <a:lstStyle/>
+              <a:p>
+                <a:r>
+                  <a:rPr lang="ko-KR" altLang="en-US">
+                    <a:noFill/>
+                  </a:rPr>
+                  <a:t> </a:t>
+                </a:r>
+              </a:p>
+            </p:txBody>
+          </p:sp>
+        </mc:Fallback>
+      </mc:AlternateContent>
+      <p:sp>
+        <p:nvSpPr>
+          <p:cNvPr id="18" name="TextBox 17">
+            <a:extLst>
+              <a:ext uri="{FF2B5EF4-FFF2-40B4-BE49-F238E27FC236}">
+                <a16:creationId xmlns:a16="http://schemas.microsoft.com/office/drawing/2014/main" id="{1578B20B-6856-E85E-9D96-10572B7650F5}"/>
+              </a:ext>
+            </a:extLst>
+          </p:cNvPr>
+          <p:cNvSpPr txBox="1"/>
+          <p:nvPr/>
+        </p:nvSpPr>
+        <p:spPr>
+          <a:xfrm>
+            <a:off x="7452121" y="1073706"/>
+            <a:ext cx="2526508" cy="369332"/>
+          </a:xfrm>
+          <a:prstGeom prst="rect">
+            <a:avLst/>
+          </a:prstGeom>
+          <a:noFill/>
+        </p:spPr>
+        <p:txBody>
+          <a:bodyPr wrap="square">
+            <a:spAutoFit/>
+          </a:bodyPr>
+          <a:lstStyle/>
+          <a:p>
+            <a:r>
+              <a:rPr lang="en-US" altLang="ko-KR" b="0" dirty="0"/>
+              <a:t>E(</a:t>
+            </a:r>
+            <a:r>
+              <a:rPr lang="ko-KR" altLang="en-US" b="0" dirty="0"/>
+              <a:t>오차</a:t>
+            </a:r>
+            <a:r>
+              <a:rPr lang="en-US" altLang="ko-KR" b="0" dirty="0"/>
+              <a:t>, </a:t>
+            </a:r>
+            <a:r>
+              <a:rPr lang="ko-KR" altLang="en-US" b="0" dirty="0"/>
+              <a:t>기타요인들</a:t>
+            </a:r>
+            <a:r>
+              <a:rPr lang="en-US" altLang="ko-KR" b="0" dirty="0"/>
+              <a:t>)</a:t>
+            </a:r>
+          </a:p>
+        </p:txBody>
+      </p:sp>
+      <mc:AlternateContent xmlns:mc="http://schemas.openxmlformats.org/markup-compatibility/2006" xmlns:a14="http://schemas.microsoft.com/office/drawing/2010/main">
+        <mc:Choice Requires="a14">
+          <p:sp>
+            <p:nvSpPr>
+              <p:cNvPr id="19" name="TextBox 18">
+                <a:extLst>
+                  <a:ext uri="{FF2B5EF4-FFF2-40B4-BE49-F238E27FC236}">
+                    <a16:creationId xmlns:a16="http://schemas.microsoft.com/office/drawing/2014/main" id="{025C00A8-A11A-474F-2006-CB2C2CB249B5}"/>
+                  </a:ext>
+                </a:extLst>
+              </p:cNvPr>
+              <p:cNvSpPr txBox="1"/>
+              <p:nvPr/>
+            </p:nvSpPr>
+            <p:spPr>
+              <a:xfrm>
+                <a:off x="2219324" y="4004142"/>
+                <a:ext cx="7162800" cy="584775"/>
+              </a:xfrm>
+              <a:prstGeom prst="rect">
+                <a:avLst/>
+              </a:prstGeom>
+              <a:noFill/>
+            </p:spPr>
+            <p:txBody>
+              <a:bodyPr wrap="square" rtlCol="0">
+                <a:spAutoFit/>
+              </a:bodyPr>
+              <a:lstStyle/>
+              <a:p>
+                <a:pPr/>
+                <a14:m>
+                  <m:oMathPara xmlns:m="http://schemas.openxmlformats.org/officeDocument/2006/math">
+                    <m:oMathParaPr>
+                      <m:jc m:val="centerGroup"/>
+                    </m:oMathParaPr>
+                    <m:oMath xmlns:m="http://schemas.openxmlformats.org/officeDocument/2006/math">
+                      <m:r>
+                        <a:rPr lang="en-US" altLang="ko-KR" sz="3200" b="0" i="1" smtClean="0">
+                          <a:latin typeface="Cambria Math" panose="02040503050406030204" pitchFamily="18" charset="0"/>
+                        </a:rPr>
+                        <m:t>𝑌</m:t>
+                      </m:r>
+                      <m:r>
+                        <a:rPr lang="en-US" altLang="ko-KR" sz="3200" b="0" i="1" smtClean="0">
+                          <a:latin typeface="Cambria Math" panose="02040503050406030204" pitchFamily="18" charset="0"/>
+                        </a:rPr>
+                        <m:t>=</m:t>
+                      </m:r>
+                      <m:sSub>
+                        <m:sSubPr>
+                          <m:ctrlPr>
+                            <a:rPr lang="en-US" altLang="ko-KR" sz="3200" b="0" i="1" smtClean="0">
+                              <a:latin typeface="Cambria Math" panose="02040503050406030204" pitchFamily="18" charset="0"/>
+                            </a:rPr>
+                          </m:ctrlPr>
+                        </m:sSubPr>
+                        <m:e>
+                          <m:r>
+                            <a:rPr lang="en-US" altLang="ko-KR" sz="3200" b="0" i="1" smtClean="0">
+                              <a:latin typeface="Cambria Math" panose="02040503050406030204" pitchFamily="18" charset="0"/>
+                            </a:rPr>
+                            <m:t>𝛽</m:t>
+                          </m:r>
+                        </m:e>
+                        <m:sub>
+                          <m:r>
+                            <a:rPr lang="en-US" altLang="ko-KR" sz="3200" b="0" i="1" smtClean="0">
+                              <a:latin typeface="Cambria Math" panose="02040503050406030204" pitchFamily="18" charset="0"/>
+                            </a:rPr>
+                            <m:t>0</m:t>
+                          </m:r>
+                        </m:sub>
+                      </m:sSub>
+                      <m:r>
+                        <a:rPr lang="en-US" altLang="ko-KR" sz="3200" b="0" i="1" smtClean="0">
+                          <a:latin typeface="Cambria Math" panose="02040503050406030204" pitchFamily="18" charset="0"/>
+                        </a:rPr>
+                        <m:t>+</m:t>
+                      </m:r>
+                      <m:sSub>
+                        <m:sSubPr>
+                          <m:ctrlPr>
+                            <a:rPr lang="en-US" altLang="ko-KR" sz="3200" b="0" i="1" smtClean="0">
+                              <a:latin typeface="Cambria Math" panose="02040503050406030204" pitchFamily="18" charset="0"/>
+                            </a:rPr>
+                          </m:ctrlPr>
+                        </m:sSubPr>
+                        <m:e>
+                          <m:r>
+                            <a:rPr lang="en-US" altLang="ko-KR" sz="3200" b="0" i="1" smtClean="0">
+                              <a:latin typeface="Cambria Math" panose="02040503050406030204" pitchFamily="18" charset="0"/>
+                            </a:rPr>
+                            <m:t>𝛽</m:t>
+                          </m:r>
+                        </m:e>
+                        <m:sub>
+                          <m:r>
+                            <a:rPr lang="en-US" altLang="ko-KR" sz="3200" b="0" i="1" smtClean="0">
+                              <a:latin typeface="Cambria Math" panose="02040503050406030204" pitchFamily="18" charset="0"/>
+                            </a:rPr>
+                            <m:t>1</m:t>
+                          </m:r>
+                        </m:sub>
+                      </m:sSub>
+                      <m:r>
+                        <a:rPr lang="en-US" altLang="ko-KR" sz="3200" b="0" i="1" smtClean="0">
+                          <a:latin typeface="Cambria Math" panose="02040503050406030204" pitchFamily="18" charset="0"/>
+                        </a:rPr>
+                        <m:t>𝑋</m:t>
+                      </m:r>
+                      <m:r>
+                        <a:rPr lang="en-US" altLang="ko-KR" sz="3200" b="0" i="1" smtClean="0">
+                          <a:latin typeface="Cambria Math" panose="02040503050406030204" pitchFamily="18" charset="0"/>
+                        </a:rPr>
+                        <m:t>+</m:t>
+                      </m:r>
+                      <m:sSub>
+                        <m:sSubPr>
+                          <m:ctrlPr>
+                            <a:rPr lang="en-US" altLang="ko-KR" sz="3200" b="0" i="1" smtClean="0">
+                              <a:latin typeface="Cambria Math" panose="02040503050406030204" pitchFamily="18" charset="0"/>
+                            </a:rPr>
+                          </m:ctrlPr>
+                        </m:sSubPr>
+                        <m:e>
+                          <m:r>
+                            <a:rPr lang="en-US" altLang="ko-KR" sz="3200" b="0" i="1" smtClean="0">
+                              <a:latin typeface="Cambria Math" panose="02040503050406030204" pitchFamily="18" charset="0"/>
+                            </a:rPr>
+                            <m:t>𝜖</m:t>
+                          </m:r>
+                        </m:e>
+                        <m:sub>
+                          <m:r>
+                            <a:rPr lang="en-US" altLang="ko-KR" sz="3200" b="0" i="1" smtClean="0">
+                              <a:latin typeface="Cambria Math" panose="02040503050406030204" pitchFamily="18" charset="0"/>
+                            </a:rPr>
+                            <m:t>𝑖</m:t>
+                          </m:r>
+                        </m:sub>
+                      </m:sSub>
+                      <m:r>
+                        <a:rPr lang="en-US" altLang="ko-KR" sz="3200" b="0" i="0" smtClean="0">
+                          <a:latin typeface="Cambria Math" panose="02040503050406030204" pitchFamily="18" charset="0"/>
+                        </a:rPr>
+                        <m:t>,  </m:t>
+                      </m:r>
+                      <m:r>
+                        <a:rPr lang="en-US" altLang="ko-KR" sz="3200" b="0" i="1" smtClean="0">
+                          <a:latin typeface="Cambria Math" panose="02040503050406030204" pitchFamily="18" charset="0"/>
+                        </a:rPr>
+                        <m:t>𝜖</m:t>
+                      </m:r>
+                      <m:r>
+                        <a:rPr lang="en-US" altLang="ko-KR" sz="3200" b="0" i="1" smtClean="0">
+                          <a:latin typeface="Cambria Math" panose="02040503050406030204" pitchFamily="18" charset="0"/>
+                        </a:rPr>
+                        <m:t>∼</m:t>
+                      </m:r>
+                      <m:r>
+                        <a:rPr lang="en-US" altLang="ko-KR" sz="3200" b="0" i="1" smtClean="0">
+                          <a:latin typeface="Cambria Math" panose="02040503050406030204" pitchFamily="18" charset="0"/>
+                        </a:rPr>
+                        <m:t>𝑁</m:t>
+                      </m:r>
+                      <m:d>
+                        <m:dPr>
+                          <m:ctrlPr>
+                            <a:rPr lang="en-US" altLang="ko-KR" sz="3200" b="0" i="1" smtClean="0">
+                              <a:latin typeface="Cambria Math" panose="02040503050406030204" pitchFamily="18" charset="0"/>
+                            </a:rPr>
+                          </m:ctrlPr>
+                        </m:dPr>
+                        <m:e>
+                          <m:r>
+                            <a:rPr lang="en-US" altLang="ko-KR" sz="3200" b="0" i="1" smtClean="0">
+                              <a:latin typeface="Cambria Math" panose="02040503050406030204" pitchFamily="18" charset="0"/>
+                            </a:rPr>
+                            <m:t>0,</m:t>
+                          </m:r>
+                          <m:sSup>
+                            <m:sSupPr>
+                              <m:ctrlPr>
+                                <a:rPr lang="en-US" altLang="ko-KR" sz="3200" b="0" i="1" smtClean="0">
+                                  <a:latin typeface="Cambria Math" panose="02040503050406030204" pitchFamily="18" charset="0"/>
+                                </a:rPr>
+                              </m:ctrlPr>
+                            </m:sSupPr>
+                            <m:e>
+                              <m:r>
+                                <a:rPr lang="en-US" altLang="ko-KR" sz="3200" b="0" i="1" smtClean="0">
+                                  <a:latin typeface="Cambria Math" panose="02040503050406030204" pitchFamily="18" charset="0"/>
+                                </a:rPr>
+                                <m:t>𝜎</m:t>
+                              </m:r>
+                            </m:e>
+                            <m:sup>
+                              <m:r>
+                                <a:rPr lang="en-US" altLang="ko-KR" sz="3200" b="0" i="1" smtClean="0">
+                                  <a:latin typeface="Cambria Math" panose="02040503050406030204" pitchFamily="18" charset="0"/>
+                                </a:rPr>
+                                <m:t>2</m:t>
+                              </m:r>
+                            </m:sup>
+                          </m:sSup>
+                        </m:e>
+                      </m:d>
+                    </m:oMath>
+                  </m:oMathPara>
+                </a14:m>
+                <a:endParaRPr lang="en-US" altLang="ko-KR" sz="3200" b="0" dirty="0"/>
+              </a:p>
+            </p:txBody>
+          </p:sp>
+        </mc:Choice>
+        <mc:Fallback xmlns="">
+          <p:sp>
+            <p:nvSpPr>
+              <p:cNvPr id="19" name="TextBox 18">
+                <a:extLst>
+                  <a:ext uri="{FF2B5EF4-FFF2-40B4-BE49-F238E27FC236}">
+                    <a16:creationId xmlns:a16="http://schemas.microsoft.com/office/drawing/2014/main" id="{025C00A8-A11A-474F-2006-CB2C2CB249B5}"/>
+                  </a:ext>
+                </a:extLst>
+              </p:cNvPr>
+              <p:cNvSpPr txBox="1">
+                <a:spLocks noRot="1" noChangeAspect="1" noMove="1" noResize="1" noEditPoints="1" noAdjustHandles="1" noChangeArrowheads="1" noChangeShapeType="1" noTextEdit="1"/>
+              </p:cNvSpPr>
+              <p:nvPr/>
+            </p:nvSpPr>
+            <p:spPr>
+              <a:xfrm>
+                <a:off x="2219324" y="4004142"/>
+                <a:ext cx="7162800" cy="584775"/>
+              </a:xfrm>
+              <a:prstGeom prst="rect">
+                <a:avLst/>
+              </a:prstGeom>
+              <a:blipFill>
+                <a:blip r:embed="rId3"/>
+                <a:stretch>
+                  <a:fillRect/>
+                </a:stretch>
+              </a:blipFill>
+            </p:spPr>
+            <p:txBody>
+              <a:bodyPr/>
+              <a:lstStyle/>
+              <a:p>
+                <a:r>
+                  <a:rPr lang="ko-KR" altLang="en-US">
+                    <a:noFill/>
+                  </a:rPr>
+                  <a:t> </a:t>
+                </a:r>
+              </a:p>
+            </p:txBody>
+          </p:sp>
+        </mc:Fallback>
+      </mc:AlternateContent>
+    </p:spTree>
+    <p:extLst>
+      <p:ext uri="{BB962C8B-B14F-4D97-AF65-F5344CB8AC3E}">
+        <p14:creationId xmlns:p14="http://schemas.microsoft.com/office/powerpoint/2010/main" val="328693819"/>
+      </p:ext>
+    </p:extLst>
+  </p:cSld>
+  <p:clrMapOvr>
+    <a:masterClrMapping/>
+  </p:clrMapOvr>
+</p:sld>
+</file>
+
+<file path=ppt/slides/slide4.xml><?xml version="1.0" encoding="utf-8"?>
+<p:sld xmlns:a="http://schemas.openxmlformats.org/drawingml/2006/main" xmlns:r="http://schemas.openxmlformats.org/officeDocument/2006/relationships" xmlns:p="http://schemas.openxmlformats.org/presentationml/2006/main">
+  <p:cSld>
+    <p:spTree>
+      <p:nvGrpSpPr>
+        <p:cNvPr id="1" name=""/>
+        <p:cNvGrpSpPr/>
+        <p:nvPr/>
+      </p:nvGrpSpPr>
+      <p:grpSpPr>
+        <a:xfrm>
+          <a:off x="0" y="0"/>
+          <a:ext cx="0" cy="0"/>
+          <a:chOff x="0" y="0"/>
+          <a:chExt cx="0" cy="0"/>
+        </a:xfrm>
+      </p:grpSpPr>
+      <p:pic>
+        <p:nvPicPr>
+          <p:cNvPr id="7" name="그림 6">
+            <a:extLst>
+              <a:ext uri="{FF2B5EF4-FFF2-40B4-BE49-F238E27FC236}">
+                <a16:creationId xmlns:a16="http://schemas.microsoft.com/office/drawing/2014/main" id="{D7B170F0-E28E-2D5F-C189-2E346F41C001}"/>
+              </a:ext>
+            </a:extLst>
+          </p:cNvPr>
+          <p:cNvPicPr>
+            <a:picLocks noChangeAspect="1"/>
+          </p:cNvPicPr>
+          <p:nvPr/>
+        </p:nvPicPr>
+        <p:blipFill>
+          <a:blip r:embed="rId2">
+            <a:extLst>
+              <a:ext uri="{28A0092B-C50C-407E-A947-70E740481C1C}">
+                <a14:useLocalDpi xmlns:a14="http://schemas.microsoft.com/office/drawing/2010/main" val="0"/>
+              </a:ext>
+            </a:extLst>
+          </a:blip>
+          <a:stretch>
+            <a:fillRect/>
+          </a:stretch>
+        </p:blipFill>
+        <p:spPr>
+          <a:xfrm>
+            <a:off x="2667000" y="1271587"/>
+            <a:ext cx="6858000" cy="4314825"/>
+          </a:xfrm>
+          <a:prstGeom prst="rect">
+            <a:avLst/>
+          </a:prstGeom>
+        </p:spPr>
+      </p:pic>
+    </p:spTree>
+    <p:extLst>
+      <p:ext uri="{BB962C8B-B14F-4D97-AF65-F5344CB8AC3E}">
+        <p14:creationId xmlns:p14="http://schemas.microsoft.com/office/powerpoint/2010/main" val="2051611770"/>
+      </p:ext>
+    </p:extLst>
+  </p:cSld>
+  <p:clrMapOvr>
+    <a:masterClrMapping/>
+  </p:clrMapOvr>
+</p:sld>
+</file>
+
+<file path=ppt/slides/slide5.xml><?xml version="1.0" encoding="utf-8"?>
+<p:sld xmlns:a="http://schemas.openxmlformats.org/drawingml/2006/main" xmlns:r="http://schemas.openxmlformats.org/officeDocument/2006/relationships" xmlns:p="http://schemas.openxmlformats.org/presentationml/2006/main">
+  <p:cSld>
+    <p:spTree>
+      <p:nvGrpSpPr>
+        <p:cNvPr id="1" name=""/>
+        <p:cNvGrpSpPr/>
+        <p:nvPr/>
+      </p:nvGrpSpPr>
+      <p:grpSpPr>
+        <a:xfrm>
+          <a:off x="0" y="0"/>
+          <a:ext cx="0" cy="0"/>
+          <a:chOff x="0" y="0"/>
+          <a:chExt cx="0" cy="0"/>
+        </a:xfrm>
+      </p:grpSpPr>
+      <p:pic>
+        <p:nvPicPr>
+          <p:cNvPr id="5" name="그림 4">
+            <a:extLst>
+              <a:ext uri="{FF2B5EF4-FFF2-40B4-BE49-F238E27FC236}">
+                <a16:creationId xmlns:a16="http://schemas.microsoft.com/office/drawing/2014/main" id="{1A1EB88D-B7A0-C52A-2AAB-8FC76754FA88}"/>
+              </a:ext>
+            </a:extLst>
+          </p:cNvPr>
+          <p:cNvPicPr>
+            <a:picLocks noChangeAspect="1"/>
+          </p:cNvPicPr>
+          <p:nvPr/>
+        </p:nvPicPr>
+        <p:blipFill>
+          <a:blip r:embed="rId2"/>
+          <a:stretch>
+            <a:fillRect/>
+          </a:stretch>
+        </p:blipFill>
+        <p:spPr>
+          <a:xfrm>
+            <a:off x="866985" y="1199297"/>
+            <a:ext cx="6218205" cy="4595289"/>
+          </a:xfrm>
+          <a:prstGeom prst="rect">
+            <a:avLst/>
+          </a:prstGeom>
+        </p:spPr>
+      </p:pic>
+      <p:pic>
+        <p:nvPicPr>
+          <p:cNvPr id="7" name="그림 6">
+            <a:extLst>
+              <a:ext uri="{FF2B5EF4-FFF2-40B4-BE49-F238E27FC236}">
+                <a16:creationId xmlns:a16="http://schemas.microsoft.com/office/drawing/2014/main" id="{6A46480B-5CB2-BA6A-260E-BE53B75984E5}"/>
+              </a:ext>
+            </a:extLst>
+          </p:cNvPr>
+          <p:cNvPicPr>
+            <a:picLocks noChangeAspect="1"/>
+          </p:cNvPicPr>
+          <p:nvPr/>
+        </p:nvPicPr>
+        <p:blipFill>
+          <a:blip r:embed="rId3"/>
+          <a:stretch>
+            <a:fillRect/>
+          </a:stretch>
+        </p:blipFill>
+        <p:spPr>
+          <a:xfrm>
+            <a:off x="7301936" y="1522306"/>
+            <a:ext cx="4192410" cy="1346959"/>
+          </a:xfrm>
+          <a:prstGeom prst="rect">
+            <a:avLst/>
+          </a:prstGeom>
+        </p:spPr>
+      </p:pic>
+      <p:sp>
+        <p:nvSpPr>
+          <p:cNvPr id="9" name="TextBox 8">
+            <a:extLst>
+              <a:ext uri="{FF2B5EF4-FFF2-40B4-BE49-F238E27FC236}">
+                <a16:creationId xmlns:a16="http://schemas.microsoft.com/office/drawing/2014/main" id="{AED31F20-9A6C-5750-4B42-AF035FC96C25}"/>
+              </a:ext>
+            </a:extLst>
+          </p:cNvPr>
+          <p:cNvSpPr txBox="1"/>
+          <p:nvPr/>
+        </p:nvSpPr>
+        <p:spPr>
+          <a:xfrm>
+            <a:off x="8784921" y="5519501"/>
+            <a:ext cx="2870548" cy="369332"/>
+          </a:xfrm>
+          <a:prstGeom prst="rect">
+            <a:avLst/>
+          </a:prstGeom>
+          <a:noFill/>
+        </p:spPr>
+        <p:txBody>
+          <a:bodyPr wrap="square">
+            <a:spAutoFit/>
+          </a:bodyPr>
+          <a:lstStyle/>
+          <a:p>
+            <a:r>
+              <a:rPr lang="en-US" altLang="ko-KR" dirty="0"/>
+              <a:t>(</a:t>
+            </a:r>
+            <a:r>
+              <a:rPr lang="ko-KR" altLang="en-US" dirty="0"/>
+              <a:t>C</a:t>
+            </a:r>
+            <a:r>
+              <a:rPr lang="en-US" altLang="ko-KR" dirty="0"/>
+              <a:t>hen et al, 2010) AOM</a:t>
+            </a:r>
+            <a:endParaRPr lang="ko-KR" altLang="en-US" dirty="0"/>
+          </a:p>
+        </p:txBody>
+      </p:sp>
+      <p:cxnSp>
+        <p:nvCxnSpPr>
+          <p:cNvPr id="11" name="직선 화살표 연결선 10">
+            <a:extLst>
+              <a:ext uri="{FF2B5EF4-FFF2-40B4-BE49-F238E27FC236}">
+                <a16:creationId xmlns:a16="http://schemas.microsoft.com/office/drawing/2014/main" id="{37D0D8B9-096C-6DF7-A873-DDDAC53D15CA}"/>
+              </a:ext>
+            </a:extLst>
+          </p:cNvPr>
+          <p:cNvCxnSpPr/>
+          <p:nvPr/>
+        </p:nvCxnSpPr>
+        <p:spPr>
+          <a:xfrm flipV="1">
+            <a:off x="6732740" y="4202482"/>
+            <a:ext cx="1434230" cy="1002082"/>
+          </a:xfrm>
+          <a:prstGeom prst="straightConnector1">
+            <a:avLst/>
+          </a:prstGeom>
+          <a:ln>
+            <a:tailEnd type="triangle"/>
+          </a:ln>
+        </p:spPr>
+        <p:style>
+          <a:lnRef idx="1">
+            <a:schemeClr val="accent1"/>
+          </a:lnRef>
+          <a:fillRef idx="0">
+            <a:schemeClr val="accent1"/>
+          </a:fillRef>
+          <a:effectRef idx="0">
+            <a:schemeClr val="accent1"/>
+          </a:effectRef>
+          <a:fontRef idx="minor">
+            <a:schemeClr val="tx1"/>
+          </a:fontRef>
+        </p:style>
+      </p:cxnSp>
+      <p:sp>
+        <p:nvSpPr>
+          <p:cNvPr id="12" name="TextBox 11">
+            <a:extLst>
+              <a:ext uri="{FF2B5EF4-FFF2-40B4-BE49-F238E27FC236}">
+                <a16:creationId xmlns:a16="http://schemas.microsoft.com/office/drawing/2014/main" id="{10C69481-9D45-C95A-35E2-6B0B4F62E8CA}"/>
+              </a:ext>
+            </a:extLst>
+          </p:cNvPr>
+          <p:cNvSpPr txBox="1"/>
+          <p:nvPr/>
+        </p:nvSpPr>
+        <p:spPr>
+          <a:xfrm>
+            <a:off x="8348597" y="3908120"/>
+            <a:ext cx="3064330" cy="369332"/>
+          </a:xfrm>
+          <a:prstGeom prst="rect">
+            <a:avLst/>
+          </a:prstGeom>
+          <a:noFill/>
+        </p:spPr>
+        <p:txBody>
+          <a:bodyPr wrap="square" rtlCol="0">
+            <a:spAutoFit/>
+          </a:bodyPr>
+          <a:lstStyle/>
+          <a:p>
+            <a:r>
+              <a:rPr lang="en-US" altLang="ko-KR" dirty="0"/>
+              <a:t>Level-2 </a:t>
+            </a:r>
+            <a:r>
+              <a:rPr lang="ko-KR" altLang="en-US" dirty="0"/>
+              <a:t>변수의 투입에 관심</a:t>
+            </a:r>
+          </a:p>
+        </p:txBody>
+      </p:sp>
+      <p:sp>
+        <p:nvSpPr>
+          <p:cNvPr id="13" name="TextBox 12">
+            <a:extLst>
+              <a:ext uri="{FF2B5EF4-FFF2-40B4-BE49-F238E27FC236}">
+                <a16:creationId xmlns:a16="http://schemas.microsoft.com/office/drawing/2014/main" id="{1124F201-033A-67F3-B8F9-42A3FEBDD61F}"/>
+              </a:ext>
+            </a:extLst>
+          </p:cNvPr>
+          <p:cNvSpPr txBox="1"/>
+          <p:nvPr/>
+        </p:nvSpPr>
+        <p:spPr>
+          <a:xfrm>
+            <a:off x="944880" y="4202482"/>
+            <a:ext cx="1524000" cy="674318"/>
+          </a:xfrm>
+          <a:prstGeom prst="rect">
+            <a:avLst/>
+          </a:prstGeom>
+          <a:noFill/>
+          <a:ln>
+            <a:solidFill>
+              <a:schemeClr val="accent1"/>
+            </a:solidFill>
+          </a:ln>
+        </p:spPr>
+        <p:txBody>
+          <a:bodyPr wrap="square" rtlCol="0">
+            <a:spAutoFit/>
+          </a:bodyPr>
+          <a:lstStyle/>
+          <a:p>
+            <a:endParaRPr lang="ko-KR" altLang="en-US" dirty="0"/>
+          </a:p>
+        </p:txBody>
+      </p:sp>
+      <p:sp>
+        <p:nvSpPr>
+          <p:cNvPr id="14" name="TextBox 13">
+            <a:extLst>
+              <a:ext uri="{FF2B5EF4-FFF2-40B4-BE49-F238E27FC236}">
+                <a16:creationId xmlns:a16="http://schemas.microsoft.com/office/drawing/2014/main" id="{C891C132-C788-783E-6963-09F428BC3370}"/>
+              </a:ext>
+            </a:extLst>
+          </p:cNvPr>
+          <p:cNvSpPr txBox="1"/>
+          <p:nvPr/>
+        </p:nvSpPr>
+        <p:spPr>
+          <a:xfrm>
+            <a:off x="2606997" y="4278031"/>
+            <a:ext cx="1187763" cy="523220"/>
+          </a:xfrm>
+          <a:prstGeom prst="rect">
+            <a:avLst/>
+          </a:prstGeom>
+          <a:noFill/>
+        </p:spPr>
+        <p:txBody>
+          <a:bodyPr wrap="square" rtlCol="0">
+            <a:spAutoFit/>
+          </a:bodyPr>
+          <a:lstStyle/>
+          <a:p>
+            <a:r>
+              <a:rPr lang="en-US" altLang="ko-KR" sz="1400" dirty="0"/>
+              <a:t>Cross-level Interaction</a:t>
+            </a:r>
+            <a:endParaRPr lang="ko-KR" altLang="en-US" sz="1400" dirty="0"/>
+          </a:p>
+        </p:txBody>
+      </p:sp>
+    </p:spTree>
+    <p:extLst>
+      <p:ext uri="{BB962C8B-B14F-4D97-AF65-F5344CB8AC3E}">
+        <p14:creationId xmlns:p14="http://schemas.microsoft.com/office/powerpoint/2010/main" val="2969086241"/>
+      </p:ext>
+    </p:extLst>
+  </p:cSld>
+  <p:clrMapOvr>
+    <a:masterClrMapping/>
+  </p:clrMapOvr>
+</p:sld>
+</file>
+
+<file path=ppt/slides/slide6.xml><?xml version="1.0" encoding="utf-8"?>
+<p:sld xmlns:a="http://schemas.openxmlformats.org/drawingml/2006/main" xmlns:r="http://schemas.openxmlformats.org/officeDocument/2006/relationships" xmlns:p="http://schemas.openxmlformats.org/presentationml/2006/main">
+  <p:cSld>
+    <p:spTree>
+      <p:nvGrpSpPr>
+        <p:cNvPr id="1" name=""/>
+        <p:cNvGrpSpPr/>
+        <p:nvPr/>
+      </p:nvGrpSpPr>
+      <p:grpSpPr>
+        <a:xfrm>
+          <a:off x="0" y="0"/>
+          <a:ext cx="0" cy="0"/>
+          <a:chOff x="0" y="0"/>
+          <a:chExt cx="0" cy="0"/>
+        </a:xfrm>
+      </p:grpSpPr>
+      <p:pic>
+        <p:nvPicPr>
+          <p:cNvPr id="7" name="그림 6">
+            <a:extLst>
+              <a:ext uri="{FF2B5EF4-FFF2-40B4-BE49-F238E27FC236}">
+                <a16:creationId xmlns:a16="http://schemas.microsoft.com/office/drawing/2014/main" id="{DA3D668F-E631-1BC6-20B8-1B17688C6B12}"/>
+              </a:ext>
+            </a:extLst>
+          </p:cNvPr>
+          <p:cNvPicPr>
+            <a:picLocks noChangeAspect="1"/>
+          </p:cNvPicPr>
+          <p:nvPr/>
+        </p:nvPicPr>
+        <p:blipFill>
+          <a:blip r:embed="rId2"/>
+          <a:stretch>
+            <a:fillRect/>
+          </a:stretch>
+        </p:blipFill>
+        <p:spPr>
+          <a:xfrm>
+            <a:off x="1746913" y="830580"/>
+            <a:ext cx="5133664" cy="5311140"/>
+          </a:xfrm>
+          <a:prstGeom prst="rect">
+            <a:avLst/>
+          </a:prstGeom>
+        </p:spPr>
+      </p:pic>
+      <mc:AlternateContent xmlns:mc="http://schemas.openxmlformats.org/markup-compatibility/2006">
+        <mc:Choice xmlns:a14="http://schemas.microsoft.com/office/drawing/2010/main" Requires="a14">
+          <p:sp>
+            <p:nvSpPr>
+              <p:cNvPr id="10" name="TextBox 9">
+                <a:extLst>
+                  <a:ext uri="{FF2B5EF4-FFF2-40B4-BE49-F238E27FC236}">
+                    <a16:creationId xmlns:a16="http://schemas.microsoft.com/office/drawing/2014/main" id="{64B538F3-CB8E-5686-5946-7EB3A16719BC}"/>
+                  </a:ext>
+                </a:extLst>
+              </p:cNvPr>
+              <p:cNvSpPr txBox="1"/>
+              <p:nvPr/>
+            </p:nvSpPr>
+            <p:spPr>
+              <a:xfrm>
+                <a:off x="3165447" y="4988004"/>
+                <a:ext cx="1569720" cy="553998"/>
+              </a:xfrm>
+              <a:prstGeom prst="rect">
+                <a:avLst/>
+              </a:prstGeom>
+              <a:noFill/>
+            </p:spPr>
+            <p:txBody>
+              <a:bodyPr wrap="square" rtlCol="0">
+                <a:spAutoFit/>
+              </a:bodyPr>
+              <a:lstStyle/>
+              <a:p>
+                <a:r>
+                  <a:rPr lang="en-US" altLang="ko-KR" sz="1500" b="0" dirty="0"/>
+                  <a:t>L2 Intercept:</a:t>
+                </a:r>
+                <a14:m>
+                  <m:oMath xmlns:m="http://schemas.openxmlformats.org/officeDocument/2006/math">
+                    <m:sSub>
+                      <m:sSubPr>
+                        <m:ctrlPr>
+                          <a:rPr lang="en-US" altLang="ko-KR" sz="1500" b="0" i="1" smtClean="0">
+                            <a:latin typeface="Cambria Math" panose="02040503050406030204" pitchFamily="18" charset="0"/>
+                          </a:rPr>
+                        </m:ctrlPr>
+                      </m:sSubPr>
+                      <m:e>
+                        <m:r>
+                          <a:rPr lang="en-US" altLang="ko-KR" sz="1500" b="0" i="1" smtClean="0">
+                            <a:latin typeface="Cambria Math" panose="02040503050406030204" pitchFamily="18" charset="0"/>
+                          </a:rPr>
+                          <m:t> </m:t>
+                        </m:r>
+                        <m:r>
+                          <a:rPr lang="en-US" altLang="ko-KR" sz="1500" b="0" i="1" smtClean="0">
+                            <a:latin typeface="Cambria Math" panose="02040503050406030204" pitchFamily="18" charset="0"/>
+                          </a:rPr>
+                          <m:t>𝜏</m:t>
+                        </m:r>
+                      </m:e>
+                      <m:sub>
+                        <m:r>
+                          <a:rPr lang="en-US" altLang="ko-KR" sz="1500" b="0" i="1" smtClean="0">
+                            <a:latin typeface="Cambria Math" panose="02040503050406030204" pitchFamily="18" charset="0"/>
+                          </a:rPr>
+                          <m:t>00</m:t>
+                        </m:r>
+                      </m:sub>
+                    </m:sSub>
+                  </m:oMath>
+                </a14:m>
+                <a:endParaRPr lang="en-US" altLang="ko-KR" sz="1500" b="0" dirty="0"/>
+              </a:p>
+              <a:p>
+                <a:endParaRPr lang="ko-KR" altLang="en-US" sz="1500" dirty="0"/>
+              </a:p>
+            </p:txBody>
+          </p:sp>
+        </mc:Choice>
+        <mc:Fallback>
+          <p:sp>
+            <p:nvSpPr>
+              <p:cNvPr id="10" name="TextBox 9">
+                <a:extLst>
+                  <a:ext uri="{FF2B5EF4-FFF2-40B4-BE49-F238E27FC236}">
+                    <a16:creationId xmlns:a16="http://schemas.microsoft.com/office/drawing/2014/main" id="{64B538F3-CB8E-5686-5946-7EB3A16719BC}"/>
+                  </a:ext>
+                </a:extLst>
+              </p:cNvPr>
+              <p:cNvSpPr txBox="1">
+                <a:spLocks noRot="1" noChangeAspect="1" noMove="1" noResize="1" noEditPoints="1" noAdjustHandles="1" noChangeArrowheads="1" noChangeShapeType="1" noTextEdit="1"/>
+              </p:cNvSpPr>
+              <p:nvPr/>
+            </p:nvSpPr>
+            <p:spPr>
+              <a:xfrm>
+                <a:off x="3165447" y="4988004"/>
+                <a:ext cx="1569720" cy="553998"/>
+              </a:xfrm>
+              <a:prstGeom prst="rect">
+                <a:avLst/>
+              </a:prstGeom>
+              <a:blipFill>
+                <a:blip r:embed="rId3"/>
+                <a:stretch>
+                  <a:fillRect l="-1550" t="-2198"/>
+                </a:stretch>
+              </a:blipFill>
+            </p:spPr>
+            <p:txBody>
+              <a:bodyPr/>
+              <a:lstStyle/>
+              <a:p>
+                <a:r>
+                  <a:rPr lang="ko-KR" altLang="en-US">
+                    <a:noFill/>
+                  </a:rPr>
+                  <a:t> </a:t>
+                </a:r>
+              </a:p>
+            </p:txBody>
+          </p:sp>
+        </mc:Fallback>
+      </mc:AlternateContent>
+      <mc:AlternateContent xmlns:mc="http://schemas.openxmlformats.org/markup-compatibility/2006">
+        <mc:Choice xmlns:a14="http://schemas.microsoft.com/office/drawing/2010/main" Requires="a14">
+          <p:sp>
+            <p:nvSpPr>
+              <p:cNvPr id="11" name="TextBox 10">
+                <a:extLst>
+                  <a:ext uri="{FF2B5EF4-FFF2-40B4-BE49-F238E27FC236}">
+                    <a16:creationId xmlns:a16="http://schemas.microsoft.com/office/drawing/2014/main" id="{E765EFD1-ADDB-91AC-17E9-8BEF341A0B31}"/>
+                  </a:ext>
+                </a:extLst>
+              </p:cNvPr>
+              <p:cNvSpPr txBox="1"/>
+              <p:nvPr/>
+            </p:nvSpPr>
+            <p:spPr>
+              <a:xfrm>
+                <a:off x="2473960" y="5564862"/>
+                <a:ext cx="1607820" cy="553998"/>
+              </a:xfrm>
+              <a:prstGeom prst="rect">
+                <a:avLst/>
+              </a:prstGeom>
+              <a:noFill/>
+            </p:spPr>
+            <p:txBody>
+              <a:bodyPr wrap="square" rtlCol="0">
+                <a:spAutoFit/>
+              </a:bodyPr>
+              <a:lstStyle/>
+              <a:p>
+                <a:r>
+                  <a:rPr lang="en-US" altLang="ko-KR" sz="1500" b="0" dirty="0"/>
+                  <a:t>L1 Intercept : </a:t>
+                </a:r>
+                <a14:m>
+                  <m:oMath xmlns:m="http://schemas.openxmlformats.org/officeDocument/2006/math">
+                    <m:sSup>
+                      <m:sSupPr>
+                        <m:ctrlPr>
+                          <a:rPr lang="en-US" altLang="ko-KR" sz="1500" b="0" i="1" smtClean="0">
+                            <a:latin typeface="Cambria Math" panose="02040503050406030204" pitchFamily="18" charset="0"/>
+                          </a:rPr>
+                        </m:ctrlPr>
+                      </m:sSupPr>
+                      <m:e>
+                        <m:r>
+                          <a:rPr lang="en-US" altLang="ko-KR" sz="1500" b="0" i="1" smtClean="0">
+                            <a:latin typeface="Cambria Math" panose="02040503050406030204" pitchFamily="18" charset="0"/>
+                          </a:rPr>
+                          <m:t>𝜎</m:t>
+                        </m:r>
+                      </m:e>
+                      <m:sup>
+                        <m:r>
+                          <a:rPr lang="en-US" altLang="ko-KR" sz="1500" b="0" i="1" smtClean="0">
+                            <a:latin typeface="Cambria Math" panose="02040503050406030204" pitchFamily="18" charset="0"/>
+                          </a:rPr>
+                          <m:t>2</m:t>
+                        </m:r>
+                      </m:sup>
+                    </m:sSup>
+                  </m:oMath>
+                </a14:m>
+                <a:endParaRPr lang="en-US" altLang="ko-KR" sz="1500" b="0" dirty="0"/>
+              </a:p>
+              <a:p>
+                <a:endParaRPr lang="ko-KR" altLang="en-US" sz="1500" dirty="0"/>
+              </a:p>
+            </p:txBody>
+          </p:sp>
+        </mc:Choice>
+        <mc:Fallback>
+          <p:sp>
+            <p:nvSpPr>
+              <p:cNvPr id="11" name="TextBox 10">
+                <a:extLst>
+                  <a:ext uri="{FF2B5EF4-FFF2-40B4-BE49-F238E27FC236}">
+                    <a16:creationId xmlns:a16="http://schemas.microsoft.com/office/drawing/2014/main" id="{E765EFD1-ADDB-91AC-17E9-8BEF341A0B31}"/>
+                  </a:ext>
+                </a:extLst>
+              </p:cNvPr>
+              <p:cNvSpPr txBox="1">
+                <a:spLocks noRot="1" noChangeAspect="1" noMove="1" noResize="1" noEditPoints="1" noAdjustHandles="1" noChangeArrowheads="1" noChangeShapeType="1" noTextEdit="1"/>
+              </p:cNvSpPr>
+              <p:nvPr/>
+            </p:nvSpPr>
+            <p:spPr>
+              <a:xfrm>
+                <a:off x="2473960" y="5564862"/>
+                <a:ext cx="1607820" cy="553998"/>
+              </a:xfrm>
+              <a:prstGeom prst="rect">
+                <a:avLst/>
+              </a:prstGeom>
+              <a:blipFill>
+                <a:blip r:embed="rId4"/>
+                <a:stretch>
+                  <a:fillRect l="-1515" t="-2198"/>
+                </a:stretch>
+              </a:blipFill>
+            </p:spPr>
+            <p:txBody>
+              <a:bodyPr/>
+              <a:lstStyle/>
+              <a:p>
+                <a:r>
+                  <a:rPr lang="ko-KR" altLang="en-US">
+                    <a:noFill/>
+                  </a:rPr>
+                  <a:t> </a:t>
+                </a:r>
+              </a:p>
+            </p:txBody>
+          </p:sp>
+        </mc:Fallback>
+      </mc:AlternateContent>
+      <p:cxnSp>
+        <p:nvCxnSpPr>
+          <p:cNvPr id="13" name="직선 화살표 연결선 12">
+            <a:extLst>
+              <a:ext uri="{FF2B5EF4-FFF2-40B4-BE49-F238E27FC236}">
+                <a16:creationId xmlns:a16="http://schemas.microsoft.com/office/drawing/2014/main" id="{DF87EE37-D284-1169-5C5F-5F926620152F}"/>
+              </a:ext>
+            </a:extLst>
+          </p:cNvPr>
+          <p:cNvCxnSpPr>
+            <a:cxnSpLocks/>
+          </p:cNvCxnSpPr>
+          <p:nvPr/>
+        </p:nvCxnSpPr>
+        <p:spPr>
+          <a:xfrm flipV="1">
+            <a:off x="2339340" y="5175389"/>
+            <a:ext cx="879849" cy="199251"/>
+          </a:xfrm>
+          <a:prstGeom prst="straightConnector1">
+            <a:avLst/>
+          </a:prstGeom>
+          <a:ln w="38100">
+            <a:solidFill>
+              <a:srgbClr val="FED100"/>
+            </a:solidFill>
+            <a:tailEnd type="triangle"/>
+          </a:ln>
+        </p:spPr>
+        <p:style>
+          <a:lnRef idx="1">
+            <a:schemeClr val="accent1"/>
+          </a:lnRef>
+          <a:fillRef idx="0">
+            <a:schemeClr val="accent1"/>
+          </a:fillRef>
+          <a:effectRef idx="0">
+            <a:schemeClr val="accent1"/>
+          </a:effectRef>
+          <a:fontRef idx="minor">
+            <a:schemeClr val="tx1"/>
+          </a:fontRef>
+        </p:style>
+      </p:cxnSp>
+      <p:cxnSp>
+        <p:nvCxnSpPr>
+          <p:cNvPr id="14" name="직선 화살표 연결선 13">
+            <a:extLst>
+              <a:ext uri="{FF2B5EF4-FFF2-40B4-BE49-F238E27FC236}">
+                <a16:creationId xmlns:a16="http://schemas.microsoft.com/office/drawing/2014/main" id="{74E67977-5550-76BF-1291-029DFAF0AA93}"/>
+              </a:ext>
+            </a:extLst>
+          </p:cNvPr>
+          <p:cNvCxnSpPr>
+            <a:cxnSpLocks/>
+          </p:cNvCxnSpPr>
+          <p:nvPr/>
+        </p:nvCxnSpPr>
+        <p:spPr>
+          <a:xfrm>
+            <a:off x="2385060" y="5542002"/>
+            <a:ext cx="142240" cy="165378"/>
+          </a:xfrm>
+          <a:prstGeom prst="straightConnector1">
+            <a:avLst/>
+          </a:prstGeom>
+          <a:ln w="38100">
+            <a:solidFill>
+              <a:srgbClr val="FF8439"/>
+            </a:solidFill>
+            <a:tailEnd type="triangle"/>
+          </a:ln>
+        </p:spPr>
+        <p:style>
+          <a:lnRef idx="1">
+            <a:schemeClr val="accent1"/>
+          </a:lnRef>
+          <a:fillRef idx="0">
+            <a:schemeClr val="accent1"/>
+          </a:fillRef>
+          <a:effectRef idx="0">
+            <a:schemeClr val="accent1"/>
+          </a:effectRef>
+          <a:fontRef idx="minor">
+            <a:schemeClr val="tx1"/>
+          </a:fontRef>
+        </p:style>
+      </p:cxnSp>
+      <p:sp>
+        <p:nvSpPr>
+          <p:cNvPr id="18" name="TextBox 17">
+            <a:extLst>
+              <a:ext uri="{FF2B5EF4-FFF2-40B4-BE49-F238E27FC236}">
+                <a16:creationId xmlns:a16="http://schemas.microsoft.com/office/drawing/2014/main" id="{D04FD5B8-5E14-2C58-CC54-B4975189C55B}"/>
+              </a:ext>
+            </a:extLst>
+          </p:cNvPr>
+          <p:cNvSpPr txBox="1"/>
+          <p:nvPr/>
+        </p:nvSpPr>
+        <p:spPr>
+          <a:xfrm>
+            <a:off x="912676" y="5463108"/>
+            <a:ext cx="1029003" cy="323165"/>
+          </a:xfrm>
+          <a:prstGeom prst="rect">
+            <a:avLst/>
+          </a:prstGeom>
+          <a:noFill/>
+        </p:spPr>
+        <p:txBody>
+          <a:bodyPr wrap="square" rtlCol="0">
+            <a:spAutoFit/>
+          </a:bodyPr>
+          <a:lstStyle/>
+          <a:p>
+            <a:r>
+              <a:rPr lang="en-US" altLang="ko-KR" sz="1500" b="0" dirty="0"/>
+              <a:t>Deviance</a:t>
+            </a:r>
+            <a:endParaRPr lang="ko-KR" altLang="en-US" sz="1500" dirty="0"/>
+          </a:p>
+        </p:txBody>
+      </p:sp>
+      <p:sp>
+        <p:nvSpPr>
+          <p:cNvPr id="19" name="TextBox 18">
+            <a:extLst>
+              <a:ext uri="{FF2B5EF4-FFF2-40B4-BE49-F238E27FC236}">
+                <a16:creationId xmlns:a16="http://schemas.microsoft.com/office/drawing/2014/main" id="{112503BA-DBD4-D8B6-3B16-102F811AA04A}"/>
+              </a:ext>
+            </a:extLst>
+          </p:cNvPr>
+          <p:cNvSpPr txBox="1"/>
+          <p:nvPr/>
+        </p:nvSpPr>
+        <p:spPr>
+          <a:xfrm>
+            <a:off x="1779270" y="2135366"/>
+            <a:ext cx="2392680" cy="931683"/>
+          </a:xfrm>
+          <a:prstGeom prst="rect">
+            <a:avLst/>
+          </a:prstGeom>
+          <a:noFill/>
+          <a:ln>
+            <a:solidFill>
+              <a:schemeClr val="accent1"/>
+            </a:solidFill>
+          </a:ln>
+        </p:spPr>
+        <p:txBody>
+          <a:bodyPr wrap="square" rtlCol="0">
+            <a:spAutoFit/>
+          </a:bodyPr>
+          <a:lstStyle/>
+          <a:p>
+            <a:endParaRPr lang="ko-KR" altLang="en-US" dirty="0"/>
+          </a:p>
+        </p:txBody>
+      </p:sp>
+      <p:sp>
+        <p:nvSpPr>
+          <p:cNvPr id="20" name="TextBox 19">
+            <a:extLst>
+              <a:ext uri="{FF2B5EF4-FFF2-40B4-BE49-F238E27FC236}">
+                <a16:creationId xmlns:a16="http://schemas.microsoft.com/office/drawing/2014/main" id="{75711750-1DEE-DFB9-CADF-8C831C8F73F5}"/>
+              </a:ext>
+            </a:extLst>
+          </p:cNvPr>
+          <p:cNvSpPr txBox="1"/>
+          <p:nvPr/>
+        </p:nvSpPr>
+        <p:spPr>
+          <a:xfrm>
+            <a:off x="4313745" y="2339597"/>
+            <a:ext cx="1187763" cy="523220"/>
+          </a:xfrm>
+          <a:prstGeom prst="rect">
+            <a:avLst/>
+          </a:prstGeom>
+          <a:noFill/>
+        </p:spPr>
+        <p:txBody>
+          <a:bodyPr wrap="square" rtlCol="0">
+            <a:spAutoFit/>
+          </a:bodyPr>
+          <a:lstStyle/>
+          <a:p>
+            <a:r>
+              <a:rPr lang="en-US" altLang="ko-KR" sz="1400" dirty="0"/>
+              <a:t>Level-1 Interaction</a:t>
+            </a:r>
+            <a:endParaRPr lang="ko-KR" altLang="en-US" sz="1400" dirty="0"/>
+          </a:p>
+        </p:txBody>
+      </p:sp>
+      <p:sp>
+        <p:nvSpPr>
+          <p:cNvPr id="22" name="TextBox 21">
+            <a:extLst>
+              <a:ext uri="{FF2B5EF4-FFF2-40B4-BE49-F238E27FC236}">
+                <a16:creationId xmlns:a16="http://schemas.microsoft.com/office/drawing/2014/main" id="{54E59A85-BD70-CC75-83FE-D0E92583AAE4}"/>
+              </a:ext>
+            </a:extLst>
+          </p:cNvPr>
+          <p:cNvSpPr txBox="1"/>
+          <p:nvPr/>
+        </p:nvSpPr>
+        <p:spPr>
+          <a:xfrm>
+            <a:off x="8231947" y="5542002"/>
+            <a:ext cx="2972186" cy="369332"/>
+          </a:xfrm>
+          <a:prstGeom prst="rect">
+            <a:avLst/>
+          </a:prstGeom>
+          <a:noFill/>
+        </p:spPr>
+        <p:txBody>
+          <a:bodyPr wrap="square">
+            <a:spAutoFit/>
+          </a:bodyPr>
+          <a:lstStyle/>
+          <a:p>
+            <a:r>
+              <a:rPr lang="en-US" altLang="ko-KR" dirty="0"/>
+              <a:t>(</a:t>
+            </a:r>
+            <a:r>
+              <a:rPr lang="en-US" altLang="ko-KR" dirty="0" err="1"/>
+              <a:t>Silitonga</a:t>
+            </a:r>
+            <a:r>
+              <a:rPr lang="en-US" altLang="ko-KR" dirty="0"/>
+              <a:t> et al, 2019) PAR</a:t>
+            </a:r>
+            <a:endParaRPr lang="ko-KR" altLang="en-US" dirty="0"/>
+          </a:p>
+        </p:txBody>
+      </p:sp>
+    </p:spTree>
+    <p:extLst>
+      <p:ext uri="{BB962C8B-B14F-4D97-AF65-F5344CB8AC3E}">
+        <p14:creationId xmlns:p14="http://schemas.microsoft.com/office/powerpoint/2010/main" val="4154245659"/>
+      </p:ext>
+    </p:extLst>
+  </p:cSld>
+  <p:clrMapOvr>
+    <a:masterClrMapping/>
+  </p:clrMapOvr>
+</p:sld>
+</file>
+
+<file path=ppt/slides/slide7.xml><?xml version="1.0" encoding="utf-8"?>
+<p:sld xmlns:a="http://schemas.openxmlformats.org/drawingml/2006/main" xmlns:r="http://schemas.openxmlformats.org/officeDocument/2006/relationships" xmlns:p="http://schemas.openxmlformats.org/presentationml/2006/main">
+  <p:cSld>
+    <p:spTree>
+      <p:nvGrpSpPr>
+        <p:cNvPr id="1" name=""/>
+        <p:cNvGrpSpPr/>
+        <p:nvPr/>
+      </p:nvGrpSpPr>
+      <p:grpSpPr>
+        <a:xfrm>
+          <a:off x="0" y="0"/>
+          <a:ext cx="0" cy="0"/>
+          <a:chOff x="0" y="0"/>
+          <a:chExt cx="0" cy="0"/>
+        </a:xfrm>
+      </p:grpSpPr>
+      <p:sp>
+        <p:nvSpPr>
+          <p:cNvPr id="22" name="TextBox 21">
+            <a:extLst>
+              <a:ext uri="{FF2B5EF4-FFF2-40B4-BE49-F238E27FC236}">
+                <a16:creationId xmlns:a16="http://schemas.microsoft.com/office/drawing/2014/main" id="{54E59A85-BD70-CC75-83FE-D0E92583AAE4}"/>
+              </a:ext>
+            </a:extLst>
+          </p:cNvPr>
+          <p:cNvSpPr txBox="1"/>
+          <p:nvPr/>
+        </p:nvSpPr>
+        <p:spPr>
+          <a:xfrm>
+            <a:off x="8231947" y="5542002"/>
+            <a:ext cx="2972186" cy="369332"/>
+          </a:xfrm>
+          <a:prstGeom prst="rect">
+            <a:avLst/>
+          </a:prstGeom>
+          <a:noFill/>
+        </p:spPr>
+        <p:txBody>
+          <a:bodyPr wrap="square">
+            <a:spAutoFit/>
+          </a:bodyPr>
+          <a:lstStyle/>
+          <a:p>
+            <a:r>
+              <a:rPr lang="en-US" altLang="ko-KR" dirty="0"/>
+              <a:t>(Carter, 2016) JPART</a:t>
+            </a:r>
+            <a:endParaRPr lang="ko-KR" altLang="en-US" dirty="0"/>
+          </a:p>
+        </p:txBody>
+      </p:sp>
+      <p:pic>
+        <p:nvPicPr>
+          <p:cNvPr id="3" name="그림 2">
+            <a:extLst>
+              <a:ext uri="{FF2B5EF4-FFF2-40B4-BE49-F238E27FC236}">
+                <a16:creationId xmlns:a16="http://schemas.microsoft.com/office/drawing/2014/main" id="{7B4B3763-51FD-9B8F-33F3-34884A97CF92}"/>
+              </a:ext>
+            </a:extLst>
+          </p:cNvPr>
+          <p:cNvPicPr>
+            <a:picLocks noChangeAspect="1"/>
+          </p:cNvPicPr>
+          <p:nvPr/>
+        </p:nvPicPr>
+        <p:blipFill>
+          <a:blip r:embed="rId2"/>
+          <a:stretch>
+            <a:fillRect/>
+          </a:stretch>
+        </p:blipFill>
+        <p:spPr>
+          <a:xfrm>
+            <a:off x="717974" y="1088690"/>
+            <a:ext cx="7252838" cy="5017469"/>
+          </a:xfrm>
+          <a:prstGeom prst="rect">
+            <a:avLst/>
+          </a:prstGeom>
+        </p:spPr>
+      </p:pic>
+    </p:spTree>
+    <p:extLst>
+      <p:ext uri="{BB962C8B-B14F-4D97-AF65-F5344CB8AC3E}">
+        <p14:creationId xmlns:p14="http://schemas.microsoft.com/office/powerpoint/2010/main" val="90367313"/>
+      </p:ext>
+    </p:extLst>
+  </p:cSld>
+  <p:clrMapOvr>
+    <a:masterClrMapping/>
+  </p:clrMapOvr>
+</p:sld>
+</file>
+
+<file path=ppt/slides/slide8.xml><?xml version="1.0" encoding="utf-8"?>
+<p:sld xmlns:a="http://schemas.openxmlformats.org/drawingml/2006/main" xmlns:r="http://schemas.openxmlformats.org/officeDocument/2006/relationships" xmlns:p="http://schemas.openxmlformats.org/presentationml/2006/main">
+  <p:cSld>
+    <p:spTree>
+      <p:nvGrpSpPr>
+        <p:cNvPr id="1" name=""/>
+        <p:cNvGrpSpPr/>
+        <p:nvPr/>
+      </p:nvGrpSpPr>
+      <p:grpSpPr>
+        <a:xfrm>
+          <a:off x="0" y="0"/>
+          <a:ext cx="0" cy="0"/>
+          <a:chOff x="0" y="0"/>
+          <a:chExt cx="0" cy="0"/>
+        </a:xfrm>
+      </p:grpSpPr>
+      <p:sp>
+        <p:nvSpPr>
+          <p:cNvPr id="22" name="TextBox 21">
+            <a:extLst>
+              <a:ext uri="{FF2B5EF4-FFF2-40B4-BE49-F238E27FC236}">
+                <a16:creationId xmlns:a16="http://schemas.microsoft.com/office/drawing/2014/main" id="{54E59A85-BD70-CC75-83FE-D0E92583AAE4}"/>
+              </a:ext>
+            </a:extLst>
+          </p:cNvPr>
+          <p:cNvSpPr txBox="1"/>
+          <p:nvPr/>
+        </p:nvSpPr>
+        <p:spPr>
+          <a:xfrm>
+            <a:off x="8231947" y="5542002"/>
+            <a:ext cx="2972186" cy="369332"/>
+          </a:xfrm>
+          <a:prstGeom prst="rect">
+            <a:avLst/>
+          </a:prstGeom>
+          <a:noFill/>
+        </p:spPr>
+        <p:txBody>
+          <a:bodyPr wrap="square">
+            <a:spAutoFit/>
+          </a:bodyPr>
+          <a:lstStyle/>
+          <a:p>
+            <a:r>
+              <a:rPr lang="en-US" altLang="ko-KR" dirty="0"/>
+              <a:t>(Kim and </a:t>
+            </a:r>
+            <a:r>
+              <a:rPr lang="en-US" altLang="ko-KR" dirty="0" err="1"/>
+              <a:t>Eun</a:t>
+            </a:r>
+            <a:r>
+              <a:rPr lang="en-US" altLang="ko-KR" dirty="0"/>
+              <a:t>, 2022) JAPP</a:t>
+            </a:r>
+            <a:endParaRPr lang="ko-KR" altLang="en-US" dirty="0"/>
+          </a:p>
+        </p:txBody>
+      </p:sp>
+      <p:pic>
+        <p:nvPicPr>
+          <p:cNvPr id="3" name="그림 2">
+            <a:extLst>
+              <a:ext uri="{FF2B5EF4-FFF2-40B4-BE49-F238E27FC236}">
+                <a16:creationId xmlns:a16="http://schemas.microsoft.com/office/drawing/2014/main" id="{4DD88E04-36C8-9611-5E6A-85286132F60D}"/>
+              </a:ext>
+            </a:extLst>
+          </p:cNvPr>
+          <p:cNvPicPr>
+            <a:picLocks noChangeAspect="1"/>
+          </p:cNvPicPr>
+          <p:nvPr/>
+        </p:nvPicPr>
+        <p:blipFill>
+          <a:blip r:embed="rId2"/>
+          <a:stretch>
+            <a:fillRect/>
+          </a:stretch>
+        </p:blipFill>
+        <p:spPr>
+          <a:xfrm>
+            <a:off x="646176" y="614360"/>
+            <a:ext cx="7275576" cy="4673158"/>
+          </a:xfrm>
+          <a:prstGeom prst="rect">
+            <a:avLst/>
+          </a:prstGeom>
+        </p:spPr>
+      </p:pic>
+      <p:sp>
+        <p:nvSpPr>
+          <p:cNvPr id="4" name="TextBox 3">
+            <a:extLst>
+              <a:ext uri="{FF2B5EF4-FFF2-40B4-BE49-F238E27FC236}">
+                <a16:creationId xmlns:a16="http://schemas.microsoft.com/office/drawing/2014/main" id="{73B04650-50AB-02B3-5310-AA496FB636AA}"/>
+              </a:ext>
+            </a:extLst>
+          </p:cNvPr>
+          <p:cNvSpPr txBox="1"/>
+          <p:nvPr/>
+        </p:nvSpPr>
+        <p:spPr>
+          <a:xfrm>
+            <a:off x="816864" y="3855010"/>
+            <a:ext cx="1524000" cy="674318"/>
+          </a:xfrm>
+          <a:prstGeom prst="rect">
+            <a:avLst/>
+          </a:prstGeom>
+          <a:noFill/>
+          <a:ln>
+            <a:solidFill>
+              <a:schemeClr val="accent1"/>
+            </a:solidFill>
+          </a:ln>
+        </p:spPr>
+        <p:txBody>
+          <a:bodyPr wrap="square" rtlCol="0">
+            <a:spAutoFit/>
+          </a:bodyPr>
+          <a:lstStyle/>
+          <a:p>
+            <a:endParaRPr lang="ko-KR" altLang="en-US" dirty="0"/>
+          </a:p>
+        </p:txBody>
+      </p:sp>
+      <p:sp>
+        <p:nvSpPr>
+          <p:cNvPr id="5" name="TextBox 4">
+            <a:extLst>
+              <a:ext uri="{FF2B5EF4-FFF2-40B4-BE49-F238E27FC236}">
+                <a16:creationId xmlns:a16="http://schemas.microsoft.com/office/drawing/2014/main" id="{6F3AE761-E5C8-5B63-D02D-7D73E515C866}"/>
+              </a:ext>
+            </a:extLst>
+          </p:cNvPr>
+          <p:cNvSpPr txBox="1"/>
+          <p:nvPr/>
+        </p:nvSpPr>
+        <p:spPr>
+          <a:xfrm>
+            <a:off x="2478981" y="3930559"/>
+            <a:ext cx="1187763" cy="523220"/>
+          </a:xfrm>
+          <a:prstGeom prst="rect">
+            <a:avLst/>
+          </a:prstGeom>
+          <a:noFill/>
+        </p:spPr>
+        <p:txBody>
+          <a:bodyPr wrap="square" rtlCol="0">
+            <a:spAutoFit/>
+          </a:bodyPr>
+          <a:lstStyle/>
+          <a:p>
+            <a:r>
+              <a:rPr lang="en-US" altLang="ko-KR" sz="1400" dirty="0"/>
+              <a:t>Cross-level Interaction</a:t>
+            </a:r>
+            <a:endParaRPr lang="ko-KR" altLang="en-US" sz="1400" dirty="0"/>
+          </a:p>
+        </p:txBody>
+      </p:sp>
+      <p:cxnSp>
+        <p:nvCxnSpPr>
+          <p:cNvPr id="6" name="직선 화살표 연결선 5">
+            <a:extLst>
+              <a:ext uri="{FF2B5EF4-FFF2-40B4-BE49-F238E27FC236}">
+                <a16:creationId xmlns:a16="http://schemas.microsoft.com/office/drawing/2014/main" id="{CFEEA36A-67FA-9F12-E5F2-819DB7EE9E3C}"/>
+              </a:ext>
+            </a:extLst>
+          </p:cNvPr>
+          <p:cNvCxnSpPr>
+            <a:cxnSpLocks/>
+          </p:cNvCxnSpPr>
+          <p:nvPr/>
+        </p:nvCxnSpPr>
+        <p:spPr>
+          <a:xfrm>
+            <a:off x="1078992" y="4968240"/>
+            <a:ext cx="1847088" cy="319278"/>
+          </a:xfrm>
+          <a:prstGeom prst="straightConnector1">
+            <a:avLst/>
+          </a:prstGeom>
+          <a:ln w="38100">
+            <a:solidFill>
+              <a:srgbClr val="FED100"/>
+            </a:solidFill>
+            <a:tailEnd type="triangle"/>
+          </a:ln>
+        </p:spPr>
+        <p:style>
+          <a:lnRef idx="1">
+            <a:schemeClr val="accent1"/>
+          </a:lnRef>
+          <a:fillRef idx="0">
+            <a:schemeClr val="accent1"/>
+          </a:fillRef>
+          <a:effectRef idx="0">
+            <a:schemeClr val="accent1"/>
+          </a:effectRef>
+          <a:fontRef idx="minor">
+            <a:schemeClr val="tx1"/>
+          </a:fontRef>
+        </p:style>
+      </p:cxnSp>
+      <p:sp>
+        <p:nvSpPr>
+          <p:cNvPr id="12" name="TextBox 11">
+            <a:extLst>
+              <a:ext uri="{FF2B5EF4-FFF2-40B4-BE49-F238E27FC236}">
+                <a16:creationId xmlns:a16="http://schemas.microsoft.com/office/drawing/2014/main" id="{117697C1-77F3-C66B-A8A2-21A953B2A41A}"/>
+              </a:ext>
+            </a:extLst>
+          </p:cNvPr>
+          <p:cNvSpPr txBox="1"/>
+          <p:nvPr/>
+        </p:nvSpPr>
+        <p:spPr>
+          <a:xfrm>
+            <a:off x="2941320" y="5217390"/>
+            <a:ext cx="1607820" cy="553998"/>
+          </a:xfrm>
+          <a:prstGeom prst="rect">
+            <a:avLst/>
+          </a:prstGeom>
+          <a:noFill/>
+        </p:spPr>
+        <p:txBody>
+          <a:bodyPr wrap="square" rtlCol="0">
+            <a:spAutoFit/>
+          </a:bodyPr>
+          <a:lstStyle/>
+          <a:p>
+            <a:r>
+              <a:rPr lang="en-US" altLang="ko-KR" sz="1500" b="0" dirty="0"/>
+              <a:t>Fit</a:t>
+            </a:r>
+          </a:p>
+          <a:p>
+            <a:endParaRPr lang="ko-KR" altLang="en-US" sz="1500" dirty="0"/>
+          </a:p>
+        </p:txBody>
+      </p:sp>
+    </p:spTree>
+    <p:extLst>
+      <p:ext uri="{BB962C8B-B14F-4D97-AF65-F5344CB8AC3E}">
+        <p14:creationId xmlns:p14="http://schemas.microsoft.com/office/powerpoint/2010/main" val="2829707433"/>
+      </p:ext>
+    </p:extLst>
+  </p:cSld>
+  <p:clrMapOvr>
+    <a:masterClrMapping/>
+  </p:clrMapOvr>
+</p:sld>
+</file>
+
+<file path=ppt/slides/slide9.xml><?xml version="1.0" encoding="utf-8"?>
+<p:sld xmlns:a="http://schemas.openxmlformats.org/drawingml/2006/main" xmlns:r="http://schemas.openxmlformats.org/officeDocument/2006/relationships" xmlns:p="http://schemas.openxmlformats.org/presentationml/2006/main">
+  <p:cSld>
+    <p:spTree>
+      <p:nvGrpSpPr>
+        <p:cNvPr id="1" name=""/>
+        <p:cNvGrpSpPr/>
+        <p:nvPr/>
+      </p:nvGrpSpPr>
+      <p:grpSpPr>
+        <a:xfrm>
+          <a:off x="0" y="0"/>
+          <a:ext cx="0" cy="0"/>
+          <a:chOff x="0" y="0"/>
+          <a:chExt cx="0" cy="0"/>
+        </a:xfrm>
+      </p:grpSpPr>
+      <p:pic>
+        <p:nvPicPr>
+          <p:cNvPr id="6" name="그림 5">
+            <a:extLst>
+              <a:ext uri="{FF2B5EF4-FFF2-40B4-BE49-F238E27FC236}">
+                <a16:creationId xmlns:a16="http://schemas.microsoft.com/office/drawing/2014/main" id="{3A6AB89B-984E-2A96-86E2-6980872AA183}"/>
+              </a:ext>
+            </a:extLst>
+          </p:cNvPr>
+          <p:cNvPicPr>
+            <a:picLocks noChangeAspect="1"/>
+          </p:cNvPicPr>
+          <p:nvPr/>
+        </p:nvPicPr>
+        <p:blipFill>
+          <a:blip r:embed="rId2"/>
+          <a:stretch>
+            <a:fillRect/>
+          </a:stretch>
+        </p:blipFill>
+        <p:spPr>
+          <a:xfrm>
+            <a:off x="6733204" y="1406347"/>
+            <a:ext cx="4749694" cy="2757537"/>
+          </a:xfrm>
+          <a:prstGeom prst="rect">
+            <a:avLst/>
+          </a:prstGeom>
+        </p:spPr>
+      </p:pic>
+      <p:pic>
+        <p:nvPicPr>
+          <p:cNvPr id="8" name="그림 7">
+            <a:extLst>
+              <a:ext uri="{FF2B5EF4-FFF2-40B4-BE49-F238E27FC236}">
+                <a16:creationId xmlns:a16="http://schemas.microsoft.com/office/drawing/2014/main" id="{9B1B5B2C-7D10-F5A5-33CE-2B6B6AA0D8DE}"/>
+              </a:ext>
+            </a:extLst>
+          </p:cNvPr>
+          <p:cNvPicPr>
+            <a:picLocks noChangeAspect="1"/>
+          </p:cNvPicPr>
+          <p:nvPr/>
+        </p:nvPicPr>
+        <p:blipFill>
+          <a:blip r:embed="rId3"/>
+          <a:stretch>
+            <a:fillRect/>
+          </a:stretch>
+        </p:blipFill>
+        <p:spPr>
+          <a:xfrm>
+            <a:off x="533593" y="1406347"/>
+            <a:ext cx="5250277" cy="2757537"/>
+          </a:xfrm>
+          <a:prstGeom prst="rect">
+            <a:avLst/>
+          </a:prstGeom>
+        </p:spPr>
+      </p:pic>
+      <p:pic>
+        <p:nvPicPr>
+          <p:cNvPr id="10" name="그림 9">
+            <a:extLst>
+              <a:ext uri="{FF2B5EF4-FFF2-40B4-BE49-F238E27FC236}">
+                <a16:creationId xmlns:a16="http://schemas.microsoft.com/office/drawing/2014/main" id="{270C3BEA-4163-9F12-7EDB-D7EDD95E4EB7}"/>
+              </a:ext>
+            </a:extLst>
+          </p:cNvPr>
+          <p:cNvPicPr>
+            <a:picLocks noChangeAspect="1"/>
+          </p:cNvPicPr>
+          <p:nvPr/>
+        </p:nvPicPr>
+        <p:blipFill>
+          <a:blip r:embed="rId4"/>
+          <a:stretch>
+            <a:fillRect/>
+          </a:stretch>
+        </p:blipFill>
+        <p:spPr>
+          <a:xfrm>
+            <a:off x="6733204" y="4163883"/>
+            <a:ext cx="4749694" cy="1577431"/>
+          </a:xfrm>
+          <a:prstGeom prst="rect">
+            <a:avLst/>
+          </a:prstGeom>
+        </p:spPr>
+      </p:pic>
+      <p:sp>
+        <p:nvSpPr>
+          <p:cNvPr id="11" name="직사각형 10">
+            <a:extLst>
+              <a:ext uri="{FF2B5EF4-FFF2-40B4-BE49-F238E27FC236}">
+                <a16:creationId xmlns:a16="http://schemas.microsoft.com/office/drawing/2014/main" id="{F2C95CE6-6E68-EA51-D794-B3430D439AC3}"/>
+              </a:ext>
+            </a:extLst>
+          </p:cNvPr>
+          <p:cNvSpPr/>
+          <p:nvPr/>
+        </p:nvSpPr>
+        <p:spPr>
+          <a:xfrm>
+            <a:off x="469726" y="2898570"/>
+            <a:ext cx="1488278" cy="1328965"/>
+          </a:xfrm>
+          <a:prstGeom prst="rect">
+            <a:avLst/>
+          </a:prstGeom>
+          <a:noFill/>
+          <a:ln w="38100">
+            <a:solidFill>
+              <a:schemeClr val="accent2"/>
+            </a:solidFill>
+          </a:ln>
+        </p:spPr>
+        <p:style>
+          <a:lnRef idx="2">
+            <a:schemeClr val="accent1">
+              <a:shade val="50000"/>
+            </a:schemeClr>
+          </a:lnRef>
+          <a:fillRef idx="1">
+            <a:schemeClr val="accent1"/>
+          </a:fillRef>
+          <a:effectRef idx="0">
+            <a:schemeClr val="accent1"/>
+          </a:effectRef>
+          <a:fontRef idx="minor">
+            <a:schemeClr val="lt1"/>
+          </a:fontRef>
+        </p:style>
+        <p:txBody>
+          <a:bodyPr rtlCol="0" anchor="ctr"/>
+          <a:lstStyle/>
+          <a:p>
+            <a:pPr algn="ctr"/>
+            <a:endParaRPr lang="ko-KR" altLang="en-US"/>
+          </a:p>
+        </p:txBody>
+      </p:sp>
+      <p:sp>
+        <p:nvSpPr>
+          <p:cNvPr id="12" name="직사각형 11">
+            <a:extLst>
+              <a:ext uri="{FF2B5EF4-FFF2-40B4-BE49-F238E27FC236}">
+                <a16:creationId xmlns:a16="http://schemas.microsoft.com/office/drawing/2014/main" id="{1C0FCA54-FC9D-6C0B-DA9C-F957838813C7}"/>
+              </a:ext>
+            </a:extLst>
+          </p:cNvPr>
+          <p:cNvSpPr/>
+          <p:nvPr/>
+        </p:nvSpPr>
+        <p:spPr>
+          <a:xfrm>
+            <a:off x="7561545" y="4760774"/>
+            <a:ext cx="3921353" cy="725628"/>
+          </a:xfrm>
+          <a:prstGeom prst="rect">
+            <a:avLst/>
+          </a:prstGeom>
+          <a:noFill/>
+          <a:ln w="38100">
+            <a:solidFill>
+              <a:schemeClr val="accent2"/>
+            </a:solidFill>
+          </a:ln>
+        </p:spPr>
+        <p:style>
+          <a:lnRef idx="2">
+            <a:schemeClr val="accent1">
+              <a:shade val="50000"/>
+            </a:schemeClr>
+          </a:lnRef>
+          <a:fillRef idx="1">
+            <a:schemeClr val="accent1"/>
+          </a:fillRef>
+          <a:effectRef idx="0">
+            <a:schemeClr val="accent1"/>
+          </a:effectRef>
+          <a:fontRef idx="minor">
+            <a:schemeClr val="lt1"/>
+          </a:fontRef>
+        </p:style>
+        <p:txBody>
+          <a:bodyPr rtlCol="0" anchor="ctr"/>
+          <a:lstStyle/>
+          <a:p>
+            <a:pPr algn="ctr"/>
+            <a:endParaRPr lang="ko-KR" altLang="en-US"/>
+          </a:p>
+        </p:txBody>
+      </p:sp>
+      <p:sp>
+        <p:nvSpPr>
+          <p:cNvPr id="13" name="직사각형 12">
+            <a:extLst>
+              <a:ext uri="{FF2B5EF4-FFF2-40B4-BE49-F238E27FC236}">
+                <a16:creationId xmlns:a16="http://schemas.microsoft.com/office/drawing/2014/main" id="{48A2EC44-24E7-8681-6A81-94B9D910140B}"/>
+              </a:ext>
+            </a:extLst>
+          </p:cNvPr>
+          <p:cNvSpPr/>
+          <p:nvPr/>
+        </p:nvSpPr>
+        <p:spPr>
+          <a:xfrm>
+            <a:off x="469725" y="2455102"/>
+            <a:ext cx="2549047" cy="379817"/>
+          </a:xfrm>
+          <a:prstGeom prst="rect">
+            <a:avLst/>
+          </a:prstGeom>
+          <a:noFill/>
+          <a:ln w="38100">
+            <a:solidFill>
+              <a:schemeClr val="accent6"/>
+            </a:solidFill>
+          </a:ln>
+        </p:spPr>
+        <p:style>
+          <a:lnRef idx="2">
+            <a:schemeClr val="accent1">
+              <a:shade val="50000"/>
+            </a:schemeClr>
+          </a:lnRef>
+          <a:fillRef idx="1">
+            <a:schemeClr val="accent1"/>
+          </a:fillRef>
+          <a:effectRef idx="0">
+            <a:schemeClr val="accent1"/>
+          </a:effectRef>
+          <a:fontRef idx="minor">
+            <a:schemeClr val="lt1"/>
+          </a:fontRef>
+        </p:style>
+        <p:txBody>
+          <a:bodyPr rtlCol="0" anchor="ctr"/>
+          <a:lstStyle/>
+          <a:p>
+            <a:pPr algn="ctr"/>
+            <a:endParaRPr lang="ko-KR" altLang="en-US"/>
+          </a:p>
+        </p:txBody>
+      </p:sp>
+      <p:sp>
+        <p:nvSpPr>
+          <p:cNvPr id="14" name="직사각형 13">
+            <a:extLst>
+              <a:ext uri="{FF2B5EF4-FFF2-40B4-BE49-F238E27FC236}">
+                <a16:creationId xmlns:a16="http://schemas.microsoft.com/office/drawing/2014/main" id="{90E757B2-B623-7FDC-E8D9-9631363710A9}"/>
+              </a:ext>
+            </a:extLst>
+          </p:cNvPr>
+          <p:cNvSpPr/>
+          <p:nvPr/>
+        </p:nvSpPr>
+        <p:spPr>
+          <a:xfrm>
+            <a:off x="9413310" y="2968669"/>
+            <a:ext cx="1787045" cy="309718"/>
+          </a:xfrm>
+          <a:prstGeom prst="rect">
+            <a:avLst/>
+          </a:prstGeom>
+          <a:noFill/>
+          <a:ln w="38100">
+            <a:solidFill>
+              <a:schemeClr val="accent6"/>
+            </a:solidFill>
+          </a:ln>
+        </p:spPr>
+        <p:style>
+          <a:lnRef idx="2">
+            <a:schemeClr val="accent1">
+              <a:shade val="50000"/>
+            </a:schemeClr>
+          </a:lnRef>
+          <a:fillRef idx="1">
+            <a:schemeClr val="accent1"/>
+          </a:fillRef>
+          <a:effectRef idx="0">
+            <a:schemeClr val="accent1"/>
+          </a:effectRef>
+          <a:fontRef idx="minor">
+            <a:schemeClr val="lt1"/>
+          </a:fontRef>
+        </p:style>
+        <p:txBody>
+          <a:bodyPr rtlCol="0" anchor="ctr"/>
+          <a:lstStyle/>
+          <a:p>
+            <a:pPr algn="ctr"/>
+            <a:endParaRPr lang="ko-KR" altLang="en-US"/>
+          </a:p>
+        </p:txBody>
+      </p:sp>
+    </p:spTree>
+    <p:extLst>
+      <p:ext uri="{BB962C8B-B14F-4D97-AF65-F5344CB8AC3E}">
+        <p14:creationId xmlns:p14="http://schemas.microsoft.com/office/powerpoint/2010/main" val="1453937188"/>
       </p:ext>
     </p:extLst>
   </p:cSld>

--- a/그림.pptx
+++ b/그림.pptx
@@ -125,14 +125,189 @@
 <file path=ppt/revisionInfo.xml><?xml version="1.0" encoding="utf-8"?>
 <p1510:revInfo xmlns:a="http://schemas.openxmlformats.org/drawingml/2006/main" xmlns:r="http://schemas.openxmlformats.org/officeDocument/2006/relationships" xmlns:p1510="http://schemas.microsoft.com/office/powerpoint/2015/10/main">
   <p1510:revLst>
-    <p1510:client id="{28308632-E1D1-4863-A840-A2DFE1CF93F1}" v="3" dt="2023-01-26T09:04:11.083"/>
-    <p1510:client id="{9D9C2D40-DEF9-4F8D-A9E0-AE9373B1CD27}" v="223" dt="2023-01-26T16:09:57.786"/>
+    <p1510:client id="{CAF202F5-2CD5-489F-B700-5178C93B9283}" v="15" dt="2023-01-30T10:51:53.897"/>
   </p1510:revLst>
 </p1510:revInfo>
 </file>
 
 <file path=ppt/changesInfos/changesInfo1.xml><?xml version="1.0" encoding="utf-8"?>
 <pc:chgInfo xmlns:a="http://schemas.openxmlformats.org/drawingml/2006/main" xmlns:r="http://schemas.openxmlformats.org/officeDocument/2006/relationships" xmlns:ac="http://schemas.microsoft.com/office/drawing/2013/main/command" xmlns:pc="http://schemas.microsoft.com/office/powerpoint/2013/main/command">
+  <pc:docChgLst>
+    <pc:chgData name="주상원" userId="20f45aad-3735-4b46-b3e4-3c4e735e7b26" providerId="ADAL" clId="{CAF202F5-2CD5-489F-B700-5178C93B9283}"/>
+    <pc:docChg chg="undo custSel modSld">
+      <pc:chgData name="주상원" userId="20f45aad-3735-4b46-b3e4-3c4e735e7b26" providerId="ADAL" clId="{CAF202F5-2CD5-489F-B700-5178C93B9283}" dt="2023-01-30T10:52:40.429" v="67" actId="1037"/>
+      <pc:docMkLst>
+        <pc:docMk/>
+      </pc:docMkLst>
+      <pc:sldChg chg="addSp delSp modSp mod">
+        <pc:chgData name="주상원" userId="20f45aad-3735-4b46-b3e4-3c4e735e7b26" providerId="ADAL" clId="{CAF202F5-2CD5-489F-B700-5178C93B9283}" dt="2023-01-30T10:52:40.429" v="67" actId="1037"/>
+        <pc:sldMkLst>
+          <pc:docMk/>
+          <pc:sldMk cId="1044175515" sldId="267"/>
+        </pc:sldMkLst>
+        <pc:spChg chg="add del mod">
+          <ac:chgData name="주상원" userId="20f45aad-3735-4b46-b3e4-3c4e735e7b26" providerId="ADAL" clId="{CAF202F5-2CD5-489F-B700-5178C93B9283}" dt="2023-01-30T10:46:26.983" v="27"/>
+          <ac:spMkLst>
+            <pc:docMk/>
+            <pc:sldMk cId="1044175515" sldId="267"/>
+            <ac:spMk id="2" creationId="{9FF55C2B-307D-4C0E-42A1-0E5B5522447F}"/>
+          </ac:spMkLst>
+        </pc:spChg>
+        <pc:spChg chg="add del mod">
+          <ac:chgData name="주상원" userId="20f45aad-3735-4b46-b3e4-3c4e735e7b26" providerId="ADAL" clId="{CAF202F5-2CD5-489F-B700-5178C93B9283}" dt="2023-01-30T10:50:33.199" v="35"/>
+          <ac:spMkLst>
+            <pc:docMk/>
+            <pc:sldMk cId="1044175515" sldId="267"/>
+            <ac:spMk id="6" creationId="{A75DAC9D-5766-E4C6-242D-417CDFDA84BF}"/>
+          </ac:spMkLst>
+        </pc:spChg>
+        <pc:spChg chg="add del">
+          <ac:chgData name="주상원" userId="20f45aad-3735-4b46-b3e4-3c4e735e7b26" providerId="ADAL" clId="{CAF202F5-2CD5-489F-B700-5178C93B9283}" dt="2023-01-30T10:50:36.491" v="37"/>
+          <ac:spMkLst>
+            <pc:docMk/>
+            <pc:sldMk cId="1044175515" sldId="267"/>
+            <ac:spMk id="8" creationId="{30F4CAC4-BCC8-DE56-0D56-7E35B9A3C3B5}"/>
+          </ac:spMkLst>
+        </pc:spChg>
+        <pc:spChg chg="add del">
+          <ac:chgData name="주상원" userId="20f45aad-3735-4b46-b3e4-3c4e735e7b26" providerId="ADAL" clId="{CAF202F5-2CD5-489F-B700-5178C93B9283}" dt="2023-01-30T10:50:38.634" v="39"/>
+          <ac:spMkLst>
+            <pc:docMk/>
+            <pc:sldMk cId="1044175515" sldId="267"/>
+            <ac:spMk id="10" creationId="{FAD35E96-3AFB-CFB3-A809-E24872A285D6}"/>
+          </ac:spMkLst>
+        </pc:spChg>
+        <pc:spChg chg="add del">
+          <ac:chgData name="주상원" userId="20f45aad-3735-4b46-b3e4-3c4e735e7b26" providerId="ADAL" clId="{CAF202F5-2CD5-489F-B700-5178C93B9283}" dt="2023-01-30T10:46:27.019" v="28" actId="21"/>
+          <ac:spMkLst>
+            <pc:docMk/>
+            <pc:sldMk cId="1044175515" sldId="267"/>
+            <ac:spMk id="12" creationId="{AA20EFAA-0238-3667-D4F7-5F2E1E6A123F}"/>
+          </ac:spMkLst>
+        </pc:spChg>
+        <pc:spChg chg="mod">
+          <ac:chgData name="주상원" userId="20f45aad-3735-4b46-b3e4-3c4e735e7b26" providerId="ADAL" clId="{CAF202F5-2CD5-489F-B700-5178C93B9283}" dt="2023-01-30T10:52:40.429" v="67" actId="1037"/>
+          <ac:spMkLst>
+            <pc:docMk/>
+            <pc:sldMk cId="1044175515" sldId="267"/>
+            <ac:spMk id="15" creationId="{BD44560E-6680-72A5-F9E1-7D92470DE28A}"/>
+          </ac:spMkLst>
+        </pc:spChg>
+        <pc:spChg chg="mod">
+          <ac:chgData name="주상원" userId="20f45aad-3735-4b46-b3e4-3c4e735e7b26" providerId="ADAL" clId="{CAF202F5-2CD5-489F-B700-5178C93B9283}" dt="2023-01-30T10:52:38.785" v="66" actId="1037"/>
+          <ac:spMkLst>
+            <pc:docMk/>
+            <pc:sldMk cId="1044175515" sldId="267"/>
+            <ac:spMk id="18" creationId="{9E5D1D12-5C94-1970-DF94-93C059B5E04B}"/>
+          </ac:spMkLst>
+        </pc:spChg>
+        <pc:spChg chg="add del mod">
+          <ac:chgData name="주상원" userId="20f45aad-3735-4b46-b3e4-3c4e735e7b26" providerId="ADAL" clId="{CAF202F5-2CD5-489F-B700-5178C93B9283}" dt="2023-01-30T10:51:00.670" v="46" actId="478"/>
+          <ac:spMkLst>
+            <pc:docMk/>
+            <pc:sldMk cId="1044175515" sldId="267"/>
+            <ac:spMk id="24" creationId="{F001502D-C4C8-2ED8-1C8A-6ACA6D7B42BF}"/>
+          </ac:spMkLst>
+        </pc:spChg>
+        <pc:spChg chg="mod">
+          <ac:chgData name="주상원" userId="20f45aad-3735-4b46-b3e4-3c4e735e7b26" providerId="ADAL" clId="{CAF202F5-2CD5-489F-B700-5178C93B9283}" dt="2023-01-30T10:52:34.709" v="65" actId="1037"/>
+          <ac:spMkLst>
+            <pc:docMk/>
+            <pc:sldMk cId="1044175515" sldId="267"/>
+            <ac:spMk id="28" creationId="{B7672340-E3C1-8309-E545-10D9E9F0FF06}"/>
+          </ac:spMkLst>
+        </pc:spChg>
+        <pc:spChg chg="mod">
+          <ac:chgData name="주상원" userId="20f45aad-3735-4b46-b3e4-3c4e735e7b26" providerId="ADAL" clId="{CAF202F5-2CD5-489F-B700-5178C93B9283}" dt="2023-01-30T10:52:17.803" v="63" actId="1076"/>
+          <ac:spMkLst>
+            <pc:docMk/>
+            <pc:sldMk cId="1044175515" sldId="267"/>
+            <ac:spMk id="31" creationId="{D5784B0C-0F32-01D4-7696-B61E7FC22D4C}"/>
+          </ac:spMkLst>
+        </pc:spChg>
+        <pc:spChg chg="mod">
+          <ac:chgData name="주상원" userId="20f45aad-3735-4b46-b3e4-3c4e735e7b26" providerId="ADAL" clId="{CAF202F5-2CD5-489F-B700-5178C93B9283}" dt="2023-01-30T10:52:17.803" v="63" actId="1076"/>
+          <ac:spMkLst>
+            <pc:docMk/>
+            <pc:sldMk cId="1044175515" sldId="267"/>
+            <ac:spMk id="32" creationId="{03C216FC-1449-76B5-738D-57C177EEF99D}"/>
+          </ac:spMkLst>
+        </pc:spChg>
+        <pc:spChg chg="add mod">
+          <ac:chgData name="주상원" userId="20f45aad-3735-4b46-b3e4-3c4e735e7b26" providerId="ADAL" clId="{CAF202F5-2CD5-489F-B700-5178C93B9283}" dt="2023-01-30T10:52:32.180" v="64" actId="1076"/>
+          <ac:spMkLst>
+            <pc:docMk/>
+            <pc:sldMk cId="1044175515" sldId="267"/>
+            <ac:spMk id="35" creationId="{E4CA1BB7-5807-3D6B-BE6D-172846C1370B}"/>
+          </ac:spMkLst>
+        </pc:spChg>
+        <pc:spChg chg="add del mod">
+          <ac:chgData name="주상원" userId="20f45aad-3735-4b46-b3e4-3c4e735e7b26" providerId="ADAL" clId="{CAF202F5-2CD5-489F-B700-5178C93B9283}" dt="2023-01-30T10:51:35.312" v="54" actId="478"/>
+          <ac:spMkLst>
+            <pc:docMk/>
+            <pc:sldMk cId="1044175515" sldId="267"/>
+            <ac:spMk id="41" creationId="{C5888D33-FCF6-079C-94BB-D8C71A2E05F7}"/>
+          </ac:spMkLst>
+        </pc:spChg>
+        <pc:spChg chg="add mod">
+          <ac:chgData name="주상원" userId="20f45aad-3735-4b46-b3e4-3c4e735e7b26" providerId="ADAL" clId="{CAF202F5-2CD5-489F-B700-5178C93B9283}" dt="2023-01-30T10:52:32.180" v="64" actId="1076"/>
+          <ac:spMkLst>
+            <pc:docMk/>
+            <pc:sldMk cId="1044175515" sldId="267"/>
+            <ac:spMk id="42" creationId="{2B34DF73-D99B-BA7E-DD45-0F49F98150D3}"/>
+          </ac:spMkLst>
+        </pc:spChg>
+        <pc:spChg chg="add mod">
+          <ac:chgData name="주상원" userId="20f45aad-3735-4b46-b3e4-3c4e735e7b26" providerId="ADAL" clId="{CAF202F5-2CD5-489F-B700-5178C93B9283}" dt="2023-01-30T10:52:32.180" v="64" actId="1076"/>
+          <ac:spMkLst>
+            <pc:docMk/>
+            <pc:sldMk cId="1044175515" sldId="267"/>
+            <ac:spMk id="43" creationId="{EE47E055-87A0-7F00-1249-A8FE0D919D3D}"/>
+          </ac:spMkLst>
+        </pc:spChg>
+        <pc:spChg chg="add mod">
+          <ac:chgData name="주상원" userId="20f45aad-3735-4b46-b3e4-3c4e735e7b26" providerId="ADAL" clId="{CAF202F5-2CD5-489F-B700-5178C93B9283}" dt="2023-01-30T10:52:32.180" v="64" actId="1076"/>
+          <ac:spMkLst>
+            <pc:docMk/>
+            <pc:sldMk cId="1044175515" sldId="267"/>
+            <ac:spMk id="44" creationId="{BF586176-2E0B-7580-EEB3-CA157E75B3DA}"/>
+          </ac:spMkLst>
+        </pc:spChg>
+        <pc:picChg chg="add del mod">
+          <ac:chgData name="주상원" userId="20f45aad-3735-4b46-b3e4-3c4e735e7b26" providerId="ADAL" clId="{CAF202F5-2CD5-489F-B700-5178C93B9283}" dt="2023-01-30T10:51:01.455" v="47" actId="478"/>
+          <ac:picMkLst>
+            <pc:docMk/>
+            <pc:sldMk cId="1044175515" sldId="267"/>
+            <ac:picMk id="4" creationId="{00119427-A61C-06DD-3EBC-2EB23A662802}"/>
+          </ac:picMkLst>
+        </pc:picChg>
+        <pc:picChg chg="mod">
+          <ac:chgData name="주상원" userId="20f45aad-3735-4b46-b3e4-3c4e735e7b26" providerId="ADAL" clId="{CAF202F5-2CD5-489F-B700-5178C93B9283}" dt="2023-01-30T10:52:17.803" v="63" actId="1076"/>
+          <ac:picMkLst>
+            <pc:docMk/>
+            <pc:sldMk cId="1044175515" sldId="267"/>
+            <ac:picMk id="7" creationId="{9E55B665-E715-FAF0-28A1-6E75CB21F2B0}"/>
+          </ac:picMkLst>
+        </pc:picChg>
+        <pc:picChg chg="add mod modCrop">
+          <ac:chgData name="주상원" userId="20f45aad-3735-4b46-b3e4-3c4e735e7b26" providerId="ADAL" clId="{CAF202F5-2CD5-489F-B700-5178C93B9283}" dt="2023-01-30T10:52:32.180" v="64" actId="1076"/>
+          <ac:picMkLst>
+            <pc:docMk/>
+            <pc:sldMk cId="1044175515" sldId="267"/>
+            <ac:picMk id="26" creationId="{0A92F2E6-0973-802D-BCF6-FCA6C04B7E93}"/>
+          </ac:picMkLst>
+        </pc:picChg>
+        <pc:picChg chg="mod">
+          <ac:chgData name="주상원" userId="20f45aad-3735-4b46-b3e4-3c4e735e7b26" providerId="ADAL" clId="{CAF202F5-2CD5-489F-B700-5178C93B9283}" dt="2023-01-30T10:52:17.803" v="63" actId="1076"/>
+          <ac:picMkLst>
+            <pc:docMk/>
+            <pc:sldMk cId="1044175515" sldId="267"/>
+            <ac:picMk id="27" creationId="{81C38B59-9C75-FEDB-6F1D-3C34FB53A9DF}"/>
+          </ac:picMkLst>
+        </pc:picChg>
+      </pc:sldChg>
+    </pc:docChg>
+  </pc:docChgLst>
   <pc:docChgLst>
     <pc:chgData name="주상원" userId="20f45aad-3735-4b46-b3e4-3c4e735e7b26" providerId="ADAL" clId="{28308632-E1D1-4863-A840-A2DFE1CF93F1}"/>
     <pc:docChg chg="undo custSel addSld modSld">
@@ -1219,7 +1394,7 @@
           <a:p>
             <a:fld id="{D68C256E-43AB-47CA-A9B1-8D3956E3B056}" type="datetimeFigureOut">
               <a:rPr lang="ko-KR" altLang="en-US" smtClean="0"/>
-              <a:t>2023-01-26</a:t>
+              <a:t>2023-01-30</a:t>
             </a:fld>
             <a:endParaRPr lang="ko-KR" altLang="en-US"/>
           </a:p>
@@ -1417,7 +1592,7 @@
           <a:p>
             <a:fld id="{D68C256E-43AB-47CA-A9B1-8D3956E3B056}" type="datetimeFigureOut">
               <a:rPr lang="ko-KR" altLang="en-US" smtClean="0"/>
-              <a:t>2023-01-26</a:t>
+              <a:t>2023-01-30</a:t>
             </a:fld>
             <a:endParaRPr lang="ko-KR" altLang="en-US"/>
           </a:p>
@@ -1625,7 +1800,7 @@
           <a:p>
             <a:fld id="{D68C256E-43AB-47CA-A9B1-8D3956E3B056}" type="datetimeFigureOut">
               <a:rPr lang="ko-KR" altLang="en-US" smtClean="0"/>
-              <a:t>2023-01-26</a:t>
+              <a:t>2023-01-30</a:t>
             </a:fld>
             <a:endParaRPr lang="ko-KR" altLang="en-US"/>
           </a:p>
@@ -1823,7 +1998,7 @@
           <a:p>
             <a:fld id="{D68C256E-43AB-47CA-A9B1-8D3956E3B056}" type="datetimeFigureOut">
               <a:rPr lang="ko-KR" altLang="en-US" smtClean="0"/>
-              <a:t>2023-01-26</a:t>
+              <a:t>2023-01-30</a:t>
             </a:fld>
             <a:endParaRPr lang="ko-KR" altLang="en-US"/>
           </a:p>
@@ -2098,7 +2273,7 @@
           <a:p>
             <a:fld id="{D68C256E-43AB-47CA-A9B1-8D3956E3B056}" type="datetimeFigureOut">
               <a:rPr lang="ko-KR" altLang="en-US" smtClean="0"/>
-              <a:t>2023-01-26</a:t>
+              <a:t>2023-01-30</a:t>
             </a:fld>
             <a:endParaRPr lang="ko-KR" altLang="en-US"/>
           </a:p>
@@ -2363,7 +2538,7 @@
           <a:p>
             <a:fld id="{D68C256E-43AB-47CA-A9B1-8D3956E3B056}" type="datetimeFigureOut">
               <a:rPr lang="ko-KR" altLang="en-US" smtClean="0"/>
-              <a:t>2023-01-26</a:t>
+              <a:t>2023-01-30</a:t>
             </a:fld>
             <a:endParaRPr lang="ko-KR" altLang="en-US"/>
           </a:p>
@@ -2775,7 +2950,7 @@
           <a:p>
             <a:fld id="{D68C256E-43AB-47CA-A9B1-8D3956E3B056}" type="datetimeFigureOut">
               <a:rPr lang="ko-KR" altLang="en-US" smtClean="0"/>
-              <a:t>2023-01-26</a:t>
+              <a:t>2023-01-30</a:t>
             </a:fld>
             <a:endParaRPr lang="ko-KR" altLang="en-US"/>
           </a:p>
@@ -2916,7 +3091,7 @@
           <a:p>
             <a:fld id="{D68C256E-43AB-47CA-A9B1-8D3956E3B056}" type="datetimeFigureOut">
               <a:rPr lang="ko-KR" altLang="en-US" smtClean="0"/>
-              <a:t>2023-01-26</a:t>
+              <a:t>2023-01-30</a:t>
             </a:fld>
             <a:endParaRPr lang="ko-KR" altLang="en-US"/>
           </a:p>
@@ -3029,7 +3204,7 @@
           <a:p>
             <a:fld id="{D68C256E-43AB-47CA-A9B1-8D3956E3B056}" type="datetimeFigureOut">
               <a:rPr lang="ko-KR" altLang="en-US" smtClean="0"/>
-              <a:t>2023-01-26</a:t>
+              <a:t>2023-01-30</a:t>
             </a:fld>
             <a:endParaRPr lang="ko-KR" altLang="en-US"/>
           </a:p>
@@ -3340,7 +3515,7 @@
           <a:p>
             <a:fld id="{D68C256E-43AB-47CA-A9B1-8D3956E3B056}" type="datetimeFigureOut">
               <a:rPr lang="ko-KR" altLang="en-US" smtClean="0"/>
-              <a:t>2023-01-26</a:t>
+              <a:t>2023-01-30</a:t>
             </a:fld>
             <a:endParaRPr lang="ko-KR" altLang="en-US"/>
           </a:p>
@@ -3628,7 +3803,7 @@
           <a:p>
             <a:fld id="{D68C256E-43AB-47CA-A9B1-8D3956E3B056}" type="datetimeFigureOut">
               <a:rPr lang="ko-KR" altLang="en-US" smtClean="0"/>
-              <a:t>2023-01-26</a:t>
+              <a:t>2023-01-30</a:t>
             </a:fld>
             <a:endParaRPr lang="ko-KR" altLang="en-US"/>
           </a:p>
@@ -3869,7 +4044,7 @@
           <a:p>
             <a:fld id="{D68C256E-43AB-47CA-A9B1-8D3956E3B056}" type="datetimeFigureOut">
               <a:rPr lang="ko-KR" altLang="en-US" smtClean="0"/>
-              <a:t>2023-01-26</a:t>
+              <a:t>2023-01-30</a:t>
             </a:fld>
             <a:endParaRPr lang="ko-KR" altLang="en-US"/>
           </a:p>
@@ -6001,7 +6176,7 @@
         </p:blipFill>
         <p:spPr>
           <a:xfrm>
-            <a:off x="801436" y="2992975"/>
+            <a:off x="978110" y="4045711"/>
             <a:ext cx="4935380" cy="1189779"/>
           </a:xfrm>
           <a:prstGeom prst="rect">
@@ -6162,7 +6337,7 @@
         </p:nvSpPr>
         <p:spPr>
           <a:xfrm>
-            <a:off x="3616482" y="1815322"/>
+            <a:off x="3606957" y="1815322"/>
             <a:ext cx="650333" cy="169277"/>
           </a:xfrm>
           <a:prstGeom prst="rect">
@@ -6224,8 +6399,8 @@
           </a:p>
         </p:txBody>
       </p:sp>
-      <mc:AlternateContent xmlns:mc="http://schemas.openxmlformats.org/markup-compatibility/2006">
-        <mc:Choice xmlns:a14="http://schemas.microsoft.com/office/drawing/2010/main" Requires="a14">
+      <mc:AlternateContent xmlns:mc="http://schemas.openxmlformats.org/markup-compatibility/2006" xmlns:a14="http://schemas.microsoft.com/office/drawing/2010/main">
+        <mc:Choice Requires="a14">
           <p:sp>
             <p:nvSpPr>
               <p:cNvPr id="17" name="TextBox 16">
@@ -6299,7 +6474,7 @@
             </p:txBody>
           </p:sp>
         </mc:Choice>
-        <mc:Fallback>
+        <mc:Fallback xmlns="">
           <p:sp>
             <p:nvSpPr>
               <p:cNvPr id="17" name="TextBox 16">
@@ -6363,7 +6538,7 @@
         </p:nvSpPr>
         <p:spPr>
           <a:xfrm>
-            <a:off x="3616482" y="2014302"/>
+            <a:off x="3606957" y="2014302"/>
             <a:ext cx="650333" cy="169277"/>
           </a:xfrm>
           <a:prstGeom prst="rect">
@@ -6425,8 +6600,8 @@
           </a:p>
         </p:txBody>
       </p:sp>
-      <mc:AlternateContent xmlns:mc="http://schemas.openxmlformats.org/markup-compatibility/2006">
-        <mc:Choice xmlns:a14="http://schemas.microsoft.com/office/drawing/2010/main" Requires="a14">
+      <mc:AlternateContent xmlns:mc="http://schemas.openxmlformats.org/markup-compatibility/2006" xmlns:a14="http://schemas.microsoft.com/office/drawing/2010/main">
+        <mc:Choice Requires="a14">
           <p:sp>
             <p:nvSpPr>
               <p:cNvPr id="20" name="TextBox 19">
@@ -6500,7 +6675,7 @@
             </p:txBody>
           </p:sp>
         </mc:Choice>
-        <mc:Fallback>
+        <mc:Fallback xmlns="">
           <p:sp>
             <p:nvSpPr>
               <p:cNvPr id="20" name="TextBox 19">
@@ -6627,8 +6802,8 @@
           </a:p>
         </p:txBody>
       </p:sp>
-      <mc:AlternateContent xmlns:mc="http://schemas.openxmlformats.org/markup-compatibility/2006">
-        <mc:Choice xmlns:a14="http://schemas.microsoft.com/office/drawing/2010/main" Requires="a14">
+      <mc:AlternateContent xmlns:mc="http://schemas.openxmlformats.org/markup-compatibility/2006" xmlns:a14="http://schemas.microsoft.com/office/drawing/2010/main">
+        <mc:Choice Requires="a14">
           <p:sp>
             <p:nvSpPr>
               <p:cNvPr id="23" name="TextBox 22">
@@ -6742,7 +6917,7 @@
             </p:txBody>
           </p:sp>
         </mc:Choice>
-        <mc:Fallback>
+        <mc:Fallback xmlns="">
           <p:sp>
             <p:nvSpPr>
               <p:cNvPr id="23" name="TextBox 22">
@@ -6817,7 +6992,7 @@
         </p:blipFill>
         <p:spPr>
           <a:xfrm>
-            <a:off x="801437" y="4231608"/>
+            <a:off x="978111" y="5284344"/>
             <a:ext cx="4935380" cy="1396478"/>
           </a:xfrm>
           <a:prstGeom prst="rect">
@@ -6839,7 +7014,7 @@
         </p:nvSpPr>
         <p:spPr>
           <a:xfrm>
-            <a:off x="3616482" y="2207219"/>
+            <a:off x="3606957" y="2207219"/>
             <a:ext cx="650333" cy="169277"/>
           </a:xfrm>
           <a:prstGeom prst="rect">
@@ -6901,8 +7076,8 @@
           </a:p>
         </p:txBody>
       </p:sp>
-      <mc:AlternateContent xmlns:mc="http://schemas.openxmlformats.org/markup-compatibility/2006">
-        <mc:Choice xmlns:a14="http://schemas.microsoft.com/office/drawing/2010/main" Requires="a14">
+      <mc:AlternateContent xmlns:mc="http://schemas.openxmlformats.org/markup-compatibility/2006" xmlns:a14="http://schemas.microsoft.com/office/drawing/2010/main">
+        <mc:Choice Requires="a14">
           <p:sp>
             <p:nvSpPr>
               <p:cNvPr id="30" name="TextBox 29">
@@ -6976,7 +7151,7 @@
             </p:txBody>
           </p:sp>
         </mc:Choice>
-        <mc:Fallback>
+        <mc:Fallback xmlns="">
           <p:sp>
             <p:nvSpPr>
               <p:cNvPr id="30" name="TextBox 29">
@@ -7040,7 +7215,7 @@
         </p:nvSpPr>
         <p:spPr>
           <a:xfrm>
-            <a:off x="664871" y="2804386"/>
+            <a:off x="801437" y="3857122"/>
             <a:ext cx="5208509" cy="2893100"/>
           </a:xfrm>
           <a:prstGeom prst="rect">
@@ -7118,7 +7293,7 @@
         </p:nvSpPr>
         <p:spPr>
           <a:xfrm>
-            <a:off x="1554697" y="2611469"/>
+            <a:off x="1731371" y="3664205"/>
             <a:ext cx="3205194" cy="369332"/>
           </a:xfrm>
           <a:prstGeom prst="rect">
@@ -7460,6 +7635,191 @@
                 <a:srgbClr val="C0C0C0"/>
               </a:highlight>
             </a:endParaRPr>
+          </a:p>
+        </p:txBody>
+      </p:sp>
+      <p:pic>
+        <p:nvPicPr>
+          <p:cNvPr id="26" name="그림 25">
+            <a:extLst>
+              <a:ext uri="{FF2B5EF4-FFF2-40B4-BE49-F238E27FC236}">
+                <a16:creationId xmlns:a16="http://schemas.microsoft.com/office/drawing/2014/main" id="{0A92F2E6-0973-802D-BCF6-FCA6C04B7E93}"/>
+              </a:ext>
+            </a:extLst>
+          </p:cNvPr>
+          <p:cNvPicPr>
+            <a:picLocks noChangeAspect="1"/>
+          </p:cNvPicPr>
+          <p:nvPr/>
+        </p:nvPicPr>
+        <p:blipFill rotWithShape="1">
+          <a:blip r:embed="rId12"/>
+          <a:srcRect r="36731"/>
+          <a:stretch/>
+        </p:blipFill>
+        <p:spPr>
+          <a:xfrm>
+            <a:off x="2101315" y="2690864"/>
+            <a:ext cx="2469664" cy="917349"/>
+          </a:xfrm>
+          <a:prstGeom prst="rect">
+            <a:avLst/>
+          </a:prstGeom>
+        </p:spPr>
+      </p:pic>
+      <p:sp>
+        <p:nvSpPr>
+          <p:cNvPr id="35" name="TextBox 34">
+            <a:extLst>
+              <a:ext uri="{FF2B5EF4-FFF2-40B4-BE49-F238E27FC236}">
+                <a16:creationId xmlns:a16="http://schemas.microsoft.com/office/drawing/2014/main" id="{E4CA1BB7-5807-3D6B-BE6D-172846C1370B}"/>
+              </a:ext>
+            </a:extLst>
+          </p:cNvPr>
+          <p:cNvSpPr txBox="1"/>
+          <p:nvPr/>
+        </p:nvSpPr>
+        <p:spPr>
+          <a:xfrm>
+            <a:off x="2865162" y="3228204"/>
+            <a:ext cx="650333" cy="169277"/>
+          </a:xfrm>
+          <a:prstGeom prst="rect">
+            <a:avLst/>
+          </a:prstGeom>
+          <a:noFill/>
+          <a:ln w="28575">
+            <a:solidFill>
+              <a:schemeClr val="accent4"/>
+            </a:solidFill>
+          </a:ln>
+        </p:spPr>
+        <p:txBody>
+          <a:bodyPr wrap="square" rtlCol="0">
+            <a:spAutoFit/>
+          </a:bodyPr>
+          <a:lstStyle/>
+          <a:p>
+            <a:pPr algn="ctr"/>
+            <a:endParaRPr lang="ko-KR" altLang="en-US" sz="500" dirty="0"/>
+          </a:p>
+        </p:txBody>
+      </p:sp>
+      <p:sp>
+        <p:nvSpPr>
+          <p:cNvPr id="42" name="TextBox 41">
+            <a:extLst>
+              <a:ext uri="{FF2B5EF4-FFF2-40B4-BE49-F238E27FC236}">
+                <a16:creationId xmlns:a16="http://schemas.microsoft.com/office/drawing/2014/main" id="{2B34DF73-D99B-BA7E-DD45-0F49F98150D3}"/>
+              </a:ext>
+            </a:extLst>
+          </p:cNvPr>
+          <p:cNvSpPr txBox="1"/>
+          <p:nvPr/>
+        </p:nvSpPr>
+        <p:spPr>
+          <a:xfrm>
+            <a:off x="3643513" y="3405856"/>
+            <a:ext cx="650333" cy="169277"/>
+          </a:xfrm>
+          <a:prstGeom prst="rect">
+            <a:avLst/>
+          </a:prstGeom>
+          <a:noFill/>
+          <a:ln w="28575">
+            <a:solidFill>
+              <a:schemeClr val="accent6"/>
+            </a:solidFill>
+          </a:ln>
+        </p:spPr>
+        <p:txBody>
+          <a:bodyPr wrap="square" rtlCol="0">
+            <a:spAutoFit/>
+          </a:bodyPr>
+          <a:lstStyle/>
+          <a:p>
+            <a:pPr algn="ctr"/>
+            <a:endParaRPr lang="ko-KR" altLang="en-US" sz="500" dirty="0"/>
+          </a:p>
+        </p:txBody>
+      </p:sp>
+      <p:sp>
+        <p:nvSpPr>
+          <p:cNvPr id="43" name="TextBox 42">
+            <a:extLst>
+              <a:ext uri="{FF2B5EF4-FFF2-40B4-BE49-F238E27FC236}">
+                <a16:creationId xmlns:a16="http://schemas.microsoft.com/office/drawing/2014/main" id="{EE47E055-87A0-7F00-1249-A8FE0D919D3D}"/>
+              </a:ext>
+            </a:extLst>
+          </p:cNvPr>
+          <p:cNvSpPr txBox="1"/>
+          <p:nvPr/>
+        </p:nvSpPr>
+        <p:spPr>
+          <a:xfrm>
+            <a:off x="3643512" y="3228204"/>
+            <a:ext cx="650333" cy="152911"/>
+          </a:xfrm>
+          <a:prstGeom prst="rect">
+            <a:avLst/>
+          </a:prstGeom>
+          <a:noFill/>
+          <a:ln w="28575">
+            <a:solidFill>
+              <a:schemeClr val="accent4">
+                <a:lumMod val="20000"/>
+                <a:lumOff val="80000"/>
+              </a:schemeClr>
+            </a:solidFill>
+          </a:ln>
+        </p:spPr>
+        <p:txBody>
+          <a:bodyPr wrap="square" rtlCol="0">
+            <a:spAutoFit/>
+          </a:bodyPr>
+          <a:lstStyle/>
+          <a:p>
+            <a:endParaRPr lang="ko-KR" altLang="en-US" sz="500" dirty="0"/>
+          </a:p>
+        </p:txBody>
+      </p:sp>
+      <p:sp>
+        <p:nvSpPr>
+          <p:cNvPr id="44" name="TextBox 43">
+            <a:extLst>
+              <a:ext uri="{FF2B5EF4-FFF2-40B4-BE49-F238E27FC236}">
+                <a16:creationId xmlns:a16="http://schemas.microsoft.com/office/drawing/2014/main" id="{BF586176-2E0B-7580-EEB3-CA157E75B3DA}"/>
+              </a:ext>
+            </a:extLst>
+          </p:cNvPr>
+          <p:cNvSpPr txBox="1"/>
+          <p:nvPr/>
+        </p:nvSpPr>
+        <p:spPr>
+          <a:xfrm>
+            <a:off x="2872918" y="3431965"/>
+            <a:ext cx="650333" cy="152911"/>
+          </a:xfrm>
+          <a:prstGeom prst="rect">
+            <a:avLst/>
+          </a:prstGeom>
+          <a:noFill/>
+          <a:ln w="28575">
+            <a:solidFill>
+              <a:schemeClr val="accent4">
+                <a:lumMod val="20000"/>
+                <a:lumOff val="80000"/>
+              </a:schemeClr>
+            </a:solidFill>
+          </a:ln>
+        </p:spPr>
+        <p:txBody>
+          <a:bodyPr wrap="square" rtlCol="0">
+            <a:spAutoFit/>
+          </a:bodyPr>
+          <a:lstStyle/>
+          <a:p>
+            <a:endParaRPr lang="ko-KR" altLang="en-US" sz="500" dirty="0"/>
           </a:p>
         </p:txBody>
       </p:sp>
@@ -10123,8 +10483,8 @@
           </a:prstGeom>
         </p:spPr>
       </p:pic>
-      <mc:AlternateContent xmlns:mc="http://schemas.openxmlformats.org/markup-compatibility/2006">
-        <mc:Choice xmlns:a14="http://schemas.microsoft.com/office/drawing/2010/main" Requires="a14">
+      <mc:AlternateContent xmlns:mc="http://schemas.openxmlformats.org/markup-compatibility/2006" xmlns:a14="http://schemas.microsoft.com/office/drawing/2010/main">
+        <mc:Choice Requires="a14">
           <p:sp>
             <p:nvSpPr>
               <p:cNvPr id="10" name="TextBox 9">
@@ -10200,7 +10560,7 @@
             </p:txBody>
           </p:sp>
         </mc:Choice>
-        <mc:Fallback>
+        <mc:Fallback xmlns="">
           <p:sp>
             <p:nvSpPr>
               <p:cNvPr id="10" name="TextBox 9">
@@ -10245,8 +10605,8 @@
           </p:sp>
         </mc:Fallback>
       </mc:AlternateContent>
-      <mc:AlternateContent xmlns:mc="http://schemas.openxmlformats.org/markup-compatibility/2006">
-        <mc:Choice xmlns:a14="http://schemas.microsoft.com/office/drawing/2010/main" Requires="a14">
+      <mc:AlternateContent xmlns:mc="http://schemas.openxmlformats.org/markup-compatibility/2006" xmlns:a14="http://schemas.microsoft.com/office/drawing/2010/main">
+        <mc:Choice Requires="a14">
           <p:sp>
             <p:nvSpPr>
               <p:cNvPr id="11" name="TextBox 10">
@@ -10316,7 +10676,7 @@
             </p:txBody>
           </p:sp>
         </mc:Choice>
-        <mc:Fallback>
+        <mc:Fallback xmlns="">
           <p:sp>
             <p:nvSpPr>
               <p:cNvPr id="11" name="TextBox 10">
